--- a/Daily(written_in_Korean)/200221.pptx
+++ b/Daily(written_in_Korean)/200221.pptx
@@ -154,7 +154,7 @@
   </p:defaultTextStyle>
   <p:extLst>
     <p:ext uri="{EFAFB233-063F-42B5-8137-9DF3F51BA10A}">
-      <p15:sldGuideLst xmlns="" xmlns:p15="http://schemas.microsoft.com/office/powerpoint/2012/main">
+      <p15:sldGuideLst xmlns:p15="http://schemas.microsoft.com/office/powerpoint/2012/main">
         <p15:guide id="1" orient="horz" pos="2160">
           <p15:clr>
             <a:srgbClr val="A4A3A4"/>
@@ -277,7 +277,7 @@
               <a:pPr>
                 <a:defRPr/>
               </a:pPr>
-              <a:t>2020-02-21</a:t>
+              <a:t>2020-02-22</a:t>
             </a:fld>
             <a:endParaRPr lang="ko-KR" altLang="en-US"/>
           </a:p>
@@ -1182,7 +1182,7 @@
                   <a:defRPr/>
                 </a:pPr>
                 <a:r>
-                  <a:rPr lang="ko-KR" altLang="en-US" sz="1200" dirty="0" smtClean="0">
+                  <a:rPr lang="ko-KR" altLang="en-US" sz="1200" dirty="0">
                     <a:solidFill>
                       <a:srgbClr val="FF0000"/>
                     </a:solidFill>
@@ -1190,12 +1190,6 @@
                   </a:rPr>
                   <a:t>전체적인 알고리즘 구조는 이렇다</a:t>
                 </a:r>
-                <a:endParaRPr lang="ko-KR" altLang="en-US" sz="1200" dirty="0">
-                  <a:solidFill>
-                    <a:srgbClr val="FF0000"/>
-                  </a:solidFill>
-                  <a:latin typeface="Cambria Math" panose="02040503050406030204" pitchFamily="18" charset="0"/>
-                </a:endParaRPr>
               </a:p>
             </p:txBody>
           </p:sp>
@@ -1790,7 +1784,7 @@
                   <a:defRPr/>
                 </a:pPr>
                 <a:r>
-                  <a:rPr lang="ko-KR" altLang="en-US" sz="1200" dirty="0" smtClean="0">
+                  <a:rPr lang="ko-KR" altLang="en-US" sz="1200" dirty="0">
                     <a:solidFill>
                       <a:srgbClr val="FF0000"/>
                     </a:solidFill>
@@ -1799,7 +1793,7 @@
                   <a:t>바깥쪽은 </a:t>
                 </a:r>
                 <a:r>
-                  <a:rPr lang="en-US" altLang="ko-KR" sz="1200" i="1" dirty="0" smtClean="0">
+                  <a:rPr lang="en-US" altLang="ko-KR" sz="1200" i="1" dirty="0">
                     <a:solidFill>
                       <a:srgbClr val="FF0000"/>
                     </a:solidFill>
@@ -1807,14 +1801,14 @@
                   <a:t>λ</a:t>
                 </a:r>
                 <a:r>
-                  <a:rPr lang="ko-KR" altLang="en-US" sz="1200" i="0" dirty="0" smtClean="0">
+                  <a:rPr lang="ko-KR" altLang="en-US" sz="1200" i="0" dirty="0">
                     <a:solidFill>
                       <a:srgbClr val="FF0000"/>
                     </a:solidFill>
                   </a:rPr>
                   <a:t>를 조절</a:t>
                 </a:r>
-                <a:endParaRPr lang="en-US" altLang="ko-KR" sz="1200" i="0" dirty="0" smtClean="0">
+                <a:endParaRPr lang="en-US" altLang="ko-KR" sz="1200" i="0" dirty="0">
                   <a:solidFill>
                     <a:srgbClr val="FF0000"/>
                   </a:solidFill>
@@ -1839,7 +1833,7 @@
                   <a:defRPr/>
                 </a:pPr>
                 <a:r>
-                  <a:rPr lang="ko-KR" altLang="en-US" sz="1200" i="0" dirty="0" smtClean="0">
+                  <a:rPr lang="ko-KR" altLang="en-US" sz="1200" i="0" dirty="0">
                     <a:solidFill>
                       <a:srgbClr val="FF0000"/>
                     </a:solidFill>
@@ -1855,7 +1849,7 @@
                             <a:solidFill>
                               <a:srgbClr val="FF0000"/>
                             </a:solidFill>
-                            <a:latin typeface="Cambria Math"/>
+                            <a:latin typeface="Cambria Math" panose="02040503050406030204" pitchFamily="18" charset="0"/>
                           </a:rPr>
                         </m:ctrlPr>
                       </m:sSubPr>
@@ -1885,7 +1879,7 @@
                   </m:oMath>
                 </a14:m>
                 <a:r>
-                  <a:rPr lang="ko-KR" altLang="en-US" sz="1200" i="0" dirty="0" smtClean="0">
+                  <a:rPr lang="ko-KR" altLang="en-US" sz="1200" i="0" dirty="0">
                     <a:solidFill>
                       <a:srgbClr val="FF0000"/>
                     </a:solidFill>
@@ -2511,7 +2505,7 @@
                   <a:defRPr/>
                 </a:pPr>
                 <a:r>
-                  <a:rPr lang="en-US" altLang="ko-KR" sz="1200" i="1" dirty="0" smtClean="0">
+                  <a:rPr lang="en-US" altLang="ko-KR" sz="1200" i="1" dirty="0">
                     <a:solidFill>
                       <a:srgbClr val="FF0000"/>
                     </a:solidFill>
@@ -2519,14 +2513,14 @@
                   <a:t>λ</a:t>
                 </a:r>
                 <a:r>
-                  <a:rPr lang="ko-KR" altLang="en-US" sz="1200" i="0" dirty="0" smtClean="0">
+                  <a:rPr lang="ko-KR" altLang="en-US" sz="1200" i="0" dirty="0">
                     <a:solidFill>
                       <a:srgbClr val="FF0000"/>
                     </a:solidFill>
                   </a:rPr>
                   <a:t>를 안쪽에서 조절하게 되면 종료 조건을 자주 검사하게 되는데</a:t>
                 </a:r>
-                <a:endParaRPr lang="en-US" altLang="ko-KR" sz="1200" i="0" dirty="0" smtClean="0">
+                <a:endParaRPr lang="en-US" altLang="ko-KR" sz="1200" i="0" dirty="0">
                   <a:solidFill>
                     <a:srgbClr val="FF0000"/>
                   </a:solidFill>
@@ -2551,7 +2545,7 @@
                   <a:defRPr/>
                 </a:pPr>
                 <a:r>
-                  <a:rPr lang="ko-KR" altLang="en-US" sz="1200" i="0" dirty="0" smtClean="0">
+                  <a:rPr lang="ko-KR" altLang="en-US" sz="1200" i="0" dirty="0">
                     <a:solidFill>
                       <a:srgbClr val="FF0000"/>
                     </a:solidFill>
@@ -2560,7 +2554,7 @@
                   <a:t>컴퓨터에서 </a:t>
                 </a:r>
                 <a:r>
-                  <a:rPr lang="en-US" altLang="ko-KR" sz="1200" i="0" dirty="0" smtClean="0">
+                  <a:rPr lang="en-US" altLang="ko-KR" sz="1200" i="0" dirty="0">
                     <a:solidFill>
                       <a:srgbClr val="FF0000"/>
                     </a:solidFill>
@@ -2569,7 +2563,7 @@
                   <a:t>if </a:t>
                 </a:r>
                 <a:r>
-                  <a:rPr lang="ko-KR" altLang="en-US" sz="1200" i="0" dirty="0" smtClean="0">
+                  <a:rPr lang="ko-KR" altLang="en-US" sz="1200" i="0" dirty="0">
                     <a:solidFill>
                       <a:srgbClr val="FF0000"/>
                     </a:solidFill>
@@ -2577,7 +2571,7 @@
                   </a:rPr>
                   <a:t>문은 알고리즘에서 시간을 많이 잡아먹는다</a:t>
                 </a:r>
-                <a:endParaRPr lang="en-US" altLang="ko-KR" sz="1200" i="0" dirty="0" smtClean="0">
+                <a:endParaRPr lang="en-US" altLang="ko-KR" sz="1200" i="0" dirty="0">
                   <a:solidFill>
                     <a:srgbClr val="FF0000"/>
                   </a:solidFill>
@@ -2603,7 +2597,7 @@
                   <a:defRPr/>
                 </a:pPr>
                 <a:r>
-                  <a:rPr lang="ko-KR" altLang="en-US" sz="1200" i="0" dirty="0" smtClean="0">
+                  <a:rPr lang="ko-KR" altLang="en-US" sz="1200" i="0" dirty="0">
                     <a:solidFill>
                       <a:srgbClr val="FF0000"/>
                     </a:solidFill>
@@ -2612,7 +2606,7 @@
                   <a:t>그 예로 코드 최적화를 할 때 </a:t>
                 </a:r>
                 <a:r>
-                  <a:rPr lang="en-US" altLang="ko-KR" sz="1200" i="0" dirty="0" smtClean="0">
+                  <a:rPr lang="en-US" altLang="ko-KR" sz="1200" i="0" dirty="0">
                     <a:solidFill>
                       <a:srgbClr val="FF0000"/>
                     </a:solidFill>
@@ -2621,7 +2615,7 @@
                   <a:t>for</a:t>
                 </a:r>
                 <a:r>
-                  <a:rPr lang="ko-KR" altLang="en-US" sz="1200" i="0" dirty="0" smtClean="0">
+                  <a:rPr lang="ko-KR" altLang="en-US" sz="1200" i="0" dirty="0">
                     <a:solidFill>
                       <a:srgbClr val="FF0000"/>
                     </a:solidFill>
@@ -2630,7 +2624,7 @@
                   <a:t>문에서 조건 검사를 최소화 하기 위해 풀어쓰기도 한다</a:t>
                 </a:r>
                 <a:r>
-                  <a:rPr lang="en-US" altLang="ko-KR" sz="1200" i="0" dirty="0" smtClean="0">
+                  <a:rPr lang="en-US" altLang="ko-KR" sz="1200" i="0" dirty="0">
                     <a:solidFill>
                       <a:srgbClr val="FF0000"/>
                     </a:solidFill>
@@ -2639,7 +2633,7 @@
                   <a:t>.</a:t>
                 </a:r>
                 <a:r>
-                  <a:rPr lang="ko-KR" altLang="en-US" sz="1200" i="0" dirty="0" smtClean="0">
+                  <a:rPr lang="ko-KR" altLang="en-US" sz="1200" i="0" dirty="0">
                     <a:solidFill>
                       <a:srgbClr val="FF0000"/>
                     </a:solidFill>
@@ -2647,12 +2641,6 @@
                   </a:rPr>
                   <a:t> </a:t>
                 </a:r>
-                <a:endParaRPr lang="ko-KR" altLang="en-US" sz="1200" i="0" dirty="0">
-                  <a:solidFill>
-                    <a:srgbClr val="FF0000"/>
-                  </a:solidFill>
-                  <a:latin typeface="Cambria Math" panose="02040503050406030204" pitchFamily="18" charset="0"/>
-                </a:endParaRPr>
               </a:p>
             </p:txBody>
           </p:sp>
@@ -3228,19 +3216,19 @@
           <a:lstStyle/>
           <a:p>
             <a:r>
-              <a:rPr lang="ko-KR" altLang="en-US" dirty="0" smtClean="0"/>
+              <a:rPr lang="ko-KR" altLang="en-US" dirty="0"/>
               <a:t>어제 말씀 드린 환욱이 알고리즘 람다 </a:t>
             </a:r>
             <a:r>
-              <a:rPr lang="en-US" altLang="ko-KR" dirty="0" smtClean="0"/>
+              <a:rPr lang="en-US" altLang="ko-KR" dirty="0"/>
               <a:t>2</a:t>
             </a:r>
             <a:r>
-              <a:rPr lang="ko-KR" altLang="en-US" dirty="0" smtClean="0"/>
+              <a:rPr lang="ko-KR" altLang="en-US" dirty="0"/>
               <a:t>개로 고려해서 수정했다</a:t>
             </a:r>
             <a:r>
-              <a:rPr lang="en-US" altLang="ko-KR" dirty="0" smtClean="0"/>
+              <a:rPr lang="en-US" altLang="ko-KR" dirty="0"/>
               <a:t>.</a:t>
             </a:r>
             <a:endParaRPr lang="ko-KR" altLang="en-US" dirty="0"/>
@@ -3361,7 +3349,7 @@
                             <a:solidFill>
                               <a:srgbClr val="FF0000"/>
                             </a:solidFill>
-                            <a:latin typeface="Cambria Math"/>
+                            <a:latin typeface="Cambria Math" panose="02040503050406030204" pitchFamily="18" charset="0"/>
                           </a:rPr>
                         </m:ctrlPr>
                       </m:sSubPr>
@@ -3391,23 +3379,15 @@
                   </m:oMath>
                 </a14:m>
                 <a:r>
-                  <a:rPr lang="ko-KR" altLang="en-US" sz="1200" i="0" dirty="0" smtClean="0">
+                  <a:rPr lang="ko-KR" altLang="en-US" sz="1200" i="0" dirty="0">
                     <a:solidFill>
                       <a:srgbClr val="FF0000"/>
                     </a:solidFill>
                   </a:rPr>
-                  <a:t>를 </a:t>
-                </a:r>
-                <a:r>
-                  <a:rPr lang="ko-KR" altLang="en-US" sz="1200" i="0" dirty="0" smtClean="0">
-                    <a:solidFill>
-                      <a:srgbClr val="FF0000"/>
-                    </a:solidFill>
-                  </a:rPr>
-                  <a:t>조절을</a:t>
-                </a:r>
-                <a:r>
-                  <a:rPr lang="en-US" altLang="ko-KR" sz="1200" i="0" dirty="0" smtClean="0">
+                  <a:t>를 조절을</a:t>
+                </a:r>
+                <a:r>
+                  <a:rPr lang="en-US" altLang="ko-KR" sz="1200" i="0" dirty="0">
                     <a:solidFill>
                       <a:srgbClr val="FF0000"/>
                     </a:solidFill>
@@ -3415,7 +3395,7 @@
                   <a:t> </a:t>
                 </a:r>
                 <a:r>
-                  <a:rPr lang="ko-KR" altLang="en-US" sz="1200" i="0" dirty="0" smtClean="0">
+                  <a:rPr lang="ko-KR" altLang="en-US" sz="1200" i="0" dirty="0">
                     <a:solidFill>
                       <a:srgbClr val="FF0000"/>
                     </a:solidFill>
@@ -3423,7 +3403,7 @@
                   <a:t>최대한 </a:t>
                 </a:r>
                 <a:r>
-                  <a:rPr lang="en-US" altLang="ko-KR" sz="1200" i="0" dirty="0" smtClean="0">
+                  <a:rPr lang="en-US" altLang="ko-KR" sz="1200" i="0" dirty="0">
                     <a:solidFill>
                       <a:srgbClr val="FF0000"/>
                     </a:solidFill>
@@ -3431,18 +3411,13 @@
                   <a:t>full search </a:t>
                 </a:r>
                 <a:r>
-                  <a:rPr lang="ko-KR" altLang="en-US" sz="1200" i="0" dirty="0" smtClean="0">
+                  <a:rPr lang="ko-KR" altLang="en-US" sz="1200" i="0" dirty="0">
                     <a:solidFill>
                       <a:srgbClr val="FF0000"/>
                     </a:solidFill>
                   </a:rPr>
                   <a:t>비슷하게 해야 함</a:t>
                 </a:r>
-                <a:endParaRPr lang="ko-KR" altLang="en-US" sz="1200" i="0" dirty="0" smtClean="0">
-                  <a:solidFill>
-                    <a:srgbClr val="FF0000"/>
-                  </a:solidFill>
-                </a:endParaRPr>
               </a:p>
               <a:p>
                 <a:pPr marL="0" marR="0" lvl="0" indent="0" algn="just" defTabSz="914400" rtl="0" eaLnBrk="0" fontAlgn="base" latinLnBrk="1" hangingPunct="0">
@@ -10101,17 +10076,9 @@
             <a:br>
               <a:rPr lang="en-US" altLang="ko-KR" sz="4000" dirty="0"/>
             </a:br>
-            <a:r>
-              <a:rPr lang="en-US" altLang="ko-KR" sz="4000" dirty="0"/>
-              <a:t/>
-            </a:r>
             <a:br>
               <a:rPr lang="en-US" altLang="ko-KR" sz="4000" dirty="0"/>
             </a:br>
-            <a:r>
-              <a:rPr lang="en-US" altLang="ko-KR" sz="4000" dirty="0"/>
-              <a:t/>
-            </a:r>
             <a:br>
               <a:rPr lang="en-US" altLang="ko-KR" sz="4000" dirty="0"/>
             </a:br>
@@ -10132,17 +10099,6 @@
                 <a:effectLst/>
               </a:rPr>
             </a:br>
-            <a:r>
-              <a:rPr lang="en-US" altLang="ko-KR" sz="1400" b="0" dirty="0">
-                <a:solidFill>
-                  <a:schemeClr val="bg2">
-                    <a:lumMod val="75000"/>
-                  </a:schemeClr>
-                </a:solidFill>
-                <a:effectLst/>
-              </a:rPr>
-              <a:t/>
-            </a:r>
             <a:br>
               <a:rPr lang="en-US" altLang="ko-KR" sz="1400" b="0" dirty="0">
                 <a:solidFill>
@@ -10195,17 +10151,6 @@
                 <a:effectLst/>
               </a:rPr>
             </a:br>
-            <a:r>
-              <a:rPr lang="en-US" altLang="ko-KR" sz="1800" b="0" dirty="0">
-                <a:solidFill>
-                  <a:schemeClr val="bg2">
-                    <a:lumMod val="75000"/>
-                  </a:schemeClr>
-                </a:solidFill>
-                <a:effectLst/>
-              </a:rPr>
-              <a:t/>
-            </a:r>
             <a:br>
               <a:rPr lang="en-US" altLang="ko-KR" sz="1800" b="0" dirty="0">
                 <a:solidFill>
@@ -10217,7 +10162,7 @@
               </a:rPr>
             </a:br>
             <a:r>
-              <a:rPr lang="en-US" altLang="ko-KR" sz="1800" b="0" dirty="0" smtClean="0">
+              <a:rPr lang="en-US" altLang="ko-KR" sz="1800" b="0" dirty="0">
                 <a:solidFill>
                   <a:schemeClr val="bg2">
                     <a:lumMod val="75000"/>
@@ -10272,7 +10217,7 @@
           <p:cNvPr id="3" name="내용 개체 틀 2">
             <a:extLst>
               <a:ext uri="{FF2B5EF4-FFF2-40B4-BE49-F238E27FC236}">
-                <a16:creationId xmlns="" xmlns:a16="http://schemas.microsoft.com/office/drawing/2014/main" id="{DE8BFF22-D990-4F51-B947-CAF4A8D16C78}"/>
+                <a16:creationId xmlns:a16="http://schemas.microsoft.com/office/drawing/2014/main" id="{DE8BFF22-D990-4F51-B947-CAF4A8D16C78}"/>
               </a:ext>
             </a:extLst>
           </p:cNvPr>
@@ -10327,187 +10272,62 @@
           <a:p>
             <a:r>
               <a:rPr lang="en-US" altLang="ko-KR" sz="2000" dirty="0"/>
-              <a:t>Single:	</a:t>
+              <a:t>Single:	39.49</a:t>
             </a:r>
-            <a:r>
-              <a:rPr lang="en-US" altLang="ko-KR" sz="2000" dirty="0" smtClean="0"/>
-              <a:t>39.49</a:t>
-            </a:r>
-            <a:endParaRPr lang="en-US" altLang="ko-KR" sz="2000" dirty="0"/>
           </a:p>
           <a:p>
             <a:pPr lvl="1"/>
             <a:r>
               <a:rPr lang="en-US" altLang="ko-KR" sz="1600" dirty="0"/>
-              <a:t>AP1:	</a:t>
-            </a:r>
-            <a:r>
-              <a:rPr lang="en-US" altLang="ko-KR" sz="1600" dirty="0" smtClean="0"/>
-              <a:t>UE2 </a:t>
-            </a:r>
-            <a:r>
-              <a:rPr lang="en-US" altLang="ko-KR" sz="1600" dirty="0"/>
-              <a:t>(900kbps), </a:t>
-            </a:r>
-            <a:r>
-              <a:rPr lang="en-US" altLang="ko-KR" sz="1600" dirty="0" smtClean="0"/>
-              <a:t>UE3 </a:t>
-            </a:r>
-            <a:r>
-              <a:rPr lang="en-US" altLang="ko-KR" sz="1600" dirty="0"/>
-              <a:t>(900kbps), </a:t>
-            </a:r>
-            <a:r>
-              <a:rPr lang="en-US" altLang="ko-KR" sz="1600" dirty="0" smtClean="0"/>
-              <a:t>UE4 </a:t>
-            </a:r>
-            <a:r>
-              <a:rPr lang="en-US" altLang="ko-KR" sz="1600" dirty="0"/>
-              <a:t>(900kbps), </a:t>
-            </a:r>
-            <a:r>
-              <a:rPr lang="en-US" altLang="ko-KR" sz="1600" dirty="0" smtClean="0"/>
-              <a:t>UE5 </a:t>
-            </a:r>
-            <a:r>
-              <a:rPr lang="en-US" altLang="ko-KR" sz="1600" dirty="0"/>
-              <a:t>(900kbps),</a:t>
+              <a:t>AP1:	UE2 (900kbps), UE3 (900kbps), UE4 (900kbps), UE5 (900kbps),</a:t>
             </a:r>
           </a:p>
           <a:p>
             <a:pPr lvl="1"/>
             <a:r>
               <a:rPr lang="en-US" altLang="ko-KR" sz="1600" dirty="0"/>
-              <a:t>AP2:	</a:t>
-            </a:r>
-            <a:r>
-              <a:rPr lang="en-US" altLang="ko-KR" sz="1600" dirty="0" smtClean="0"/>
-              <a:t>UE1 </a:t>
-            </a:r>
-            <a:r>
-              <a:rPr lang="en-US" altLang="ko-KR" sz="1600" dirty="0"/>
-              <a:t>(4000kbps)</a:t>
+              <a:t>AP2:	UE1 (4000kbps)</a:t>
             </a:r>
           </a:p>
           <a:p>
             <a:r>
               <a:rPr lang="en-US" altLang="ko-KR" sz="2000" dirty="0"/>
-              <a:t>Multi:		</a:t>
+              <a:t>Multi:		40.29</a:t>
             </a:r>
-            <a:r>
-              <a:rPr lang="en-US" altLang="ko-KR" sz="2000" dirty="0" smtClean="0"/>
-              <a:t>40.29</a:t>
-            </a:r>
-            <a:endParaRPr lang="en-US" altLang="ko-KR" sz="2000" dirty="0"/>
           </a:p>
           <a:p>
             <a:pPr lvl="1"/>
             <a:r>
               <a:rPr lang="en-US" altLang="ko-KR" sz="1600" dirty="0"/>
-              <a:t>UE1:	</a:t>
-            </a:r>
-            <a:r>
-              <a:rPr lang="en-US" altLang="ko-KR" sz="1600" dirty="0" smtClean="0"/>
-              <a:t>(2000kbps</a:t>
-            </a:r>
-            <a:r>
-              <a:rPr lang="en-US" altLang="ko-KR" sz="1600" dirty="0"/>
-              <a:t>, 	AP1: 0%, 		AP2: 100%)</a:t>
+              <a:t>UE1:	(2000kbps, 	AP1: 0%, 		AP2: 100%)</a:t>
             </a:r>
           </a:p>
           <a:p>
             <a:pPr lvl="1"/>
             <a:r>
               <a:rPr lang="en-US" altLang="ko-KR" sz="1600" dirty="0"/>
-              <a:t>UE2:	</a:t>
+              <a:t>UE2:	(900kbps, 		AP1: 14.3%, 	AP2: 85.7%)</a:t>
             </a:r>
-            <a:r>
-              <a:rPr lang="en-US" altLang="ko-KR" sz="1600" dirty="0" smtClean="0"/>
-              <a:t>(900kbps</a:t>
-            </a:r>
-            <a:r>
-              <a:rPr lang="en-US" altLang="ko-KR" sz="1600" dirty="0"/>
-              <a:t>, 	</a:t>
-            </a:r>
-            <a:r>
-              <a:rPr lang="en-US" altLang="ko-KR" sz="1600" dirty="0" smtClean="0"/>
-              <a:t>	AP1</a:t>
-            </a:r>
-            <a:r>
-              <a:rPr lang="en-US" altLang="ko-KR" sz="1600" dirty="0"/>
-              <a:t>: </a:t>
-            </a:r>
-            <a:r>
-              <a:rPr lang="en-US" altLang="ko-KR" sz="1600" dirty="0" smtClean="0"/>
-              <a:t>14.3%, </a:t>
-            </a:r>
-            <a:r>
-              <a:rPr lang="en-US" altLang="ko-KR" sz="1600" dirty="0"/>
-              <a:t>	AP2: </a:t>
-            </a:r>
-            <a:r>
-              <a:rPr lang="en-US" altLang="ko-KR" sz="1600" dirty="0" smtClean="0"/>
-              <a:t>85.7%)</a:t>
-            </a:r>
-            <a:endParaRPr lang="en-US" altLang="ko-KR" sz="1600" dirty="0"/>
           </a:p>
           <a:p>
             <a:pPr lvl="1"/>
             <a:r>
               <a:rPr lang="en-US" altLang="ko-KR" sz="1600" dirty="0"/>
-              <a:t>UE3:	(1500kbps, 	AP1: </a:t>
+              <a:t>UE3:	(1500kbps, 	AP1: 89.6%, 	AP2: 10.4%)</a:t>
             </a:r>
-            <a:r>
-              <a:rPr lang="en-US" altLang="ko-KR" sz="1600" dirty="0" smtClean="0"/>
-              <a:t>89.6%, </a:t>
-            </a:r>
-            <a:r>
-              <a:rPr lang="en-US" altLang="ko-KR" sz="1600" dirty="0"/>
-              <a:t>	AP2: </a:t>
-            </a:r>
-            <a:r>
-              <a:rPr lang="en-US" altLang="ko-KR" sz="1600" dirty="0" smtClean="0"/>
-              <a:t>10.4%)</a:t>
-            </a:r>
-            <a:endParaRPr lang="en-US" altLang="ko-KR" sz="1600" dirty="0"/>
           </a:p>
           <a:p>
             <a:pPr lvl="1"/>
             <a:r>
               <a:rPr lang="en-US" altLang="ko-KR" sz="1600" dirty="0"/>
-              <a:t>UE4:	(1500kbps, 	AP1: </a:t>
+              <a:t>UE4:	(1500kbps, 	AP1: 85.5%, 	AP2: 14.5%)</a:t>
             </a:r>
-            <a:r>
-              <a:rPr lang="en-US" altLang="ko-KR" sz="1600" dirty="0" smtClean="0"/>
-              <a:t>85.5%, </a:t>
-            </a:r>
-            <a:r>
-              <a:rPr lang="en-US" altLang="ko-KR" sz="1600" dirty="0"/>
-              <a:t>	AP2: </a:t>
-            </a:r>
-            <a:r>
-              <a:rPr lang="en-US" altLang="ko-KR" sz="1600" dirty="0" smtClean="0"/>
-              <a:t>14.5%)</a:t>
-            </a:r>
-            <a:endParaRPr lang="en-US" altLang="ko-KR" sz="1600" dirty="0"/>
           </a:p>
           <a:p>
             <a:pPr lvl="1"/>
             <a:r>
               <a:rPr lang="en-US" altLang="ko-KR" sz="1600" dirty="0"/>
-              <a:t>UE5:	(1500kbps, 	AP1: </a:t>
-            </a:r>
-            <a:r>
-              <a:rPr lang="en-US" altLang="ko-KR" sz="1600" dirty="0" smtClean="0"/>
-              <a:t>71.9%, </a:t>
-            </a:r>
-            <a:r>
-              <a:rPr lang="en-US" altLang="ko-KR" sz="1600" dirty="0"/>
-              <a:t>	AP2: </a:t>
-            </a:r>
-            <a:r>
-              <a:rPr lang="en-US" altLang="ko-KR" sz="1600" dirty="0" smtClean="0"/>
-              <a:t>28.1%)</a:t>
+              <a:t>UE5:	(1500kbps, 	AP1: 71.9%, 	AP2: 28.1%)</a:t>
             </a:r>
             <a:endParaRPr lang="ko-KR" altLang="en-US" sz="1600" dirty="0"/>
           </a:p>
@@ -10518,7 +10338,7 @@
           <p:cNvPr id="5" name="그림 4">
             <a:extLst>
               <a:ext uri="{FF2B5EF4-FFF2-40B4-BE49-F238E27FC236}">
-                <a16:creationId xmlns="" xmlns:a16="http://schemas.microsoft.com/office/drawing/2014/main" id="{7A94A089-C17F-4C8D-B42D-C2F1C38A8DF6}"/>
+                <a16:creationId xmlns:a16="http://schemas.microsoft.com/office/drawing/2014/main" id="{7A94A089-C17F-4C8D-B42D-C2F1C38A8DF6}"/>
               </a:ext>
             </a:extLst>
           </p:cNvPr>
@@ -10548,7 +10368,7 @@
           <p:cNvPr id="2" name="제목 1">
             <a:extLst>
               <a:ext uri="{FF2B5EF4-FFF2-40B4-BE49-F238E27FC236}">
-                <a16:creationId xmlns="" xmlns:a16="http://schemas.microsoft.com/office/drawing/2014/main" id="{897314C7-92BD-4C45-AAF1-8BF19AA2FBB7}"/>
+                <a16:creationId xmlns:a16="http://schemas.microsoft.com/office/drawing/2014/main" id="{897314C7-92BD-4C45-AAF1-8BF19AA2FBB7}"/>
               </a:ext>
             </a:extLst>
           </p:cNvPr>
@@ -10577,7 +10397,7 @@
           <p:cNvPr id="16" name="슬라이드 번호 개체 틀 3">
             <a:extLst>
               <a:ext uri="{FF2B5EF4-FFF2-40B4-BE49-F238E27FC236}">
-                <a16:creationId xmlns="" xmlns:a16="http://schemas.microsoft.com/office/drawing/2014/main" id="{E02D7933-6B92-4213-9EE1-6FAA1EF2923A}"/>
+                <a16:creationId xmlns:a16="http://schemas.microsoft.com/office/drawing/2014/main" id="{E02D7933-6B92-4213-9EE1-6FAA1EF2923A}"/>
               </a:ext>
             </a:extLst>
           </p:cNvPr>
@@ -10617,7 +10437,7 @@
           <p:cNvPr id="18" name="TextBox 17">
             <a:extLst>
               <a:ext uri="{FF2B5EF4-FFF2-40B4-BE49-F238E27FC236}">
-                <a16:creationId xmlns="" xmlns:a16="http://schemas.microsoft.com/office/drawing/2014/main" id="{03975C27-C0BA-416E-906F-F3CA83CDBEFD}"/>
+                <a16:creationId xmlns:a16="http://schemas.microsoft.com/office/drawing/2014/main" id="{03975C27-C0BA-416E-906F-F3CA83CDBEFD}"/>
               </a:ext>
             </a:extLst>
           </p:cNvPr>
@@ -10649,15 +10469,7 @@
                   <a:srgbClr val="FF0000"/>
                 </a:solidFill>
               </a:rPr>
-              <a:t>-</a:t>
-            </a:r>
-            <a:r>
-              <a:rPr lang="en-US" altLang="ko-KR" sz="1400" dirty="0" smtClean="0">
-                <a:solidFill>
-                  <a:srgbClr val="FF0000"/>
-                </a:solidFill>
-              </a:rPr>
-              <a:t>71dB</a:t>
+              <a:t>-71dB</a:t>
             </a:r>
             <a:endParaRPr lang="ko-KR" altLang="en-US" sz="1400" dirty="0">
               <a:solidFill>
@@ -10672,7 +10484,7 @@
           <p:cNvPr id="19" name="TextBox 18">
             <a:extLst>
               <a:ext uri="{FF2B5EF4-FFF2-40B4-BE49-F238E27FC236}">
-                <a16:creationId xmlns="" xmlns:a16="http://schemas.microsoft.com/office/drawing/2014/main" id="{A4A8CEC5-7348-45DE-8BBB-814DFF399551}"/>
+                <a16:creationId xmlns:a16="http://schemas.microsoft.com/office/drawing/2014/main" id="{A4A8CEC5-7348-45DE-8BBB-814DFF399551}"/>
               </a:ext>
             </a:extLst>
           </p:cNvPr>
@@ -10704,15 +10516,7 @@
                   <a:srgbClr val="FF0000"/>
                 </a:solidFill>
               </a:rPr>
-              <a:t>-</a:t>
-            </a:r>
-            <a:r>
-              <a:rPr lang="en-US" altLang="ko-KR" sz="1400" dirty="0" smtClean="0">
-                <a:solidFill>
-                  <a:srgbClr val="FF0000"/>
-                </a:solidFill>
-              </a:rPr>
-              <a:t>69dB</a:t>
+              <a:t>-69dB</a:t>
             </a:r>
             <a:endParaRPr lang="ko-KR" altLang="en-US" sz="1400" dirty="0">
               <a:solidFill>
@@ -10727,7 +10531,7 @@
           <p:cNvPr id="20" name="TextBox 19">
             <a:extLst>
               <a:ext uri="{FF2B5EF4-FFF2-40B4-BE49-F238E27FC236}">
-                <a16:creationId xmlns="" xmlns:a16="http://schemas.microsoft.com/office/drawing/2014/main" id="{B68B1D62-A93B-4D17-A87B-55B62A0C4882}"/>
+                <a16:creationId xmlns:a16="http://schemas.microsoft.com/office/drawing/2014/main" id="{B68B1D62-A93B-4D17-A87B-55B62A0C4882}"/>
               </a:ext>
             </a:extLst>
           </p:cNvPr>
@@ -10754,7 +10558,7 @@
           <a:lstStyle/>
           <a:p>
             <a:r>
-              <a:rPr lang="en-US" altLang="ko-KR" sz="1400" dirty="0" smtClean="0">
+              <a:rPr lang="en-US" altLang="ko-KR" sz="1400" dirty="0">
                 <a:solidFill>
                   <a:srgbClr val="FF0000"/>
                 </a:solidFill>
@@ -10774,7 +10578,7 @@
           <p:cNvPr id="21" name="TextBox 20">
             <a:extLst>
               <a:ext uri="{FF2B5EF4-FFF2-40B4-BE49-F238E27FC236}">
-                <a16:creationId xmlns="" xmlns:a16="http://schemas.microsoft.com/office/drawing/2014/main" id="{9B5471B0-78DA-448C-A778-D8E042E0CC71}"/>
+                <a16:creationId xmlns:a16="http://schemas.microsoft.com/office/drawing/2014/main" id="{9B5471B0-78DA-448C-A778-D8E042E0CC71}"/>
               </a:ext>
             </a:extLst>
           </p:cNvPr>
@@ -10806,15 +10610,7 @@
                   <a:srgbClr val="FF0000"/>
                 </a:solidFill>
               </a:rPr>
-              <a:t>-</a:t>
-            </a:r>
-            <a:r>
-              <a:rPr lang="en-US" altLang="ko-KR" sz="1400" dirty="0" smtClean="0">
-                <a:solidFill>
-                  <a:srgbClr val="FF0000"/>
-                </a:solidFill>
-              </a:rPr>
-              <a:t>64dB</a:t>
+              <a:t>-64dB</a:t>
             </a:r>
             <a:endParaRPr lang="ko-KR" altLang="en-US" sz="1400" dirty="0">
               <a:solidFill>
@@ -10829,7 +10625,7 @@
           <p:cNvPr id="22" name="TextBox 21">
             <a:extLst>
               <a:ext uri="{FF2B5EF4-FFF2-40B4-BE49-F238E27FC236}">
-                <a16:creationId xmlns="" xmlns:a16="http://schemas.microsoft.com/office/drawing/2014/main" id="{A66A454C-569C-4667-9827-26E2108F56E2}"/>
+                <a16:creationId xmlns:a16="http://schemas.microsoft.com/office/drawing/2014/main" id="{A66A454C-569C-4667-9827-26E2108F56E2}"/>
               </a:ext>
             </a:extLst>
           </p:cNvPr>
@@ -10856,7 +10652,7 @@
           <a:lstStyle/>
           <a:p>
             <a:r>
-              <a:rPr lang="en-US" altLang="ko-KR" sz="1400" dirty="0" smtClean="0">
+              <a:rPr lang="en-US" altLang="ko-KR" sz="1400" dirty="0">
                 <a:solidFill>
                   <a:srgbClr val="FF0000"/>
                 </a:solidFill>
@@ -10876,7 +10672,7 @@
           <p:cNvPr id="23" name="TextBox 22">
             <a:extLst>
               <a:ext uri="{FF2B5EF4-FFF2-40B4-BE49-F238E27FC236}">
-                <a16:creationId xmlns="" xmlns:a16="http://schemas.microsoft.com/office/drawing/2014/main" id="{5A40C666-415E-477D-8431-A706724AA571}"/>
+                <a16:creationId xmlns:a16="http://schemas.microsoft.com/office/drawing/2014/main" id="{5A40C666-415E-477D-8431-A706724AA571}"/>
               </a:ext>
             </a:extLst>
           </p:cNvPr>
@@ -10903,7 +10699,7 @@
           <a:lstStyle/>
           <a:p>
             <a:r>
-              <a:rPr lang="en-US" altLang="ko-KR" sz="1400" dirty="0" smtClean="0">
+              <a:rPr lang="en-US" altLang="ko-KR" sz="1400" dirty="0">
                 <a:solidFill>
                   <a:srgbClr val="FF0000"/>
                 </a:solidFill>
@@ -10923,7 +10719,7 @@
           <p:cNvPr id="24" name="TextBox 23">
             <a:extLst>
               <a:ext uri="{FF2B5EF4-FFF2-40B4-BE49-F238E27FC236}">
-                <a16:creationId xmlns="" xmlns:a16="http://schemas.microsoft.com/office/drawing/2014/main" id="{A455C8F1-401D-46DF-92A6-F1C5436EB962}"/>
+                <a16:creationId xmlns:a16="http://schemas.microsoft.com/office/drawing/2014/main" id="{A455C8F1-401D-46DF-92A6-F1C5436EB962}"/>
               </a:ext>
             </a:extLst>
           </p:cNvPr>
@@ -10955,15 +10751,7 @@
                   <a:srgbClr val="FF0000"/>
                 </a:solidFill>
               </a:rPr>
-              <a:t>-</a:t>
-            </a:r>
-            <a:r>
-              <a:rPr lang="en-US" altLang="ko-KR" sz="1400" dirty="0" smtClean="0">
-                <a:solidFill>
-                  <a:srgbClr val="FF0000"/>
-                </a:solidFill>
-              </a:rPr>
-              <a:t>76dB</a:t>
+              <a:t>-76dB</a:t>
             </a:r>
             <a:endParaRPr lang="ko-KR" altLang="en-US" sz="1400" dirty="0">
               <a:solidFill>
@@ -10978,7 +10766,7 @@
           <p:cNvPr id="25" name="TextBox 24">
             <a:extLst>
               <a:ext uri="{FF2B5EF4-FFF2-40B4-BE49-F238E27FC236}">
-                <a16:creationId xmlns="" xmlns:a16="http://schemas.microsoft.com/office/drawing/2014/main" id="{09FA3E77-CE10-4BC1-8D86-8B9E033CB9A4}"/>
+                <a16:creationId xmlns:a16="http://schemas.microsoft.com/office/drawing/2014/main" id="{09FA3E77-CE10-4BC1-8D86-8B9E033CB9A4}"/>
               </a:ext>
             </a:extLst>
           </p:cNvPr>
@@ -11010,15 +10798,7 @@
                   <a:srgbClr val="FF0000"/>
                 </a:solidFill>
               </a:rPr>
-              <a:t>-</a:t>
-            </a:r>
-            <a:r>
-              <a:rPr lang="en-US" altLang="ko-KR" sz="1400" dirty="0" smtClean="0">
-                <a:solidFill>
-                  <a:srgbClr val="FF0000"/>
-                </a:solidFill>
-              </a:rPr>
-              <a:t>70dB</a:t>
+              <a:t>-70dB</a:t>
             </a:r>
             <a:endParaRPr lang="ko-KR" altLang="en-US" sz="1400" dirty="0">
               <a:solidFill>
@@ -11033,7 +10813,7 @@
           <p:cNvPr id="26" name="TextBox 25">
             <a:extLst>
               <a:ext uri="{FF2B5EF4-FFF2-40B4-BE49-F238E27FC236}">
-                <a16:creationId xmlns="" xmlns:a16="http://schemas.microsoft.com/office/drawing/2014/main" id="{B83DFD3A-7292-421B-8727-609E354AB8B4}"/>
+                <a16:creationId xmlns:a16="http://schemas.microsoft.com/office/drawing/2014/main" id="{B83DFD3A-7292-421B-8727-609E354AB8B4}"/>
               </a:ext>
             </a:extLst>
           </p:cNvPr>
@@ -11060,7 +10840,7 @@
           <a:lstStyle/>
           <a:p>
             <a:r>
-              <a:rPr lang="en-US" altLang="ko-KR" sz="1400" dirty="0" smtClean="0">
+              <a:rPr lang="en-US" altLang="ko-KR" sz="1400" dirty="0">
                 <a:solidFill>
                   <a:srgbClr val="FF0000"/>
                 </a:solidFill>
@@ -11080,7 +10860,7 @@
           <p:cNvPr id="27" name="TextBox 26">
             <a:extLst>
               <a:ext uri="{FF2B5EF4-FFF2-40B4-BE49-F238E27FC236}">
-                <a16:creationId xmlns="" xmlns:a16="http://schemas.microsoft.com/office/drawing/2014/main" id="{9E49930A-521C-4B8E-A165-62750D5234B2}"/>
+                <a16:creationId xmlns:a16="http://schemas.microsoft.com/office/drawing/2014/main" id="{9E49930A-521C-4B8E-A165-62750D5234B2}"/>
               </a:ext>
             </a:extLst>
           </p:cNvPr>
@@ -11112,15 +10892,7 @@
                   <a:srgbClr val="FF0000"/>
                 </a:solidFill>
               </a:rPr>
-              <a:t>-</a:t>
-            </a:r>
-            <a:r>
-              <a:rPr lang="en-US" altLang="ko-KR" sz="1400" dirty="0" smtClean="0">
-                <a:solidFill>
-                  <a:srgbClr val="FF0000"/>
-                </a:solidFill>
-              </a:rPr>
-              <a:t>67dB</a:t>
+              <a:t>-67dB</a:t>
             </a:r>
             <a:endParaRPr lang="ko-KR" altLang="en-US" sz="1400" dirty="0">
               <a:solidFill>
@@ -11135,7 +10907,7 @@
           <p:cNvPr id="17" name="표 7">
             <a:extLst>
               <a:ext uri="{FF2B5EF4-FFF2-40B4-BE49-F238E27FC236}">
-                <a16:creationId xmlns="" xmlns:a16="http://schemas.microsoft.com/office/drawing/2014/main" id="{AC851CB9-9F55-47B9-B1B3-401AFC94E589}"/>
+                <a16:creationId xmlns:a16="http://schemas.microsoft.com/office/drawing/2014/main" id="{AC851CB9-9F55-47B9-B1B3-401AFC94E589}"/>
               </a:ext>
             </a:extLst>
           </p:cNvPr>
@@ -11171,50 +10943,80 @@
                 <a:gridCol w="798634">
                   <a:extLst>
                     <a:ext uri="{9D8B030D-6E8A-4147-A177-3AD203B41FA5}">
-                      <a16:colId xmlns="" xmlns:a16="http://schemas.microsoft.com/office/drawing/2014/main" val="3153524541"/>
+                      <a16:colId xmlns:a16="http://schemas.microsoft.com/office/drawing/2014/main" val="3153524541"/>
                     </a:ext>
                   </a:extLst>
                 </a:gridCol>
                 <a:gridCol w="798634">
                   <a:extLst>
                     <a:ext uri="{9D8B030D-6E8A-4147-A177-3AD203B41FA5}">
-                      <a16:colId xmlns="" xmlns:a16="http://schemas.microsoft.com/office/drawing/2014/main" val="2152249377"/>
+                      <a16:colId xmlns:a16="http://schemas.microsoft.com/office/drawing/2014/main" val="2152249377"/>
                     </a:ext>
                   </a:extLst>
                 </a:gridCol>
                 <a:gridCol w="798634">
                   <a:extLst>
                     <a:ext uri="{9D8B030D-6E8A-4147-A177-3AD203B41FA5}">
-                      <a16:colId xmlns="" xmlns:a16="http://schemas.microsoft.com/office/drawing/2014/main" val="3550909733"/>
+                      <a16:colId xmlns:a16="http://schemas.microsoft.com/office/drawing/2014/main" val="3550909733"/>
                     </a:ext>
                   </a:extLst>
                 </a:gridCol>
                 <a:gridCol w="798634">
                   <a:extLst>
                     <a:ext uri="{9D8B030D-6E8A-4147-A177-3AD203B41FA5}">
-                      <a16:colId xmlns="" xmlns:a16="http://schemas.microsoft.com/office/drawing/2014/main" val="664720329"/>
+                      <a16:colId xmlns:a16="http://schemas.microsoft.com/office/drawing/2014/main" val="664720329"/>
                     </a:ext>
                   </a:extLst>
                 </a:gridCol>
                 <a:gridCol w="798634">
                   <a:extLst>
                     <a:ext uri="{9D8B030D-6E8A-4147-A177-3AD203B41FA5}">
-                      <a16:colId xmlns="" xmlns:a16="http://schemas.microsoft.com/office/drawing/2014/main" val="257566764"/>
+                      <a16:colId xmlns:a16="http://schemas.microsoft.com/office/drawing/2014/main" val="257566764"/>
                     </a:ext>
                   </a:extLst>
                 </a:gridCol>
                 <a:gridCol w="798634">
                   <a:extLst>
                     <a:ext uri="{9D8B030D-6E8A-4147-A177-3AD203B41FA5}">
-                      <a16:colId xmlns="" xmlns:a16="http://schemas.microsoft.com/office/drawing/2014/main" val="967269921"/>
+                      <a16:colId xmlns:a16="http://schemas.microsoft.com/office/drawing/2014/main" val="967269921"/>
                     </a:ext>
                   </a:extLst>
                 </a:gridCol>
-                <a:gridCol w="798634"/>
-                <a:gridCol w="798634"/>
-                <a:gridCol w="798634"/>
-                <a:gridCol w="798634"/>
-                <a:gridCol w="798634"/>
+                <a:gridCol w="798634">
+                  <a:extLst>
+                    <a:ext uri="{9D8B030D-6E8A-4147-A177-3AD203B41FA5}">
+                      <a16:colId xmlns:a16="http://schemas.microsoft.com/office/drawing/2014/main" val="20006"/>
+                    </a:ext>
+                  </a:extLst>
+                </a:gridCol>
+                <a:gridCol w="798634">
+                  <a:extLst>
+                    <a:ext uri="{9D8B030D-6E8A-4147-A177-3AD203B41FA5}">
+                      <a16:colId xmlns:a16="http://schemas.microsoft.com/office/drawing/2014/main" val="20007"/>
+                    </a:ext>
+                  </a:extLst>
+                </a:gridCol>
+                <a:gridCol w="798634">
+                  <a:extLst>
+                    <a:ext uri="{9D8B030D-6E8A-4147-A177-3AD203B41FA5}">
+                      <a16:colId xmlns:a16="http://schemas.microsoft.com/office/drawing/2014/main" val="20008"/>
+                    </a:ext>
+                  </a:extLst>
+                </a:gridCol>
+                <a:gridCol w="798634">
+                  <a:extLst>
+                    <a:ext uri="{9D8B030D-6E8A-4147-A177-3AD203B41FA5}">
+                      <a16:colId xmlns:a16="http://schemas.microsoft.com/office/drawing/2014/main" val="20009"/>
+                    </a:ext>
+                  </a:extLst>
+                </a:gridCol>
+                <a:gridCol w="798634">
+                  <a:extLst>
+                    <a:ext uri="{9D8B030D-6E8A-4147-A177-3AD203B41FA5}">
+                      <a16:colId xmlns:a16="http://schemas.microsoft.com/office/drawing/2014/main" val="20010"/>
+                    </a:ext>
+                  </a:extLst>
+                </a:gridCol>
               </a:tblGrid>
               <a:tr h="370840">
                 <a:tc>
@@ -11354,7 +11156,7 @@
                     <a:p>
                       <a:pPr latinLnBrk="1"/>
                       <a:r>
-                        <a:rPr lang="en-US" altLang="ko-KR" sz="1600" dirty="0" smtClean="0">
+                        <a:rPr lang="en-US" altLang="ko-KR" sz="1600" dirty="0">
                           <a:solidFill>
                             <a:sysClr val="windowText" lastClr="000000"/>
                           </a:solidFill>
@@ -11377,7 +11179,7 @@
                     <a:p>
                       <a:pPr latinLnBrk="1"/>
                       <a:r>
-                        <a:rPr lang="en-US" altLang="ko-KR" sz="1600" dirty="0" smtClean="0">
+                        <a:rPr lang="en-US" altLang="ko-KR" sz="1600" dirty="0">
                           <a:solidFill>
                             <a:sysClr val="windowText" lastClr="000000"/>
                           </a:solidFill>
@@ -11400,7 +11202,7 @@
                     <a:p>
                       <a:pPr latinLnBrk="1"/>
                       <a:r>
-                        <a:rPr lang="en-US" altLang="ko-KR" sz="1600" dirty="0" smtClean="0">
+                        <a:rPr lang="en-US" altLang="ko-KR" sz="1600" dirty="0">
                           <a:solidFill>
                             <a:sysClr val="windowText" lastClr="000000"/>
                           </a:solidFill>
@@ -11423,7 +11225,7 @@
                     <a:p>
                       <a:pPr latinLnBrk="1"/>
                       <a:r>
-                        <a:rPr lang="en-US" altLang="ko-KR" sz="1600" dirty="0" smtClean="0">
+                        <a:rPr lang="en-US" altLang="ko-KR" sz="1600" dirty="0">
                           <a:solidFill>
                             <a:sysClr val="windowText" lastClr="000000"/>
                           </a:solidFill>
@@ -11446,7 +11248,7 @@
                     <a:p>
                       <a:pPr latinLnBrk="1"/>
                       <a:r>
-                        <a:rPr lang="en-US" altLang="ko-KR" sz="1600" dirty="0" smtClean="0">
+                        <a:rPr lang="en-US" altLang="ko-KR" sz="1600" dirty="0">
                           <a:solidFill>
                             <a:sysClr val="windowText" lastClr="000000"/>
                           </a:solidFill>
@@ -11464,7 +11266,7 @@
                 </a:tc>
                 <a:extLst>
                   <a:ext uri="{0D108BD9-81ED-4DB2-BD59-A6C34878D82A}">
-                    <a16:rowId xmlns="" xmlns:a16="http://schemas.microsoft.com/office/drawing/2014/main" val="1266916587"/>
+                    <a16:rowId xmlns:a16="http://schemas.microsoft.com/office/drawing/2014/main" val="1266916587"/>
                   </a:ext>
                 </a:extLst>
               </a:tr>
@@ -11499,7 +11301,7 @@
                     <a:p>
                       <a:pPr latinLnBrk="1"/>
                       <a:r>
-                        <a:rPr lang="en-US" altLang="ko-KR" sz="1600" dirty="0" smtClean="0">
+                        <a:rPr lang="en-US" altLang="ko-KR" sz="1600" dirty="0">
                           <a:solidFill>
                             <a:sysClr val="windowText" lastClr="000000"/>
                           </a:solidFill>
@@ -11522,7 +11324,7 @@
                     <a:p>
                       <a:pPr latinLnBrk="1"/>
                       <a:r>
-                        <a:rPr lang="en-US" altLang="ko-KR" sz="1600" b="1" dirty="0" smtClean="0">
+                        <a:rPr lang="en-US" altLang="ko-KR" sz="1600" b="1" dirty="0">
                           <a:solidFill>
                             <a:srgbClr val="FF0000"/>
                           </a:solidFill>
@@ -11545,7 +11347,7 @@
                     <a:p>
                       <a:pPr latinLnBrk="1"/>
                       <a:r>
-                        <a:rPr lang="en-US" altLang="ko-KR" sz="1600" dirty="0" smtClean="0">
+                        <a:rPr lang="en-US" altLang="ko-KR" sz="1600" dirty="0">
                           <a:solidFill>
                             <a:sysClr val="windowText" lastClr="000000"/>
                           </a:solidFill>
@@ -11568,7 +11370,7 @@
                     <a:p>
                       <a:pPr latinLnBrk="1"/>
                       <a:r>
-                        <a:rPr lang="en-US" altLang="ko-KR" sz="1600" dirty="0" smtClean="0">
+                        <a:rPr lang="en-US" altLang="ko-KR" sz="1600" dirty="0">
                           <a:solidFill>
                             <a:sysClr val="windowText" lastClr="000000"/>
                           </a:solidFill>
@@ -11591,7 +11393,7 @@
                     <a:p>
                       <a:pPr latinLnBrk="1"/>
                       <a:r>
-                        <a:rPr lang="en-US" altLang="ko-KR" sz="1600" dirty="0" smtClean="0">
+                        <a:rPr lang="en-US" altLang="ko-KR" sz="1600" dirty="0">
                           <a:solidFill>
                             <a:sysClr val="windowText" lastClr="000000"/>
                           </a:solidFill>
@@ -11614,7 +11416,7 @@
                     <a:p>
                       <a:pPr latinLnBrk="1"/>
                       <a:r>
-                        <a:rPr lang="en-US" altLang="ko-KR" sz="1600" dirty="0" smtClean="0">
+                        <a:rPr lang="en-US" altLang="ko-KR" sz="1600" dirty="0">
                           <a:solidFill>
                             <a:sysClr val="windowText" lastClr="000000"/>
                           </a:solidFill>
@@ -11637,7 +11439,7 @@
                     <a:p>
                       <a:pPr latinLnBrk="1"/>
                       <a:r>
-                        <a:rPr lang="en-US" altLang="ko-KR" sz="1600" dirty="0" smtClean="0">
+                        <a:rPr lang="en-US" altLang="ko-KR" sz="1600" dirty="0">
                           <a:solidFill>
                             <a:sysClr val="windowText" lastClr="000000"/>
                           </a:solidFill>
@@ -11660,7 +11462,7 @@
                     <a:p>
                       <a:pPr latinLnBrk="1"/>
                       <a:r>
-                        <a:rPr lang="en-US" altLang="ko-KR" sz="1600" b="1" dirty="0" smtClean="0">
+                        <a:rPr lang="en-US" altLang="ko-KR" sz="1600" b="1" dirty="0">
                           <a:solidFill>
                             <a:srgbClr val="FF0000"/>
                           </a:solidFill>
@@ -11683,7 +11485,7 @@
                     <a:p>
                       <a:pPr latinLnBrk="1"/>
                       <a:r>
-                        <a:rPr lang="en-US" altLang="ko-KR" sz="1600" dirty="0" smtClean="0">
+                        <a:rPr lang="en-US" altLang="ko-KR" sz="1600" dirty="0">
                           <a:solidFill>
                             <a:sysClr val="windowText" lastClr="000000"/>
                           </a:solidFill>
@@ -11706,7 +11508,7 @@
                     <a:p>
                       <a:pPr latinLnBrk="1"/>
                       <a:r>
-                        <a:rPr lang="en-US" altLang="ko-KR" sz="1600" dirty="0" smtClean="0">
+                        <a:rPr lang="en-US" altLang="ko-KR" sz="1600" dirty="0">
                           <a:solidFill>
                             <a:sysClr val="windowText" lastClr="000000"/>
                           </a:solidFill>
@@ -11724,7 +11526,7 @@
                 </a:tc>
                 <a:extLst>
                   <a:ext uri="{0D108BD9-81ED-4DB2-BD59-A6C34878D82A}">
-                    <a16:rowId xmlns="" xmlns:a16="http://schemas.microsoft.com/office/drawing/2014/main" val="81375131"/>
+                    <a16:rowId xmlns:a16="http://schemas.microsoft.com/office/drawing/2014/main" val="81375131"/>
                   </a:ext>
                 </a:extLst>
               </a:tr>
@@ -11751,7 +11553,7 @@
                     <a:p>
                       <a:pPr latinLnBrk="1"/>
                       <a:r>
-                        <a:rPr lang="en-US" altLang="ko-KR" sz="1600" b="1" dirty="0" smtClean="0">
+                        <a:rPr lang="en-US" altLang="ko-KR" sz="1600" b="1" dirty="0">
                           <a:solidFill>
                             <a:srgbClr val="FF0000"/>
                           </a:solidFill>
@@ -11774,7 +11576,7 @@
                     <a:p>
                       <a:pPr latinLnBrk="1"/>
                       <a:r>
-                        <a:rPr lang="en-US" altLang="ko-KR" sz="1600" b="0" dirty="0" smtClean="0">
+                        <a:rPr lang="en-US" altLang="ko-KR" sz="1600" b="0" dirty="0">
                           <a:solidFill>
                             <a:schemeClr val="tx1"/>
                           </a:solidFill>
@@ -11797,7 +11599,7 @@
                     <a:p>
                       <a:pPr latinLnBrk="1"/>
                       <a:r>
-                        <a:rPr lang="en-US" altLang="ko-KR" sz="1600" b="1" dirty="0" smtClean="0">
+                        <a:rPr lang="en-US" altLang="ko-KR" sz="1600" b="1" dirty="0">
                           <a:solidFill>
                             <a:srgbClr val="FF0000"/>
                           </a:solidFill>
@@ -11820,7 +11622,7 @@
                     <a:p>
                       <a:pPr latinLnBrk="1"/>
                       <a:r>
-                        <a:rPr lang="en-US" altLang="ko-KR" sz="1600" b="1" dirty="0" smtClean="0">
+                        <a:rPr lang="en-US" altLang="ko-KR" sz="1600" b="1" dirty="0">
                           <a:solidFill>
                             <a:srgbClr val="FF0000"/>
                           </a:solidFill>
@@ -11843,7 +11645,7 @@
                     <a:p>
                       <a:pPr latinLnBrk="1"/>
                       <a:r>
-                        <a:rPr lang="en-US" altLang="ko-KR" sz="1600" b="1" dirty="0" smtClean="0">
+                        <a:rPr lang="en-US" altLang="ko-KR" sz="1600" b="1" dirty="0">
                           <a:solidFill>
                             <a:srgbClr val="FF0000"/>
                           </a:solidFill>
@@ -11866,7 +11668,7 @@
                     <a:p>
                       <a:pPr latinLnBrk="1"/>
                       <a:r>
-                        <a:rPr lang="en-US" altLang="ko-KR" sz="1600" b="1" dirty="0" smtClean="0">
+                        <a:rPr lang="en-US" altLang="ko-KR" sz="1600" b="1" dirty="0">
                           <a:solidFill>
                             <a:srgbClr val="FF0000"/>
                           </a:solidFill>
@@ -11889,7 +11691,7 @@
                     <a:p>
                       <a:pPr latinLnBrk="1"/>
                       <a:r>
-                        <a:rPr lang="en-US" altLang="ko-KR" sz="1600" b="1" dirty="0" smtClean="0">
+                        <a:rPr lang="en-US" altLang="ko-KR" sz="1600" b="1" dirty="0">
                           <a:solidFill>
                             <a:srgbClr val="FF0000"/>
                           </a:solidFill>
@@ -11912,7 +11714,7 @@
                     <a:p>
                       <a:pPr latinLnBrk="1"/>
                       <a:r>
-                        <a:rPr lang="en-US" altLang="ko-KR" sz="1600" dirty="0" smtClean="0"/>
+                        <a:rPr lang="en-US" altLang="ko-KR" sz="1600" dirty="0"/>
                         <a:t>41.71</a:t>
                       </a:r>
                       <a:endParaRPr lang="ko-KR" altLang="en-US" sz="1600" dirty="0"/>
@@ -11927,7 +11729,7 @@
                     <a:p>
                       <a:pPr latinLnBrk="1"/>
                       <a:r>
-                        <a:rPr lang="en-US" altLang="ko-KR" sz="1600" b="1" dirty="0" smtClean="0">
+                        <a:rPr lang="en-US" altLang="ko-KR" sz="1600" b="1" dirty="0">
                           <a:solidFill>
                             <a:srgbClr val="FF0000"/>
                           </a:solidFill>
@@ -11950,7 +11752,7 @@
                     <a:p>
                       <a:pPr latinLnBrk="1"/>
                       <a:r>
-                        <a:rPr lang="en-US" altLang="ko-KR" sz="1600" b="1" dirty="0" smtClean="0">
+                        <a:rPr lang="en-US" altLang="ko-KR" sz="1600" b="1" dirty="0">
                           <a:solidFill>
                             <a:srgbClr val="FF0000"/>
                           </a:solidFill>
@@ -11968,7 +11770,7 @@
                 </a:tc>
                 <a:extLst>
                   <a:ext uri="{0D108BD9-81ED-4DB2-BD59-A6C34878D82A}">
-                    <a16:rowId xmlns="" xmlns:a16="http://schemas.microsoft.com/office/drawing/2014/main" val="901200548"/>
+                    <a16:rowId xmlns:a16="http://schemas.microsoft.com/office/drawing/2014/main" val="901200548"/>
                   </a:ext>
                 </a:extLst>
               </a:tr>
@@ -11986,13 +11788,6 @@
   <p:clrMapOvr>
     <a:masterClrMapping/>
   </p:clrMapOvr>
-  <p:timing>
-    <p:tnLst>
-      <p:par>
-        <p:cTn id="1" dur="indefinite" restart="never" nodeType="tmRoot"/>
-      </p:par>
-    </p:tnLst>
-  </p:timing>
 </p:sld>
 </file>
 
@@ -12018,7 +11813,7 @@
           <p:cNvPr id="8" name="그림 7">
             <a:extLst>
               <a:ext uri="{FF2B5EF4-FFF2-40B4-BE49-F238E27FC236}">
-                <a16:creationId xmlns="" xmlns:a16="http://schemas.microsoft.com/office/drawing/2014/main" id="{42A3FE46-79F0-444C-A9A3-A92840C792B1}"/>
+                <a16:creationId xmlns:a16="http://schemas.microsoft.com/office/drawing/2014/main" id="{42A3FE46-79F0-444C-A9A3-A92840C792B1}"/>
               </a:ext>
             </a:extLst>
           </p:cNvPr>
@@ -12048,7 +11843,7 @@
           <p:cNvPr id="2" name="제목 1">
             <a:extLst>
               <a:ext uri="{FF2B5EF4-FFF2-40B4-BE49-F238E27FC236}">
-                <a16:creationId xmlns="" xmlns:a16="http://schemas.microsoft.com/office/drawing/2014/main" id="{C92353A8-037C-45D5-8A5B-BAB060CFFF87}"/>
+                <a16:creationId xmlns:a16="http://schemas.microsoft.com/office/drawing/2014/main" id="{C92353A8-037C-45D5-8A5B-BAB060CFFF87}"/>
               </a:ext>
             </a:extLst>
           </p:cNvPr>
@@ -12079,7 +11874,7 @@
               <p:cNvPr id="36" name="내용 개체 틀 2">
                 <a:extLst>
                   <a:ext uri="{FF2B5EF4-FFF2-40B4-BE49-F238E27FC236}">
-                    <a16:creationId xmlns="" xmlns:a16="http://schemas.microsoft.com/office/drawing/2014/main" id="{C0337827-BDAB-4B1B-B9C1-1C3A7D633A58}"/>
+                    <a16:creationId xmlns:a16="http://schemas.microsoft.com/office/drawing/2014/main" id="{C0337827-BDAB-4B1B-B9C1-1C3A7D633A58}"/>
                   </a:ext>
                 </a:extLst>
               </p:cNvPr>
@@ -12132,7 +11927,7 @@
                       <m:sSubPr>
                         <m:ctrlPr>
                           <a:rPr lang="en-US" altLang="ko-KR" i="1" smtClean="0">
-                            <a:latin typeface="Cambria Math"/>
+                            <a:latin typeface="Cambria Math" panose="02040503050406030204" pitchFamily="18" charset="0"/>
                           </a:rPr>
                         </m:ctrlPr>
                       </m:sSubPr>
@@ -12209,7 +12004,7 @@
           <p:cNvPr id="6" name="사각형: 둥근 모서리 5">
             <a:extLst>
               <a:ext uri="{FF2B5EF4-FFF2-40B4-BE49-F238E27FC236}">
-                <a16:creationId xmlns="" xmlns:a16="http://schemas.microsoft.com/office/drawing/2014/main" id="{A74B7DB5-536B-419A-B1C8-EB5AAC3BF919}"/>
+                <a16:creationId xmlns:a16="http://schemas.microsoft.com/office/drawing/2014/main" id="{A74B7DB5-536B-419A-B1C8-EB5AAC3BF919}"/>
               </a:ext>
             </a:extLst>
           </p:cNvPr>
@@ -12251,7 +12046,7 @@
           <p:cNvPr id="7" name="사각형: 둥근 모서리 6">
             <a:extLst>
               <a:ext uri="{FF2B5EF4-FFF2-40B4-BE49-F238E27FC236}">
-                <a16:creationId xmlns="" xmlns:a16="http://schemas.microsoft.com/office/drawing/2014/main" id="{920A24E0-8741-493E-88E2-3FFE11534249}"/>
+                <a16:creationId xmlns:a16="http://schemas.microsoft.com/office/drawing/2014/main" id="{920A24E0-8741-493E-88E2-3FFE11534249}"/>
               </a:ext>
             </a:extLst>
           </p:cNvPr>
@@ -12294,7 +12089,7 @@
           <p:cNvPr id="9" name="슬라이드 번호 개체 틀 3">
             <a:extLst>
               <a:ext uri="{FF2B5EF4-FFF2-40B4-BE49-F238E27FC236}">
-                <a16:creationId xmlns="" xmlns:a16="http://schemas.microsoft.com/office/drawing/2014/main" id="{FC9309A7-1280-4A26-A5CB-10971FB4F6FC}"/>
+                <a16:creationId xmlns:a16="http://schemas.microsoft.com/office/drawing/2014/main" id="{FC9309A7-1280-4A26-A5CB-10971FB4F6FC}"/>
               </a:ext>
             </a:extLst>
           </p:cNvPr>
@@ -12347,7 +12142,6 @@
           <a:ln>
             <a:noFill/>
           </a:ln>
-          <a:extLst/>
         </p:spPr>
         <p:txBody>
           <a:bodyPr wrap="none" rtlCol="0">
@@ -12391,7 +12185,6 @@
               <a:ln>
                 <a:noFill/>
               </a:ln>
-              <a:extLst/>
             </p:spPr>
             <p:txBody>
               <a:bodyPr wrap="none" rtlCol="0">
@@ -12413,7 +12206,7 @@
                               <a:solidFill>
                                 <a:srgbClr val="FF0000"/>
                               </a:solidFill>
-                              <a:latin typeface="Cambria Math"/>
+                              <a:latin typeface="Cambria Math" panose="02040503050406030204" pitchFamily="18" charset="0"/>
                             </a:rPr>
                           </m:ctrlPr>
                         </m:sSubPr>
@@ -12530,7 +12323,7 @@
           <p:cNvPr id="2" name="제목 1">
             <a:extLst>
               <a:ext uri="{FF2B5EF4-FFF2-40B4-BE49-F238E27FC236}">
-                <a16:creationId xmlns="" xmlns:a16="http://schemas.microsoft.com/office/drawing/2014/main" id="{C92353A8-037C-45D5-8A5B-BAB060CFFF87}"/>
+                <a16:creationId xmlns:a16="http://schemas.microsoft.com/office/drawing/2014/main" id="{C92353A8-037C-45D5-8A5B-BAB060CFFF87}"/>
               </a:ext>
             </a:extLst>
           </p:cNvPr>
@@ -12547,7 +12340,7 @@
           <a:lstStyle/>
           <a:p>
             <a:r>
-              <a:rPr lang="en-US" altLang="ko-KR" dirty="0" smtClean="0"/>
+              <a:rPr lang="en-US" altLang="ko-KR" dirty="0"/>
               <a:t>Future Work</a:t>
             </a:r>
             <a:endParaRPr lang="ko-KR" altLang="en-US" dirty="0"/>
@@ -12559,7 +12352,7 @@
           <p:cNvPr id="36" name="내용 개체 틀 2">
             <a:extLst>
               <a:ext uri="{FF2B5EF4-FFF2-40B4-BE49-F238E27FC236}">
-                <a16:creationId xmlns="" xmlns:a16="http://schemas.microsoft.com/office/drawing/2014/main" id="{C0337827-BDAB-4B1B-B9C1-1C3A7D633A58}"/>
+                <a16:creationId xmlns:a16="http://schemas.microsoft.com/office/drawing/2014/main" id="{C0337827-BDAB-4B1B-B9C1-1C3A7D633A58}"/>
               </a:ext>
             </a:extLst>
           </p:cNvPr>
@@ -12581,21 +12374,20 @@
           <a:lstStyle/>
           <a:p>
             <a:r>
-              <a:rPr lang="en-US" altLang="ko-KR" dirty="0" smtClean="0"/>
+              <a:rPr lang="en-US" altLang="ko-KR" dirty="0"/>
               <a:t>Improve algorithm</a:t>
             </a:r>
           </a:p>
           <a:p>
             <a:pPr lvl="1"/>
             <a:r>
-              <a:rPr lang="en-US" altLang="ko-KR" smtClean="0"/>
+              <a:rPr lang="en-US" altLang="ko-KR"/>
               <a:t>x </a:t>
             </a:r>
             <a:r>
-              <a:rPr lang="en-US" altLang="ko-KR" dirty="0" smtClean="0"/>
+              <a:rPr lang="en-US" altLang="ko-KR" dirty="0"/>
               <a:t>adjustment</a:t>
             </a:r>
-            <a:endParaRPr lang="en-US" altLang="ko-KR" dirty="0"/>
           </a:p>
         </p:txBody>
       </p:sp>
@@ -12604,7 +12396,7 @@
           <p:cNvPr id="39" name="슬라이드 번호 개체 틀 3">
             <a:extLst>
               <a:ext uri="{FF2B5EF4-FFF2-40B4-BE49-F238E27FC236}">
-                <a16:creationId xmlns="" xmlns:a16="http://schemas.microsoft.com/office/drawing/2014/main" id="{24183317-8CD0-47FB-AF93-B95A4E2B402E}"/>
+                <a16:creationId xmlns:a16="http://schemas.microsoft.com/office/drawing/2014/main" id="{24183317-8CD0-47FB-AF93-B95A4E2B402E}"/>
               </a:ext>
             </a:extLst>
           </p:cNvPr>
@@ -12649,13 +12441,6 @@
   <p:clrMapOvr>
     <a:masterClrMapping/>
   </p:clrMapOvr>
-  <p:timing>
-    <p:tnLst>
-      <p:par>
-        <p:cTn id="1" dur="indefinite" restart="never" nodeType="tmRoot"/>
-      </p:par>
-    </p:tnLst>
-  </p:timing>
 </p:sld>
 </file>
 
@@ -12681,7 +12466,7 @@
           <p:cNvPr id="2" name="제목 1">
             <a:extLst>
               <a:ext uri="{FF2B5EF4-FFF2-40B4-BE49-F238E27FC236}">
-                <a16:creationId xmlns="" xmlns:a16="http://schemas.microsoft.com/office/drawing/2014/main" id="{C92353A8-037C-45D5-8A5B-BAB060CFFF87}"/>
+                <a16:creationId xmlns:a16="http://schemas.microsoft.com/office/drawing/2014/main" id="{C92353A8-037C-45D5-8A5B-BAB060CFFF87}"/>
               </a:ext>
             </a:extLst>
           </p:cNvPr>
@@ -12712,7 +12497,7 @@
               <p:cNvPr id="3" name="직사각형 2">
                 <a:extLst>
                   <a:ext uri="{FF2B5EF4-FFF2-40B4-BE49-F238E27FC236}">
-                    <a16:creationId xmlns="" xmlns:a16="http://schemas.microsoft.com/office/drawing/2014/main" id="{EEDA6C2D-ABEC-42D7-9AEC-4411CF49E513}"/>
+                    <a16:creationId xmlns:a16="http://schemas.microsoft.com/office/drawing/2014/main" id="{EEDA6C2D-ABEC-42D7-9AEC-4411CF49E513}"/>
                   </a:ext>
                 </a:extLst>
               </p:cNvPr>
@@ -12763,7 +12548,7 @@
                             <a:solidFill>
                               <a:schemeClr val="tx1"/>
                             </a:solidFill>
-                            <a:latin typeface="Cambria Math"/>
+                            <a:latin typeface="Cambria Math" panose="02040503050406030204" pitchFamily="18" charset="0"/>
                           </a:rPr>
                         </m:ctrlPr>
                       </m:sSubPr>
@@ -12884,7 +12669,7 @@
               <p:cNvPr id="7" name="순서도: 판단 6">
                 <a:extLst>
                   <a:ext uri="{FF2B5EF4-FFF2-40B4-BE49-F238E27FC236}">
-                    <a16:creationId xmlns="" xmlns:a16="http://schemas.microsoft.com/office/drawing/2014/main" id="{8AC5A95D-61FD-480D-A135-266FC953E7CD}"/>
+                    <a16:creationId xmlns:a16="http://schemas.microsoft.com/office/drawing/2014/main" id="{8AC5A95D-61FD-480D-A135-266FC953E7CD}"/>
                   </a:ext>
                 </a:extLst>
               </p:cNvPr>
@@ -12928,7 +12713,7 @@
                         <m:chr m:val="∑"/>
                         <m:ctrlPr>
                           <a:rPr lang="ko-KR" altLang="ko-KR" sz="1200" i="1" kern="0" smtClean="0">
-                            <a:latin typeface="Cambria Math"/>
+                            <a:latin typeface="Cambria Math" panose="02040503050406030204" pitchFamily="18" charset="0"/>
                           </a:rPr>
                         </m:ctrlPr>
                       </m:naryPr>
@@ -12953,7 +12738,7 @@
                             <m:endChr m:val="|"/>
                             <m:ctrlPr>
                               <a:rPr lang="ko-KR" altLang="ko-KR" sz="1200" i="1" kern="0">
-                                <a:latin typeface="Cambria Math"/>
+                                <a:latin typeface="Cambria Math" panose="02040503050406030204" pitchFamily="18" charset="0"/>
                               </a:rPr>
                             </m:ctrlPr>
                           </m:dPr>
@@ -12972,7 +12757,7 @@
                           <m:sSubPr>
                             <m:ctrlPr>
                               <a:rPr lang="ko-KR" altLang="ko-KR" sz="1200" i="1" kern="0">
-                                <a:latin typeface="Cambria Math"/>
+                                <a:latin typeface="Cambria Math" panose="02040503050406030204" pitchFamily="18" charset="0"/>
                               </a:rPr>
                             </m:ctrlPr>
                           </m:sSubPr>
@@ -13020,7 +12805,7 @@
                       <m:sSubPr>
                         <m:ctrlPr>
                           <a:rPr lang="en-US" altLang="ko-KR" sz="1200" i="1" kern="100">
-                            <a:latin typeface="Cambria Math"/>
+                            <a:latin typeface="Cambria Math" panose="02040503050406030204" pitchFamily="18" charset="0"/>
                           </a:rPr>
                         </m:ctrlPr>
                       </m:sSubPr>
@@ -13062,7 +12847,7 @@
                         <m:chr m:val="∑"/>
                         <m:ctrlPr>
                           <a:rPr lang="ko-KR" altLang="ko-KR" sz="1200" i="1" kern="0">
-                            <a:latin typeface="Cambria Math"/>
+                            <a:latin typeface="Cambria Math" panose="02040503050406030204" pitchFamily="18" charset="0"/>
                           </a:rPr>
                         </m:ctrlPr>
                       </m:naryPr>
@@ -13087,7 +12872,7 @@
                             <m:endChr m:val="|"/>
                             <m:ctrlPr>
                               <a:rPr lang="ko-KR" altLang="ko-KR" sz="1200" i="1" kern="0">
-                                <a:latin typeface="Cambria Math"/>
+                                <a:latin typeface="Cambria Math" panose="02040503050406030204" pitchFamily="18" charset="0"/>
                               </a:rPr>
                             </m:ctrlPr>
                           </m:dPr>
@@ -13106,7 +12891,7 @@
                           <m:sSubPr>
                             <m:ctrlPr>
                               <a:rPr lang="ko-KR" altLang="ko-KR" sz="1200" i="1" kern="0">
-                                <a:latin typeface="Cambria Math"/>
+                                <a:latin typeface="Cambria Math" panose="02040503050406030204" pitchFamily="18" charset="0"/>
                               </a:rPr>
                             </m:ctrlPr>
                           </m:sSubPr>
@@ -13154,7 +12939,7 @@
                       <m:sSubPr>
                         <m:ctrlPr>
                           <a:rPr lang="en-US" altLang="ko-KR" sz="1200" i="1" kern="100">
-                            <a:latin typeface="Cambria Math"/>
+                            <a:latin typeface="Cambria Math" panose="02040503050406030204" pitchFamily="18" charset="0"/>
                           </a:rPr>
                         </m:ctrlPr>
                       </m:sSubPr>
@@ -13241,7 +13026,7 @@
               <p:cNvPr id="47" name="순서도: 판단 46">
                 <a:extLst>
                   <a:ext uri="{FF2B5EF4-FFF2-40B4-BE49-F238E27FC236}">
-                    <a16:creationId xmlns="" xmlns:a16="http://schemas.microsoft.com/office/drawing/2014/main" id="{E2F6918B-52F0-4B34-80D5-949406E6A3F9}"/>
+                    <a16:creationId xmlns:a16="http://schemas.microsoft.com/office/drawing/2014/main" id="{E2F6918B-52F0-4B34-80D5-949406E6A3F9}"/>
                   </a:ext>
                 </a:extLst>
               </p:cNvPr>
@@ -13285,7 +13070,7 @@
                         <m:chr m:val="∑"/>
                         <m:ctrlPr>
                           <a:rPr lang="ko-KR" altLang="ko-KR" sz="1200" i="1" kern="0" smtClean="0">
-                            <a:latin typeface="Cambria Math"/>
+                            <a:latin typeface="Cambria Math" panose="02040503050406030204" pitchFamily="18" charset="0"/>
                           </a:rPr>
                         </m:ctrlPr>
                       </m:naryPr>
@@ -13310,7 +13095,7 @@
                             <m:endChr m:val="|"/>
                             <m:ctrlPr>
                               <a:rPr lang="ko-KR" altLang="ko-KR" sz="1200" i="1" kern="0">
-                                <a:latin typeface="Cambria Math"/>
+                                <a:latin typeface="Cambria Math" panose="02040503050406030204" pitchFamily="18" charset="0"/>
                               </a:rPr>
                             </m:ctrlPr>
                           </m:dPr>
@@ -13329,7 +13114,7 @@
                           <m:sSubPr>
                             <m:ctrlPr>
                               <a:rPr lang="ko-KR" altLang="ko-KR" sz="1200" i="1" kern="0">
-                                <a:latin typeface="Cambria Math"/>
+                                <a:latin typeface="Cambria Math" panose="02040503050406030204" pitchFamily="18" charset="0"/>
                               </a:rPr>
                             </m:ctrlPr>
                           </m:sSubPr>
@@ -13377,7 +13162,7 @@
                       <m:sSubPr>
                         <m:ctrlPr>
                           <a:rPr lang="en-US" altLang="ko-KR" sz="1200" i="1" kern="100">
-                            <a:latin typeface="Cambria Math"/>
+                            <a:latin typeface="Cambria Math" panose="02040503050406030204" pitchFamily="18" charset="0"/>
                           </a:rPr>
                         </m:ctrlPr>
                       </m:sSubPr>
@@ -13419,7 +13204,7 @@
                         <m:chr m:val="∑"/>
                         <m:ctrlPr>
                           <a:rPr lang="ko-KR" altLang="ko-KR" sz="1200" i="1" kern="0">
-                            <a:latin typeface="Cambria Math"/>
+                            <a:latin typeface="Cambria Math" panose="02040503050406030204" pitchFamily="18" charset="0"/>
                           </a:rPr>
                         </m:ctrlPr>
                       </m:naryPr>
@@ -13444,7 +13229,7 @@
                             <m:endChr m:val="|"/>
                             <m:ctrlPr>
                               <a:rPr lang="ko-KR" altLang="ko-KR" sz="1200" i="1" kern="0">
-                                <a:latin typeface="Cambria Math"/>
+                                <a:latin typeface="Cambria Math" panose="02040503050406030204" pitchFamily="18" charset="0"/>
                               </a:rPr>
                             </m:ctrlPr>
                           </m:dPr>
@@ -13463,7 +13248,7 @@
                           <m:sSubPr>
                             <m:ctrlPr>
                               <a:rPr lang="ko-KR" altLang="ko-KR" sz="1200" i="1" kern="0">
-                                <a:latin typeface="Cambria Math"/>
+                                <a:latin typeface="Cambria Math" panose="02040503050406030204" pitchFamily="18" charset="0"/>
                               </a:rPr>
                             </m:ctrlPr>
                           </m:sSubPr>
@@ -13511,7 +13296,7 @@
                       <m:sSubPr>
                         <m:ctrlPr>
                           <a:rPr lang="en-US" altLang="ko-KR" sz="1200" i="1" kern="100">
-                            <a:latin typeface="Cambria Math"/>
+                            <a:latin typeface="Cambria Math" panose="02040503050406030204" pitchFamily="18" charset="0"/>
                           </a:rPr>
                         </m:ctrlPr>
                       </m:sSubPr>
@@ -13553,7 +13338,7 @@
                         <m:chr m:val="∑"/>
                         <m:ctrlPr>
                           <a:rPr lang="ko-KR" altLang="ko-KR" sz="1200" i="1" kern="0">
-                            <a:latin typeface="Cambria Math"/>
+                            <a:latin typeface="Cambria Math" panose="02040503050406030204" pitchFamily="18" charset="0"/>
                           </a:rPr>
                         </m:ctrlPr>
                       </m:naryPr>
@@ -13578,7 +13363,7 @@
                             <m:endChr m:val="|"/>
                             <m:ctrlPr>
                               <a:rPr lang="ko-KR" altLang="ko-KR" sz="1200" i="1" kern="0">
-                                <a:latin typeface="Cambria Math"/>
+                                <a:latin typeface="Cambria Math" panose="02040503050406030204" pitchFamily="18" charset="0"/>
                               </a:rPr>
                             </m:ctrlPr>
                           </m:dPr>
@@ -13597,7 +13382,7 @@
                           <m:sSubPr>
                             <m:ctrlPr>
                               <a:rPr lang="ko-KR" altLang="ko-KR" sz="1200" i="1" kern="0">
-                                <a:latin typeface="Cambria Math"/>
+                                <a:latin typeface="Cambria Math" panose="02040503050406030204" pitchFamily="18" charset="0"/>
                               </a:rPr>
                             </m:ctrlPr>
                           </m:sSubPr>
@@ -13645,7 +13430,7 @@
                       <m:sSubPr>
                         <m:ctrlPr>
                           <a:rPr lang="en-US" altLang="ko-KR" sz="1200" i="1" kern="100">
-                            <a:latin typeface="Cambria Math"/>
+                            <a:latin typeface="Cambria Math" panose="02040503050406030204" pitchFamily="18" charset="0"/>
                           </a:rPr>
                         </m:ctrlPr>
                       </m:sSubPr>
@@ -13687,7 +13472,7 @@
                         <m:chr m:val="∑"/>
                         <m:ctrlPr>
                           <a:rPr lang="ko-KR" altLang="ko-KR" sz="1200" i="1" kern="0">
-                            <a:latin typeface="Cambria Math"/>
+                            <a:latin typeface="Cambria Math" panose="02040503050406030204" pitchFamily="18" charset="0"/>
                           </a:rPr>
                         </m:ctrlPr>
                       </m:naryPr>
@@ -13712,7 +13497,7 @@
                             <m:endChr m:val="|"/>
                             <m:ctrlPr>
                               <a:rPr lang="ko-KR" altLang="ko-KR" sz="1200" i="1" kern="0">
-                                <a:latin typeface="Cambria Math"/>
+                                <a:latin typeface="Cambria Math" panose="02040503050406030204" pitchFamily="18" charset="0"/>
                               </a:rPr>
                             </m:ctrlPr>
                           </m:dPr>
@@ -13731,7 +13516,7 @@
                           <m:sSubPr>
                             <m:ctrlPr>
                               <a:rPr lang="ko-KR" altLang="ko-KR" sz="1200" i="1" kern="0">
-                                <a:latin typeface="Cambria Math"/>
+                                <a:latin typeface="Cambria Math" panose="02040503050406030204" pitchFamily="18" charset="0"/>
                               </a:rPr>
                             </m:ctrlPr>
                           </m:sSubPr>
@@ -13779,7 +13564,7 @@
                       <m:sSubPr>
                         <m:ctrlPr>
                           <a:rPr lang="en-US" altLang="ko-KR" sz="1200" i="1" kern="100">
-                            <a:latin typeface="Cambria Math"/>
+                            <a:latin typeface="Cambria Math" panose="02040503050406030204" pitchFamily="18" charset="0"/>
                           </a:rPr>
                         </m:ctrlPr>
                       </m:sSubPr>
@@ -13866,7 +13651,7 @@
               <p:cNvPr id="14" name="순서도: 판단 13">
                 <a:extLst>
                   <a:ext uri="{FF2B5EF4-FFF2-40B4-BE49-F238E27FC236}">
-                    <a16:creationId xmlns="" xmlns:a16="http://schemas.microsoft.com/office/drawing/2014/main" id="{7A6FB031-E73D-40E0-A17F-3EABCA15F701}"/>
+                    <a16:creationId xmlns:a16="http://schemas.microsoft.com/office/drawing/2014/main" id="{7A6FB031-E73D-40E0-A17F-3EABCA15F701}"/>
                   </a:ext>
                 </a:extLst>
               </p:cNvPr>
@@ -13907,7 +13692,7 @@
                         <m:sSubPr>
                           <m:ctrlPr>
                             <a:rPr lang="en-US" altLang="ko-KR" sz="1200" i="1" kern="100">
-                              <a:latin typeface="Cambria Math"/>
+                              <a:latin typeface="Cambria Math" panose="02040503050406030204" pitchFamily="18" charset="0"/>
                             </a:rPr>
                           </m:ctrlPr>
                         </m:sSubPr>
@@ -13938,7 +13723,7 @@
                         <m:fPr>
                           <m:ctrlPr>
                             <a:rPr lang="en-US" altLang="ko-KR" sz="1200" i="1" kern="0">
-                              <a:latin typeface="Cambria Math"/>
+                              <a:latin typeface="Cambria Math" panose="02040503050406030204" pitchFamily="18" charset="0"/>
                             </a:rPr>
                           </m:ctrlPr>
                         </m:fPr>
@@ -13947,7 +13732,7 @@
                             <m:dPr>
                               <m:ctrlPr>
                                 <a:rPr lang="en-US" altLang="ko-KR" sz="1200" i="1" kern="100">
-                                  <a:latin typeface="Cambria Math"/>
+                                  <a:latin typeface="Cambria Math" panose="02040503050406030204" pitchFamily="18" charset="0"/>
                                 </a:rPr>
                               </m:ctrlPr>
                             </m:dPr>
@@ -13957,7 +13742,7 @@
                                   <m:chr m:val="∑"/>
                                   <m:ctrlPr>
                                     <a:rPr lang="ko-KR" altLang="ko-KR" sz="1200" i="1" kern="0">
-                                      <a:latin typeface="Cambria Math"/>
+                                      <a:latin typeface="Cambria Math" panose="02040503050406030204" pitchFamily="18" charset="0"/>
                                     </a:rPr>
                                   </m:ctrlPr>
                                 </m:naryPr>
@@ -13982,7 +13767,7 @@
                                       <m:endChr m:val="|"/>
                                       <m:ctrlPr>
                                         <a:rPr lang="ko-KR" altLang="ko-KR" sz="1200" i="1" kern="0">
-                                          <a:latin typeface="Cambria Math"/>
+                                          <a:latin typeface="Cambria Math" panose="02040503050406030204" pitchFamily="18" charset="0"/>
                                         </a:rPr>
                                       </m:ctrlPr>
                                     </m:dPr>
@@ -14001,7 +13786,7 @@
                                     <m:sSubPr>
                                       <m:ctrlPr>
                                         <a:rPr lang="ko-KR" altLang="ko-KR" sz="1200" i="1" kern="0">
-                                          <a:latin typeface="Cambria Math"/>
+                                          <a:latin typeface="Cambria Math" panose="02040503050406030204" pitchFamily="18" charset="0"/>
                                         </a:rPr>
                                       </m:ctrlPr>
                                     </m:sSubPr>
@@ -14050,7 +13835,7 @@
                                   <m:chr m:val="∑"/>
                                   <m:ctrlPr>
                                     <a:rPr lang="ko-KR" altLang="ko-KR" sz="1200" i="1" kern="0">
-                                      <a:latin typeface="Cambria Math"/>
+                                      <a:latin typeface="Cambria Math" panose="02040503050406030204" pitchFamily="18" charset="0"/>
                                     </a:rPr>
                                   </m:ctrlPr>
                                 </m:naryPr>
@@ -14075,7 +13860,7 @@
                                       <m:endChr m:val="|"/>
                                       <m:ctrlPr>
                                         <a:rPr lang="ko-KR" altLang="ko-KR" sz="1200" i="1" kern="0">
-                                          <a:latin typeface="Cambria Math"/>
+                                          <a:latin typeface="Cambria Math" panose="02040503050406030204" pitchFamily="18" charset="0"/>
                                         </a:rPr>
                                       </m:ctrlPr>
                                     </m:dPr>
@@ -14094,7 +13879,7 @@
                                     <m:sSubPr>
                                       <m:ctrlPr>
                                         <a:rPr lang="ko-KR" altLang="ko-KR" sz="1200" i="1" kern="0">
-                                          <a:latin typeface="Cambria Math"/>
+                                          <a:latin typeface="Cambria Math" panose="02040503050406030204" pitchFamily="18" charset="0"/>
                                         </a:rPr>
                                       </m:ctrlPr>
                                     </m:sSubPr>
@@ -14223,7 +14008,7 @@
               <p:cNvPr id="49" name="직사각형 48">
                 <a:extLst>
                   <a:ext uri="{FF2B5EF4-FFF2-40B4-BE49-F238E27FC236}">
-                    <a16:creationId xmlns="" xmlns:a16="http://schemas.microsoft.com/office/drawing/2014/main" id="{39850127-0B23-424E-8133-C185EF94B11D}"/>
+                    <a16:creationId xmlns:a16="http://schemas.microsoft.com/office/drawing/2014/main" id="{39850127-0B23-424E-8133-C185EF94B11D}"/>
                   </a:ext>
                 </a:extLst>
               </p:cNvPr>
@@ -14280,7 +14065,7 @@
                       <m:sSubPr>
                         <m:ctrlPr>
                           <a:rPr lang="en-US" altLang="ko-KR" sz="1200" i="1">
-                            <a:latin typeface="Cambria Math"/>
+                            <a:latin typeface="Cambria Math" panose="02040503050406030204" pitchFamily="18" charset="0"/>
                           </a:rPr>
                         </m:ctrlPr>
                       </m:sSubPr>
@@ -14368,7 +14153,7 @@
           <p:cNvPr id="16" name="직선 화살표 연결선 15">
             <a:extLst>
               <a:ext uri="{FF2B5EF4-FFF2-40B4-BE49-F238E27FC236}">
-                <a16:creationId xmlns="" xmlns:a16="http://schemas.microsoft.com/office/drawing/2014/main" id="{388828AF-E3C8-480F-A7E6-FD274E42408C}"/>
+                <a16:creationId xmlns:a16="http://schemas.microsoft.com/office/drawing/2014/main" id="{388828AF-E3C8-480F-A7E6-FD274E42408C}"/>
               </a:ext>
             </a:extLst>
           </p:cNvPr>
@@ -14405,7 +14190,7 @@
           <p:cNvPr id="27" name="TextBox 26">
             <a:extLst>
               <a:ext uri="{FF2B5EF4-FFF2-40B4-BE49-F238E27FC236}">
-                <a16:creationId xmlns="" xmlns:a16="http://schemas.microsoft.com/office/drawing/2014/main" id="{4A7096C1-EF4B-4AC9-8A83-196D9E46B9B1}"/>
+                <a16:creationId xmlns:a16="http://schemas.microsoft.com/office/drawing/2014/main" id="{4A7096C1-EF4B-4AC9-8A83-196D9E46B9B1}"/>
               </a:ext>
             </a:extLst>
           </p:cNvPr>
@@ -14446,7 +14231,7 @@
           <p:cNvPr id="62" name="TextBox 61">
             <a:extLst>
               <a:ext uri="{FF2B5EF4-FFF2-40B4-BE49-F238E27FC236}">
-                <a16:creationId xmlns="" xmlns:a16="http://schemas.microsoft.com/office/drawing/2014/main" id="{82C1B359-23B4-445E-8FE9-DBD033941847}"/>
+                <a16:creationId xmlns:a16="http://schemas.microsoft.com/office/drawing/2014/main" id="{82C1B359-23B4-445E-8FE9-DBD033941847}"/>
               </a:ext>
             </a:extLst>
           </p:cNvPr>
@@ -14489,7 +14274,7 @@
               <p:cNvPr id="68" name="직사각형 67">
                 <a:extLst>
                   <a:ext uri="{FF2B5EF4-FFF2-40B4-BE49-F238E27FC236}">
-                    <a16:creationId xmlns="" xmlns:a16="http://schemas.microsoft.com/office/drawing/2014/main" id="{D53BE05B-EB56-41C5-AB5C-2BDA6FC751F8}"/>
+                    <a16:creationId xmlns:a16="http://schemas.microsoft.com/office/drawing/2014/main" id="{D53BE05B-EB56-41C5-AB5C-2BDA6FC751F8}"/>
                   </a:ext>
                 </a:extLst>
               </p:cNvPr>
@@ -14611,7 +14396,7 @@
               <p:cNvPr id="75" name="직사각형 74">
                 <a:extLst>
                   <a:ext uri="{FF2B5EF4-FFF2-40B4-BE49-F238E27FC236}">
-                    <a16:creationId xmlns="" xmlns:a16="http://schemas.microsoft.com/office/drawing/2014/main" id="{BE3C4728-DE11-46AD-94A5-51672E876CF1}"/>
+                    <a16:creationId xmlns:a16="http://schemas.microsoft.com/office/drawing/2014/main" id="{BE3C4728-DE11-46AD-94A5-51672E876CF1}"/>
                   </a:ext>
                 </a:extLst>
               </p:cNvPr>
@@ -14659,7 +14444,7 @@
                       <m:sSubPr>
                         <m:ctrlPr>
                           <a:rPr lang="en-US" altLang="ko-KR" sz="1200" b="1" i="1">
-                            <a:latin typeface="Cambria Math"/>
+                            <a:latin typeface="Cambria Math" panose="02040503050406030204" pitchFamily="18" charset="0"/>
                           </a:rPr>
                         </m:ctrlPr>
                       </m:sSubPr>
@@ -14747,7 +14532,7 @@
           <p:cNvPr id="81" name="직사각형 80">
             <a:extLst>
               <a:ext uri="{FF2B5EF4-FFF2-40B4-BE49-F238E27FC236}">
-                <a16:creationId xmlns="" xmlns:a16="http://schemas.microsoft.com/office/drawing/2014/main" id="{0B443A3B-9AF9-4F2F-A6F2-242792A928CA}"/>
+                <a16:creationId xmlns:a16="http://schemas.microsoft.com/office/drawing/2014/main" id="{0B443A3B-9AF9-4F2F-A6F2-242792A928CA}"/>
               </a:ext>
             </a:extLst>
           </p:cNvPr>
@@ -14805,7 +14590,7 @@
               <p:cNvPr id="30" name="직사각형 29">
                 <a:extLst>
                   <a:ext uri="{FF2B5EF4-FFF2-40B4-BE49-F238E27FC236}">
-                    <a16:creationId xmlns="" xmlns:a16="http://schemas.microsoft.com/office/drawing/2014/main" id="{ACB85D89-3661-43BA-8483-CAF3370D1829}"/>
+                    <a16:creationId xmlns:a16="http://schemas.microsoft.com/office/drawing/2014/main" id="{ACB85D89-3661-43BA-8483-CAF3370D1829}"/>
                   </a:ext>
                 </a:extLst>
               </p:cNvPr>
@@ -14850,7 +14635,7 @@
                       <m:sSubPr>
                         <m:ctrlPr>
                           <a:rPr lang="en-US" altLang="ko-KR" sz="1200" b="1" i="1">
-                            <a:latin typeface="Cambria Math"/>
+                            <a:latin typeface="Cambria Math" panose="02040503050406030204" pitchFamily="18" charset="0"/>
                           </a:rPr>
                         </m:ctrlPr>
                       </m:sSubPr>
@@ -14881,7 +14666,7 @@
                       <m:sSubSupPr>
                         <m:ctrlPr>
                           <a:rPr lang="en-US" altLang="ko-KR" sz="1200" b="1" i="1">
-                            <a:latin typeface="Cambria Math"/>
+                            <a:latin typeface="Cambria Math" panose="02040503050406030204" pitchFamily="18" charset="0"/>
                           </a:rPr>
                         </m:ctrlPr>
                       </m:sSubSupPr>
@@ -15019,7 +14804,7 @@
               <p:cNvPr id="32" name="순서도: 판단 31">
                 <a:extLst>
                   <a:ext uri="{FF2B5EF4-FFF2-40B4-BE49-F238E27FC236}">
-                    <a16:creationId xmlns="" xmlns:a16="http://schemas.microsoft.com/office/drawing/2014/main" id="{584F840C-9A1C-4DA3-BB06-34298DB6E5CB}"/>
+                    <a16:creationId xmlns:a16="http://schemas.microsoft.com/office/drawing/2014/main" id="{584F840C-9A1C-4DA3-BB06-34298DB6E5CB}"/>
                   </a:ext>
                 </a:extLst>
               </p:cNvPr>
@@ -15063,7 +14848,7 @@
                         <m:chr m:val="∑"/>
                         <m:ctrlPr>
                           <a:rPr lang="ko-KR" altLang="ko-KR" sz="1200" i="1" kern="0">
-                            <a:latin typeface="Cambria Math"/>
+                            <a:latin typeface="Cambria Math" panose="02040503050406030204" pitchFamily="18" charset="0"/>
                           </a:rPr>
                         </m:ctrlPr>
                       </m:naryPr>
@@ -15088,7 +14873,7 @@
                             <m:endChr m:val="|"/>
                             <m:ctrlPr>
                               <a:rPr lang="ko-KR" altLang="ko-KR" sz="1200" i="1" kern="0">
-                                <a:latin typeface="Cambria Math"/>
+                                <a:latin typeface="Cambria Math" panose="02040503050406030204" pitchFamily="18" charset="0"/>
                               </a:rPr>
                             </m:ctrlPr>
                           </m:dPr>
@@ -15107,7 +14892,7 @@
                           <m:sSubPr>
                             <m:ctrlPr>
                               <a:rPr lang="ko-KR" altLang="ko-KR" sz="1200" i="1" kern="0">
-                                <a:latin typeface="Cambria Math"/>
+                                <a:latin typeface="Cambria Math" panose="02040503050406030204" pitchFamily="18" charset="0"/>
                               </a:rPr>
                             </m:ctrlPr>
                           </m:sSubPr>
@@ -15155,7 +14940,7 @@
                       <m:sSubPr>
                         <m:ctrlPr>
                           <a:rPr lang="en-US" altLang="ko-KR" sz="1200" i="1" kern="100">
-                            <a:latin typeface="Cambria Math"/>
+                            <a:latin typeface="Cambria Math" panose="02040503050406030204" pitchFamily="18" charset="0"/>
                           </a:rPr>
                         </m:ctrlPr>
                       </m:sSubPr>
@@ -15197,7 +14982,7 @@
                         <m:chr m:val="∑"/>
                         <m:ctrlPr>
                           <a:rPr lang="ko-KR" altLang="ko-KR" sz="1200" i="1" kern="0">
-                            <a:latin typeface="Cambria Math"/>
+                            <a:latin typeface="Cambria Math" panose="02040503050406030204" pitchFamily="18" charset="0"/>
                           </a:rPr>
                         </m:ctrlPr>
                       </m:naryPr>
@@ -15222,7 +15007,7 @@
                             <m:endChr m:val="|"/>
                             <m:ctrlPr>
                               <a:rPr lang="ko-KR" altLang="ko-KR" sz="1200" i="1" kern="0">
-                                <a:latin typeface="Cambria Math"/>
+                                <a:latin typeface="Cambria Math" panose="02040503050406030204" pitchFamily="18" charset="0"/>
                               </a:rPr>
                             </m:ctrlPr>
                           </m:dPr>
@@ -15241,7 +15026,7 @@
                           <m:sSubPr>
                             <m:ctrlPr>
                               <a:rPr lang="ko-KR" altLang="ko-KR" sz="1200" i="1" kern="0">
-                                <a:latin typeface="Cambria Math"/>
+                                <a:latin typeface="Cambria Math" panose="02040503050406030204" pitchFamily="18" charset="0"/>
                               </a:rPr>
                             </m:ctrlPr>
                           </m:sSubPr>
@@ -15289,7 +15074,7 @@
                       <m:sSubPr>
                         <m:ctrlPr>
                           <a:rPr lang="en-US" altLang="ko-KR" sz="1200" i="1" kern="100">
-                            <a:latin typeface="Cambria Math"/>
+                            <a:latin typeface="Cambria Math" panose="02040503050406030204" pitchFamily="18" charset="0"/>
                           </a:rPr>
                         </m:ctrlPr>
                       </m:sSubPr>
@@ -15374,7 +15159,7 @@
           <p:cNvPr id="28" name="직선 화살표 연결선 27">
             <a:extLst>
               <a:ext uri="{FF2B5EF4-FFF2-40B4-BE49-F238E27FC236}">
-                <a16:creationId xmlns="" xmlns:a16="http://schemas.microsoft.com/office/drawing/2014/main" id="{9A1BD42F-56B2-4C5B-8E95-6859E8F91069}"/>
+                <a16:creationId xmlns:a16="http://schemas.microsoft.com/office/drawing/2014/main" id="{9A1BD42F-56B2-4C5B-8E95-6859E8F91069}"/>
               </a:ext>
             </a:extLst>
           </p:cNvPr>
@@ -15411,7 +15196,7 @@
           <p:cNvPr id="59" name="TextBox 58">
             <a:extLst>
               <a:ext uri="{FF2B5EF4-FFF2-40B4-BE49-F238E27FC236}">
-                <a16:creationId xmlns="" xmlns:a16="http://schemas.microsoft.com/office/drawing/2014/main" id="{CAF72C5C-2493-46F2-87AD-07D766CEB0B3}"/>
+                <a16:creationId xmlns:a16="http://schemas.microsoft.com/office/drawing/2014/main" id="{CAF72C5C-2493-46F2-87AD-07D766CEB0B3}"/>
               </a:ext>
             </a:extLst>
           </p:cNvPr>
@@ -15452,7 +15237,7 @@
           <p:cNvPr id="44" name="연결선: 꺾임 43">
             <a:extLst>
               <a:ext uri="{FF2B5EF4-FFF2-40B4-BE49-F238E27FC236}">
-                <a16:creationId xmlns="" xmlns:a16="http://schemas.microsoft.com/office/drawing/2014/main" id="{C1E2A020-D4C9-4A89-A80F-46FEDCE55074}"/>
+                <a16:creationId xmlns:a16="http://schemas.microsoft.com/office/drawing/2014/main" id="{C1E2A020-D4C9-4A89-A80F-46FEDCE55074}"/>
               </a:ext>
             </a:extLst>
           </p:cNvPr>
@@ -15488,7 +15273,7 @@
           <p:cNvPr id="64" name="TextBox 63">
             <a:extLst>
               <a:ext uri="{FF2B5EF4-FFF2-40B4-BE49-F238E27FC236}">
-                <a16:creationId xmlns="" xmlns:a16="http://schemas.microsoft.com/office/drawing/2014/main" id="{61D6B2DA-F1F9-4D86-9373-0B5ADBFD2B6B}"/>
+                <a16:creationId xmlns:a16="http://schemas.microsoft.com/office/drawing/2014/main" id="{61D6B2DA-F1F9-4D86-9373-0B5ADBFD2B6B}"/>
               </a:ext>
             </a:extLst>
           </p:cNvPr>
@@ -15529,7 +15314,7 @@
           <p:cNvPr id="8" name="직선 화살표 연결선 7">
             <a:extLst>
               <a:ext uri="{FF2B5EF4-FFF2-40B4-BE49-F238E27FC236}">
-                <a16:creationId xmlns="" xmlns:a16="http://schemas.microsoft.com/office/drawing/2014/main" id="{97BED644-C4E3-4CBF-AE1B-4B7E502E008A}"/>
+                <a16:creationId xmlns:a16="http://schemas.microsoft.com/office/drawing/2014/main" id="{97BED644-C4E3-4CBF-AE1B-4B7E502E008A}"/>
               </a:ext>
             </a:extLst>
           </p:cNvPr>
@@ -15565,7 +15350,7 @@
           <p:cNvPr id="11" name="직선 화살표 연결선 10">
             <a:extLst>
               <a:ext uri="{FF2B5EF4-FFF2-40B4-BE49-F238E27FC236}">
-                <a16:creationId xmlns="" xmlns:a16="http://schemas.microsoft.com/office/drawing/2014/main" id="{48DD20C2-1AFD-432B-81DC-1AD0ED0BBB78}"/>
+                <a16:creationId xmlns:a16="http://schemas.microsoft.com/office/drawing/2014/main" id="{48DD20C2-1AFD-432B-81DC-1AD0ED0BBB78}"/>
               </a:ext>
             </a:extLst>
           </p:cNvPr>
@@ -15601,7 +15386,7 @@
           <p:cNvPr id="25" name="연결선: 꺾임 24">
             <a:extLst>
               <a:ext uri="{FF2B5EF4-FFF2-40B4-BE49-F238E27FC236}">
-                <a16:creationId xmlns="" xmlns:a16="http://schemas.microsoft.com/office/drawing/2014/main" id="{4283CF48-40E1-44E3-B295-B22753193D42}"/>
+                <a16:creationId xmlns:a16="http://schemas.microsoft.com/office/drawing/2014/main" id="{4283CF48-40E1-44E3-B295-B22753193D42}"/>
               </a:ext>
             </a:extLst>
           </p:cNvPr>
@@ -15637,7 +15422,7 @@
           <p:cNvPr id="33" name="직선 화살표 연결선 32">
             <a:extLst>
               <a:ext uri="{FF2B5EF4-FFF2-40B4-BE49-F238E27FC236}">
-                <a16:creationId xmlns="" xmlns:a16="http://schemas.microsoft.com/office/drawing/2014/main" id="{B84C0988-92A8-4314-A306-4CB5CC6890B2}"/>
+                <a16:creationId xmlns:a16="http://schemas.microsoft.com/office/drawing/2014/main" id="{B84C0988-92A8-4314-A306-4CB5CC6890B2}"/>
               </a:ext>
             </a:extLst>
           </p:cNvPr>
@@ -15672,7 +15457,7 @@
           <p:cNvPr id="38" name="직선 화살표 연결선 37">
             <a:extLst>
               <a:ext uri="{FF2B5EF4-FFF2-40B4-BE49-F238E27FC236}">
-                <a16:creationId xmlns="" xmlns:a16="http://schemas.microsoft.com/office/drawing/2014/main" id="{2A7C5F04-08EA-4B22-BCA8-EBE67CCD0365}"/>
+                <a16:creationId xmlns:a16="http://schemas.microsoft.com/office/drawing/2014/main" id="{2A7C5F04-08EA-4B22-BCA8-EBE67CCD0365}"/>
               </a:ext>
             </a:extLst>
           </p:cNvPr>
@@ -15707,7 +15492,7 @@
           <p:cNvPr id="46" name="직선 화살표 연결선 45">
             <a:extLst>
               <a:ext uri="{FF2B5EF4-FFF2-40B4-BE49-F238E27FC236}">
-                <a16:creationId xmlns="" xmlns:a16="http://schemas.microsoft.com/office/drawing/2014/main" id="{6AA84776-FD0F-40F1-8FAE-AED8EF544AD3}"/>
+                <a16:creationId xmlns:a16="http://schemas.microsoft.com/office/drawing/2014/main" id="{6AA84776-FD0F-40F1-8FAE-AED8EF544AD3}"/>
               </a:ext>
             </a:extLst>
           </p:cNvPr>
@@ -15744,7 +15529,7 @@
           <p:cNvPr id="53" name="연결선: 꺾임 52">
             <a:extLst>
               <a:ext uri="{FF2B5EF4-FFF2-40B4-BE49-F238E27FC236}">
-                <a16:creationId xmlns="" xmlns:a16="http://schemas.microsoft.com/office/drawing/2014/main" id="{DD7B9AF9-AD6C-44E2-B36E-F3A5DA9D7B34}"/>
+                <a16:creationId xmlns:a16="http://schemas.microsoft.com/office/drawing/2014/main" id="{DD7B9AF9-AD6C-44E2-B36E-F3A5DA9D7B34}"/>
               </a:ext>
             </a:extLst>
           </p:cNvPr>
@@ -15780,7 +15565,7 @@
           <p:cNvPr id="56" name="연결선: 꺾임 55">
             <a:extLst>
               <a:ext uri="{FF2B5EF4-FFF2-40B4-BE49-F238E27FC236}">
-                <a16:creationId xmlns="" xmlns:a16="http://schemas.microsoft.com/office/drawing/2014/main" id="{9D7489B1-6221-49B8-81D1-262AEC48EB08}"/>
+                <a16:creationId xmlns:a16="http://schemas.microsoft.com/office/drawing/2014/main" id="{9D7489B1-6221-49B8-81D1-262AEC48EB08}"/>
               </a:ext>
             </a:extLst>
           </p:cNvPr>
@@ -15816,7 +15601,7 @@
           <p:cNvPr id="58" name="연결선: 꺾임 57">
             <a:extLst>
               <a:ext uri="{FF2B5EF4-FFF2-40B4-BE49-F238E27FC236}">
-                <a16:creationId xmlns="" xmlns:a16="http://schemas.microsoft.com/office/drawing/2014/main" id="{76A8E4F4-E760-4D8E-815B-456CEA0F0EA6}"/>
+                <a16:creationId xmlns:a16="http://schemas.microsoft.com/office/drawing/2014/main" id="{76A8E4F4-E760-4D8E-815B-456CEA0F0EA6}"/>
               </a:ext>
             </a:extLst>
           </p:cNvPr>
@@ -15852,7 +15637,7 @@
           <p:cNvPr id="67" name="TextBox 66">
             <a:extLst>
               <a:ext uri="{FF2B5EF4-FFF2-40B4-BE49-F238E27FC236}">
-                <a16:creationId xmlns="" xmlns:a16="http://schemas.microsoft.com/office/drawing/2014/main" id="{7413E01F-4FCD-408B-931F-EB95488699B1}"/>
+                <a16:creationId xmlns:a16="http://schemas.microsoft.com/office/drawing/2014/main" id="{7413E01F-4FCD-408B-931F-EB95488699B1}"/>
               </a:ext>
             </a:extLst>
           </p:cNvPr>
@@ -15893,7 +15678,7 @@
           <p:cNvPr id="36" name="내용 개체 틀 2">
             <a:extLst>
               <a:ext uri="{FF2B5EF4-FFF2-40B4-BE49-F238E27FC236}">
-                <a16:creationId xmlns="" xmlns:a16="http://schemas.microsoft.com/office/drawing/2014/main" id="{C0337827-BDAB-4B1B-B9C1-1C3A7D633A58}"/>
+                <a16:creationId xmlns:a16="http://schemas.microsoft.com/office/drawing/2014/main" id="{C0337827-BDAB-4B1B-B9C1-1C3A7D633A58}"/>
               </a:ext>
             </a:extLst>
           </p:cNvPr>
@@ -15956,7 +15741,7 @@
           <p:cNvPr id="2" name="제목 1">
             <a:extLst>
               <a:ext uri="{FF2B5EF4-FFF2-40B4-BE49-F238E27FC236}">
-                <a16:creationId xmlns="" xmlns:a16="http://schemas.microsoft.com/office/drawing/2014/main" id="{12290F5D-A9B9-411C-920E-236D90D4CD79}"/>
+                <a16:creationId xmlns:a16="http://schemas.microsoft.com/office/drawing/2014/main" id="{12290F5D-A9B9-411C-920E-236D90D4CD79}"/>
               </a:ext>
             </a:extLst>
           </p:cNvPr>
@@ -15973,7 +15758,7 @@
           <a:lstStyle/>
           <a:p>
             <a:r>
-              <a:rPr lang="en-US" altLang="ko-KR" dirty="0" smtClean="0"/>
+              <a:rPr lang="en-US" altLang="ko-KR" dirty="0"/>
               <a:t>Contents</a:t>
             </a:r>
             <a:endParaRPr lang="ko-KR" altLang="en-US" dirty="0"/>
@@ -15985,7 +15770,7 @@
           <p:cNvPr id="3" name="내용 개체 틀 2">
             <a:extLst>
               <a:ext uri="{FF2B5EF4-FFF2-40B4-BE49-F238E27FC236}">
-                <a16:creationId xmlns="" xmlns:a16="http://schemas.microsoft.com/office/drawing/2014/main" id="{C5903480-8DB3-466C-90D5-9D2E07EC1713}"/>
+                <a16:creationId xmlns:a16="http://schemas.microsoft.com/office/drawing/2014/main" id="{C5903480-8DB3-466C-90D5-9D2E07EC1713}"/>
               </a:ext>
             </a:extLst>
           </p:cNvPr>
@@ -16002,16 +15787,15 @@
           <a:lstStyle/>
           <a:p>
             <a:r>
-              <a:rPr lang="en-US" altLang="ko-KR" dirty="0" smtClean="0"/>
+              <a:rPr lang="en-US" altLang="ko-KR" dirty="0"/>
               <a:t>Algorithm</a:t>
             </a:r>
           </a:p>
           <a:p>
             <a:r>
-              <a:rPr lang="en-US" altLang="ko-KR" dirty="0" smtClean="0"/>
+              <a:rPr lang="en-US" altLang="ko-KR" dirty="0"/>
               <a:t>Comparison</a:t>
             </a:r>
-            <a:endParaRPr lang="en-US" altLang="ko-KR" dirty="0"/>
           </a:p>
         </p:txBody>
       </p:sp>
@@ -16020,7 +15804,7 @@
           <p:cNvPr id="4" name="슬라이드 번호 개체 틀 3">
             <a:extLst>
               <a:ext uri="{FF2B5EF4-FFF2-40B4-BE49-F238E27FC236}">
-                <a16:creationId xmlns="" xmlns:a16="http://schemas.microsoft.com/office/drawing/2014/main" id="{64A15846-EBC2-41AE-9B58-48115F1DFEBD}"/>
+                <a16:creationId xmlns:a16="http://schemas.microsoft.com/office/drawing/2014/main" id="{64A15846-EBC2-41AE-9B58-48115F1DFEBD}"/>
               </a:ext>
             </a:extLst>
           </p:cNvPr>
@@ -16085,7 +15869,7 @@
           <p:cNvPr id="2" name="제목 1">
             <a:extLst>
               <a:ext uri="{FF2B5EF4-FFF2-40B4-BE49-F238E27FC236}">
-                <a16:creationId xmlns="" xmlns:a16="http://schemas.microsoft.com/office/drawing/2014/main" id="{C92353A8-037C-45D5-8A5B-BAB060CFFF87}"/>
+                <a16:creationId xmlns:a16="http://schemas.microsoft.com/office/drawing/2014/main" id="{C92353A8-037C-45D5-8A5B-BAB060CFFF87}"/>
               </a:ext>
             </a:extLst>
           </p:cNvPr>
@@ -16114,7 +15898,7 @@
           <p:cNvPr id="36" name="내용 개체 틀 2">
             <a:extLst>
               <a:ext uri="{FF2B5EF4-FFF2-40B4-BE49-F238E27FC236}">
-                <a16:creationId xmlns="" xmlns:a16="http://schemas.microsoft.com/office/drawing/2014/main" id="{C0337827-BDAB-4B1B-B9C1-1C3A7D633A58}"/>
+                <a16:creationId xmlns:a16="http://schemas.microsoft.com/office/drawing/2014/main" id="{C0337827-BDAB-4B1B-B9C1-1C3A7D633A58}"/>
               </a:ext>
             </a:extLst>
           </p:cNvPr>
@@ -16147,7 +15931,7 @@
           <p:cNvPr id="37" name="그림 36">
             <a:extLst>
               <a:ext uri="{FF2B5EF4-FFF2-40B4-BE49-F238E27FC236}">
-                <a16:creationId xmlns="" xmlns:a16="http://schemas.microsoft.com/office/drawing/2014/main" id="{BB62A2DE-2F8A-41A8-95EE-6293F2DC6953}"/>
+                <a16:creationId xmlns:a16="http://schemas.microsoft.com/office/drawing/2014/main" id="{BB62A2DE-2F8A-41A8-95EE-6293F2DC6953}"/>
               </a:ext>
             </a:extLst>
           </p:cNvPr>
@@ -16177,7 +15961,7 @@
           <p:cNvPr id="39" name="슬라이드 번호 개체 틀 3">
             <a:extLst>
               <a:ext uri="{FF2B5EF4-FFF2-40B4-BE49-F238E27FC236}">
-                <a16:creationId xmlns="" xmlns:a16="http://schemas.microsoft.com/office/drawing/2014/main" id="{24183317-8CD0-47FB-AF93-B95A4E2B402E}"/>
+                <a16:creationId xmlns:a16="http://schemas.microsoft.com/office/drawing/2014/main" id="{24183317-8CD0-47FB-AF93-B95A4E2B402E}"/>
               </a:ext>
             </a:extLst>
           </p:cNvPr>
@@ -16247,7 +16031,7 @@
           <p:cNvPr id="8" name="그림 7">
             <a:extLst>
               <a:ext uri="{FF2B5EF4-FFF2-40B4-BE49-F238E27FC236}">
-                <a16:creationId xmlns="" xmlns:a16="http://schemas.microsoft.com/office/drawing/2014/main" id="{42A3FE46-79F0-444C-A9A3-A92840C792B1}"/>
+                <a16:creationId xmlns:a16="http://schemas.microsoft.com/office/drawing/2014/main" id="{42A3FE46-79F0-444C-A9A3-A92840C792B1}"/>
               </a:ext>
             </a:extLst>
           </p:cNvPr>
@@ -16277,7 +16061,7 @@
           <p:cNvPr id="2" name="제목 1">
             <a:extLst>
               <a:ext uri="{FF2B5EF4-FFF2-40B4-BE49-F238E27FC236}">
-                <a16:creationId xmlns="" xmlns:a16="http://schemas.microsoft.com/office/drawing/2014/main" id="{C92353A8-037C-45D5-8A5B-BAB060CFFF87}"/>
+                <a16:creationId xmlns:a16="http://schemas.microsoft.com/office/drawing/2014/main" id="{C92353A8-037C-45D5-8A5B-BAB060CFFF87}"/>
               </a:ext>
             </a:extLst>
           </p:cNvPr>
@@ -16308,7 +16092,7 @@
               <p:cNvPr id="36" name="내용 개체 틀 2">
                 <a:extLst>
                   <a:ext uri="{FF2B5EF4-FFF2-40B4-BE49-F238E27FC236}">
-                    <a16:creationId xmlns="" xmlns:a16="http://schemas.microsoft.com/office/drawing/2014/main" id="{C0337827-BDAB-4B1B-B9C1-1C3A7D633A58}"/>
+                    <a16:creationId xmlns:a16="http://schemas.microsoft.com/office/drawing/2014/main" id="{C0337827-BDAB-4B1B-B9C1-1C3A7D633A58}"/>
                   </a:ext>
                 </a:extLst>
               </p:cNvPr>
@@ -16361,7 +16145,7 @@
                       <m:sSubPr>
                         <m:ctrlPr>
                           <a:rPr lang="en-US" altLang="ko-KR" i="1" smtClean="0">
-                            <a:latin typeface="Cambria Math"/>
+                            <a:latin typeface="Cambria Math" panose="02040503050406030204" pitchFamily="18" charset="0"/>
                           </a:rPr>
                         </m:ctrlPr>
                       </m:sSubPr>
@@ -16438,7 +16222,7 @@
           <p:cNvPr id="6" name="사각형: 둥근 모서리 5">
             <a:extLst>
               <a:ext uri="{FF2B5EF4-FFF2-40B4-BE49-F238E27FC236}">
-                <a16:creationId xmlns="" xmlns:a16="http://schemas.microsoft.com/office/drawing/2014/main" id="{A74B7DB5-536B-419A-B1C8-EB5AAC3BF919}"/>
+                <a16:creationId xmlns:a16="http://schemas.microsoft.com/office/drawing/2014/main" id="{A74B7DB5-536B-419A-B1C8-EB5AAC3BF919}"/>
               </a:ext>
             </a:extLst>
           </p:cNvPr>
@@ -16480,7 +16264,7 @@
           <p:cNvPr id="7" name="사각형: 둥근 모서리 6">
             <a:extLst>
               <a:ext uri="{FF2B5EF4-FFF2-40B4-BE49-F238E27FC236}">
-                <a16:creationId xmlns="" xmlns:a16="http://schemas.microsoft.com/office/drawing/2014/main" id="{920A24E0-8741-493E-88E2-3FFE11534249}"/>
+                <a16:creationId xmlns:a16="http://schemas.microsoft.com/office/drawing/2014/main" id="{920A24E0-8741-493E-88E2-3FFE11534249}"/>
               </a:ext>
             </a:extLst>
           </p:cNvPr>
@@ -16522,7 +16306,7 @@
           <p:cNvPr id="9" name="슬라이드 번호 개체 틀 3">
             <a:extLst>
               <a:ext uri="{FF2B5EF4-FFF2-40B4-BE49-F238E27FC236}">
-                <a16:creationId xmlns="" xmlns:a16="http://schemas.microsoft.com/office/drawing/2014/main" id="{FC9309A7-1280-4A26-A5CB-10971FB4F6FC}"/>
+                <a16:creationId xmlns:a16="http://schemas.microsoft.com/office/drawing/2014/main" id="{FC9309A7-1280-4A26-A5CB-10971FB4F6FC}"/>
               </a:ext>
             </a:extLst>
           </p:cNvPr>
@@ -16575,7 +16359,6 @@
           <a:ln>
             <a:noFill/>
           </a:ln>
-          <a:extLst/>
         </p:spPr>
         <p:txBody>
           <a:bodyPr wrap="none" rtlCol="0">
@@ -16619,7 +16402,6 @@
               <a:ln>
                 <a:noFill/>
               </a:ln>
-              <a:extLst/>
             </p:spPr>
             <p:txBody>
               <a:bodyPr wrap="none" rtlCol="0">
@@ -16641,7 +16423,7 @@
                               <a:solidFill>
                                 <a:srgbClr val="FF0000"/>
                               </a:solidFill>
-                              <a:latin typeface="Cambria Math"/>
+                              <a:latin typeface="Cambria Math" panose="02040503050406030204" pitchFamily="18" charset="0"/>
                             </a:rPr>
                           </m:ctrlPr>
                         </m:sSubPr>
@@ -16758,7 +16540,7 @@
           <p:cNvPr id="9" name="그림 8">
             <a:extLst>
               <a:ext uri="{FF2B5EF4-FFF2-40B4-BE49-F238E27FC236}">
-                <a16:creationId xmlns="" xmlns:a16="http://schemas.microsoft.com/office/drawing/2014/main" id="{4116FF06-2E68-4C63-89FA-03AB34AF5B85}"/>
+                <a16:creationId xmlns:a16="http://schemas.microsoft.com/office/drawing/2014/main" id="{4116FF06-2E68-4C63-89FA-03AB34AF5B85}"/>
               </a:ext>
             </a:extLst>
           </p:cNvPr>
@@ -16788,7 +16570,7 @@
           <p:cNvPr id="2" name="제목 1">
             <a:extLst>
               <a:ext uri="{FF2B5EF4-FFF2-40B4-BE49-F238E27FC236}">
-                <a16:creationId xmlns="" xmlns:a16="http://schemas.microsoft.com/office/drawing/2014/main" id="{C92353A8-037C-45D5-8A5B-BAB060CFFF87}"/>
+                <a16:creationId xmlns:a16="http://schemas.microsoft.com/office/drawing/2014/main" id="{C92353A8-037C-45D5-8A5B-BAB060CFFF87}"/>
               </a:ext>
             </a:extLst>
           </p:cNvPr>
@@ -16819,7 +16601,7 @@
               <p:cNvPr id="36" name="내용 개체 틀 2">
                 <a:extLst>
                   <a:ext uri="{FF2B5EF4-FFF2-40B4-BE49-F238E27FC236}">
-                    <a16:creationId xmlns="" xmlns:a16="http://schemas.microsoft.com/office/drawing/2014/main" id="{C0337827-BDAB-4B1B-B9C1-1C3A7D633A58}"/>
+                    <a16:creationId xmlns:a16="http://schemas.microsoft.com/office/drawing/2014/main" id="{C0337827-BDAB-4B1B-B9C1-1C3A7D633A58}"/>
                   </a:ext>
                 </a:extLst>
               </p:cNvPr>
@@ -16872,7 +16654,7 @@
                       <m:sSubPr>
                         <m:ctrlPr>
                           <a:rPr lang="en-US" altLang="ko-KR" i="1" smtClean="0">
-                            <a:latin typeface="Cambria Math"/>
+                            <a:latin typeface="Cambria Math" panose="02040503050406030204" pitchFamily="18" charset="0"/>
                           </a:rPr>
                         </m:ctrlPr>
                       </m:sSubPr>
@@ -16949,7 +16731,7 @@
           <p:cNvPr id="6" name="사각형: 둥근 모서리 5">
             <a:extLst>
               <a:ext uri="{FF2B5EF4-FFF2-40B4-BE49-F238E27FC236}">
-                <a16:creationId xmlns="" xmlns:a16="http://schemas.microsoft.com/office/drawing/2014/main" id="{A74B7DB5-536B-419A-B1C8-EB5AAC3BF919}"/>
+                <a16:creationId xmlns:a16="http://schemas.microsoft.com/office/drawing/2014/main" id="{A74B7DB5-536B-419A-B1C8-EB5AAC3BF919}"/>
               </a:ext>
             </a:extLst>
           </p:cNvPr>
@@ -16992,7 +16774,7 @@
           <p:cNvPr id="7" name="사각형: 둥근 모서리 6">
             <a:extLst>
               <a:ext uri="{FF2B5EF4-FFF2-40B4-BE49-F238E27FC236}">
-                <a16:creationId xmlns="" xmlns:a16="http://schemas.microsoft.com/office/drawing/2014/main" id="{920A24E0-8741-493E-88E2-3FFE11534249}"/>
+                <a16:creationId xmlns:a16="http://schemas.microsoft.com/office/drawing/2014/main" id="{920A24E0-8741-493E-88E2-3FFE11534249}"/>
               </a:ext>
             </a:extLst>
           </p:cNvPr>
@@ -17035,7 +16817,7 @@
           <p:cNvPr id="8" name="사각형: 둥근 모서리 7">
             <a:extLst>
               <a:ext uri="{FF2B5EF4-FFF2-40B4-BE49-F238E27FC236}">
-                <a16:creationId xmlns="" xmlns:a16="http://schemas.microsoft.com/office/drawing/2014/main" id="{4E8BB4F5-1F40-41F2-8E91-A2C83C8CECBA}"/>
+                <a16:creationId xmlns:a16="http://schemas.microsoft.com/office/drawing/2014/main" id="{4E8BB4F5-1F40-41F2-8E91-A2C83C8CECBA}"/>
               </a:ext>
             </a:extLst>
           </p:cNvPr>
@@ -17077,7 +16859,7 @@
           <p:cNvPr id="10" name="슬라이드 번호 개체 틀 3">
             <a:extLst>
               <a:ext uri="{FF2B5EF4-FFF2-40B4-BE49-F238E27FC236}">
-                <a16:creationId xmlns="" xmlns:a16="http://schemas.microsoft.com/office/drawing/2014/main" id="{42509B04-1DC7-4A95-9813-E91B6576E322}"/>
+                <a16:creationId xmlns:a16="http://schemas.microsoft.com/office/drawing/2014/main" id="{42509B04-1DC7-4A95-9813-E91B6576E322}"/>
               </a:ext>
             </a:extLst>
           </p:cNvPr>
@@ -17147,7 +16929,7 @@
           <p:cNvPr id="2" name="제목 1">
             <a:extLst>
               <a:ext uri="{FF2B5EF4-FFF2-40B4-BE49-F238E27FC236}">
-                <a16:creationId xmlns="" xmlns:a16="http://schemas.microsoft.com/office/drawing/2014/main" id="{12290F5D-A9B9-411C-920E-236D90D4CD79}"/>
+                <a16:creationId xmlns:a16="http://schemas.microsoft.com/office/drawing/2014/main" id="{12290F5D-A9B9-411C-920E-236D90D4CD79}"/>
               </a:ext>
             </a:extLst>
           </p:cNvPr>
@@ -17164,7 +16946,7 @@
           <a:lstStyle/>
           <a:p>
             <a:r>
-              <a:rPr lang="en-US" altLang="ko-KR" dirty="0" smtClean="0"/>
+              <a:rPr lang="en-US" altLang="ko-KR" dirty="0"/>
               <a:t>Adjustment</a:t>
             </a:r>
             <a:endParaRPr lang="ko-KR" altLang="en-US" dirty="0"/>
@@ -17178,7 +16960,7 @@
               <p:cNvPr id="3" name="내용 개체 틀 2">
                 <a:extLst>
                   <a:ext uri="{FF2B5EF4-FFF2-40B4-BE49-F238E27FC236}">
-                    <a16:creationId xmlns="" xmlns:a16="http://schemas.microsoft.com/office/drawing/2014/main" id="{C5903480-8DB3-466C-90D5-9D2E07EC1713}"/>
+                    <a16:creationId xmlns:a16="http://schemas.microsoft.com/office/drawing/2014/main" id="{C5903480-8DB3-466C-90D5-9D2E07EC1713}"/>
                   </a:ext>
                 </a:extLst>
               </p:cNvPr>
@@ -17195,11 +16977,11 @@
               <a:lstStyle/>
               <a:p>
                 <a:r>
-                  <a:rPr lang="en-US" altLang="ko-KR" i="1" dirty="0" smtClean="0"/>
+                  <a:rPr lang="en-US" altLang="ko-KR" i="1" dirty="0"/>
                   <a:t>λ</a:t>
                 </a:r>
                 <a:r>
-                  <a:rPr lang="en-US" altLang="ko-KR" dirty="0" smtClean="0"/>
+                  <a:rPr lang="en-US" altLang="ko-KR" dirty="0"/>
                   <a:t>: Bisection</a:t>
                 </a:r>
               </a:p>
@@ -17212,7 +16994,7 @@
                         <m:chr m:val="∑"/>
                         <m:ctrlPr>
                           <a:rPr lang="ko-KR" altLang="ko-KR" i="1">
-                            <a:latin typeface="Cambria Math"/>
+                            <a:latin typeface="Cambria Math" panose="02040503050406030204" pitchFamily="18" charset="0"/>
                           </a:rPr>
                         </m:ctrlPr>
                       </m:naryPr>
@@ -17237,7 +17019,7 @@
                             <m:endChr m:val="|"/>
                             <m:ctrlPr>
                               <a:rPr lang="ko-KR" altLang="ko-KR" i="1">
-                                <a:latin typeface="Cambria Math"/>
+                                <a:latin typeface="Cambria Math" panose="02040503050406030204" pitchFamily="18" charset="0"/>
                               </a:rPr>
                             </m:ctrlPr>
                           </m:dPr>
@@ -17256,7 +17038,7 @@
                           <m:sSubPr>
                             <m:ctrlPr>
                               <a:rPr lang="ko-KR" altLang="ko-KR" i="1">
-                                <a:latin typeface="Cambria Math"/>
+                                <a:latin typeface="Cambria Math" panose="02040503050406030204" pitchFamily="18" charset="0"/>
                               </a:rPr>
                             </m:ctrlPr>
                           </m:sSubPr>
@@ -17304,7 +17086,7 @@
                       <m:sSubPr>
                         <m:ctrlPr>
                           <a:rPr lang="en-US" altLang="ko-KR" i="1" kern="100">
-                            <a:latin typeface="Cambria Math"/>
+                            <a:latin typeface="Cambria Math" panose="02040503050406030204" pitchFamily="18" charset="0"/>
                           </a:rPr>
                         </m:ctrlPr>
                       </m:sSubPr>
@@ -17348,7 +17130,7 @@
                         <m:chr m:val="∑"/>
                         <m:ctrlPr>
                           <a:rPr lang="ko-KR" altLang="ko-KR" i="1">
-                            <a:latin typeface="Cambria Math"/>
+                            <a:latin typeface="Cambria Math" panose="02040503050406030204" pitchFamily="18" charset="0"/>
                           </a:rPr>
                         </m:ctrlPr>
                       </m:naryPr>
@@ -17373,7 +17155,7 @@
                             <m:endChr m:val="|"/>
                             <m:ctrlPr>
                               <a:rPr lang="ko-KR" altLang="ko-KR" i="1">
-                                <a:latin typeface="Cambria Math"/>
+                                <a:latin typeface="Cambria Math" panose="02040503050406030204" pitchFamily="18" charset="0"/>
                               </a:rPr>
                             </m:ctrlPr>
                           </m:dPr>
@@ -17392,7 +17174,7 @@
                           <m:sSubPr>
                             <m:ctrlPr>
                               <a:rPr lang="ko-KR" altLang="ko-KR" i="1">
-                                <a:latin typeface="Cambria Math"/>
+                                <a:latin typeface="Cambria Math" panose="02040503050406030204" pitchFamily="18" charset="0"/>
                               </a:rPr>
                             </m:ctrlPr>
                           </m:sSubPr>
@@ -17440,7 +17222,7 @@
                       <m:sSubPr>
                         <m:ctrlPr>
                           <a:rPr lang="en-US" altLang="ko-KR" i="1" kern="100">
-                            <a:latin typeface="Cambria Math"/>
+                            <a:latin typeface="Cambria Math" panose="02040503050406030204" pitchFamily="18" charset="0"/>
                           </a:rPr>
                         </m:ctrlPr>
                       </m:sSubPr>
@@ -17463,21 +17245,21 @@
                     </m:sSub>
                   </m:oMath>
                 </a14:m>
-                <a:endParaRPr lang="en-US" altLang="ko-KR" kern="100" dirty="0" smtClean="0">
+                <a:endParaRPr lang="en-US" altLang="ko-KR" kern="100" dirty="0">
                   <a:latin typeface="Cambria Math" panose="02040503050406030204" pitchFamily="18" charset="0"/>
                 </a:endParaRPr>
               </a:p>
               <a:p>
                 <a:pPr lvl="2"/>
                 <a:r>
-                  <a:rPr lang="en-US" altLang="ko-KR" dirty="0" smtClean="0"/>
-                  <a:t>Increase </a:t>
+                  <a:rPr lang="en-US" altLang="ko-KR" dirty="0"/>
+                  <a:t>Decrease </a:t>
                 </a:r>
                 <a:r>
                   <a:rPr lang="en-US" altLang="ko-KR" i="1" dirty="0"/>
                   <a:t>λ</a:t>
                 </a:r>
-                <a:endParaRPr lang="en-US" altLang="ko-KR" dirty="0" smtClean="0"/>
+                <a:endParaRPr lang="en-US" altLang="ko-KR" dirty="0"/>
               </a:p>
               <a:p>
                 <a:pPr lvl="1"/>
@@ -17488,7 +17270,7 @@
                         <m:chr m:val="∑"/>
                         <m:ctrlPr>
                           <a:rPr lang="ko-KR" altLang="ko-KR" i="1">
-                            <a:latin typeface="Cambria Math"/>
+                            <a:latin typeface="Cambria Math" panose="02040503050406030204" pitchFamily="18" charset="0"/>
                           </a:rPr>
                         </m:ctrlPr>
                       </m:naryPr>
@@ -17513,7 +17295,7 @@
                             <m:endChr m:val="|"/>
                             <m:ctrlPr>
                               <a:rPr lang="ko-KR" altLang="ko-KR" i="1">
-                                <a:latin typeface="Cambria Math"/>
+                                <a:latin typeface="Cambria Math" panose="02040503050406030204" pitchFamily="18" charset="0"/>
                               </a:rPr>
                             </m:ctrlPr>
                           </m:dPr>
@@ -17532,7 +17314,7 @@
                           <m:sSubPr>
                             <m:ctrlPr>
                               <a:rPr lang="ko-KR" altLang="ko-KR" i="1">
-                                <a:latin typeface="Cambria Math"/>
+                                <a:latin typeface="Cambria Math" panose="02040503050406030204" pitchFamily="18" charset="0"/>
                               </a:rPr>
                             </m:ctrlPr>
                           </m:sSubPr>
@@ -17580,7 +17362,7 @@
                       <m:sSubPr>
                         <m:ctrlPr>
                           <a:rPr lang="en-US" altLang="ko-KR" i="1" kern="100">
-                            <a:latin typeface="Cambria Math"/>
+                            <a:latin typeface="Cambria Math" panose="02040503050406030204" pitchFamily="18" charset="0"/>
                           </a:rPr>
                         </m:ctrlPr>
                       </m:sSubPr>
@@ -17628,7 +17410,7 @@
                         <m:chr m:val="∑"/>
                         <m:ctrlPr>
                           <a:rPr lang="ko-KR" altLang="ko-KR" i="1">
-                            <a:latin typeface="Cambria Math"/>
+                            <a:latin typeface="Cambria Math" panose="02040503050406030204" pitchFamily="18" charset="0"/>
                           </a:rPr>
                         </m:ctrlPr>
                       </m:naryPr>
@@ -17653,7 +17435,7 @@
                             <m:endChr m:val="|"/>
                             <m:ctrlPr>
                               <a:rPr lang="ko-KR" altLang="ko-KR" i="1">
-                                <a:latin typeface="Cambria Math"/>
+                                <a:latin typeface="Cambria Math" panose="02040503050406030204" pitchFamily="18" charset="0"/>
                               </a:rPr>
                             </m:ctrlPr>
                           </m:dPr>
@@ -17672,7 +17454,7 @@
                           <m:sSubPr>
                             <m:ctrlPr>
                               <a:rPr lang="ko-KR" altLang="ko-KR" i="1">
-                                <a:latin typeface="Cambria Math"/>
+                                <a:latin typeface="Cambria Math" panose="02040503050406030204" pitchFamily="18" charset="0"/>
                               </a:rPr>
                             </m:ctrlPr>
                           </m:sSubPr>
@@ -17720,7 +17502,7 @@
                       <m:sSubPr>
                         <m:ctrlPr>
                           <a:rPr lang="en-US" altLang="ko-KR" i="1" kern="100">
-                            <a:latin typeface="Cambria Math"/>
+                            <a:latin typeface="Cambria Math" panose="02040503050406030204" pitchFamily="18" charset="0"/>
                           </a:rPr>
                         </m:ctrlPr>
                       </m:sSubPr>
@@ -17744,21 +17526,21 @@
                   </m:oMath>
                 </a14:m>
                 <a:r>
-                  <a:rPr lang="en-US" altLang="ko-KR" i="1" dirty="0" smtClean="0"/>
+                  <a:rPr lang="en-US" altLang="ko-KR" i="1" dirty="0"/>
                   <a:t> </a:t>
                 </a:r>
               </a:p>
               <a:p>
                 <a:pPr lvl="2"/>
                 <a:r>
-                  <a:rPr lang="en-US" altLang="ko-KR" dirty="0" smtClean="0"/>
-                  <a:t>Decrease </a:t>
+                  <a:rPr lang="en-US" altLang="ko-KR"/>
+                  <a:t>Increase </a:t>
                 </a:r>
                 <a:r>
                   <a:rPr lang="en-US" altLang="ko-KR" i="1" dirty="0"/>
                   <a:t>λ</a:t>
                 </a:r>
-                <a:endParaRPr lang="en-US" altLang="ko-KR" dirty="0" smtClean="0"/>
+                <a:endParaRPr lang="en-US" altLang="ko-KR" dirty="0"/>
               </a:p>
               <a:p>
                 <a:pPr lvl="1"/>
@@ -17772,7 +17554,7 @@
                       <m:sSubPr>
                         <m:ctrlPr>
                           <a:rPr lang="en-US" altLang="ko-KR" i="1">
-                            <a:latin typeface="Cambria Math"/>
+                            <a:latin typeface="Cambria Math" panose="02040503050406030204" pitchFamily="18" charset="0"/>
                           </a:rPr>
                         </m:ctrlPr>
                       </m:sSubPr>
@@ -17796,7 +17578,7 @@
                   </m:oMath>
                 </a14:m>
                 <a:r>
-                  <a:rPr lang="en-US" altLang="ko-KR" dirty="0" smtClean="0"/>
+                  <a:rPr lang="en-US" altLang="ko-KR" dirty="0"/>
                   <a:t>: Water filling</a:t>
                 </a:r>
               </a:p>
@@ -17810,7 +17592,7 @@
                         <m:endChr m:val=""/>
                         <m:ctrlPr>
                           <a:rPr lang="en-US" altLang="ko-KR" i="1" smtClean="0">
-                            <a:latin typeface="Cambria Math"/>
+                            <a:latin typeface="Cambria Math" panose="02040503050406030204" pitchFamily="18" charset="0"/>
                           </a:rPr>
                         </m:ctrlPr>
                       </m:dPr>
@@ -17819,7 +17601,7 @@
                           <m:eqArrPr>
                             <m:ctrlPr>
                               <a:rPr lang="en-US" altLang="ko-KR" i="1" smtClean="0">
-                                <a:latin typeface="Cambria Math"/>
+                                <a:latin typeface="Cambria Math" panose="02040503050406030204" pitchFamily="18" charset="0"/>
                               </a:rPr>
                             </m:ctrlPr>
                           </m:eqArrPr>
@@ -17829,7 +17611,7 @@
                                 <m:chr m:val="∑"/>
                                 <m:ctrlPr>
                                   <a:rPr lang="ko-KR" altLang="ko-KR" i="1">
-                                    <a:latin typeface="Cambria Math"/>
+                                    <a:latin typeface="Cambria Math" panose="02040503050406030204" pitchFamily="18" charset="0"/>
                                   </a:rPr>
                                 </m:ctrlPr>
                               </m:naryPr>
@@ -17854,7 +17636,7 @@
                                     <m:endChr m:val="|"/>
                                     <m:ctrlPr>
                                       <a:rPr lang="ko-KR" altLang="ko-KR" i="1">
-                                        <a:latin typeface="Cambria Math"/>
+                                        <a:latin typeface="Cambria Math" panose="02040503050406030204" pitchFamily="18" charset="0"/>
                                       </a:rPr>
                                     </m:ctrlPr>
                                   </m:dPr>
@@ -17873,7 +17655,7 @@
                                   <m:sSubPr>
                                     <m:ctrlPr>
                                       <a:rPr lang="ko-KR" altLang="ko-KR" i="1">
-                                        <a:latin typeface="Cambria Math"/>
+                                        <a:latin typeface="Cambria Math" panose="02040503050406030204" pitchFamily="18" charset="0"/>
                                       </a:rPr>
                                     </m:ctrlPr>
                                   </m:sSubPr>
@@ -17921,7 +17703,7 @@
                               <m:sSubPr>
                                 <m:ctrlPr>
                                   <a:rPr lang="en-US" altLang="ko-KR" i="1" kern="100">
-                                    <a:latin typeface="Cambria Math"/>
+                                    <a:latin typeface="Cambria Math" panose="02040503050406030204" pitchFamily="18" charset="0"/>
                                   </a:rPr>
                                 </m:ctrlPr>
                               </m:sSubPr>
@@ -17965,7 +17747,7 @@
                                 <m:chr m:val="∑"/>
                                 <m:ctrlPr>
                                   <a:rPr lang="ko-KR" altLang="ko-KR" i="1">
-                                    <a:latin typeface="Cambria Math"/>
+                                    <a:latin typeface="Cambria Math" panose="02040503050406030204" pitchFamily="18" charset="0"/>
                                   </a:rPr>
                                 </m:ctrlPr>
                               </m:naryPr>
@@ -17990,7 +17772,7 @@
                                     <m:endChr m:val="|"/>
                                     <m:ctrlPr>
                                       <a:rPr lang="ko-KR" altLang="ko-KR" i="1">
-                                        <a:latin typeface="Cambria Math"/>
+                                        <a:latin typeface="Cambria Math" panose="02040503050406030204" pitchFamily="18" charset="0"/>
                                       </a:rPr>
                                     </m:ctrlPr>
                                   </m:dPr>
@@ -18009,7 +17791,7 @@
                                   <m:sSubPr>
                                     <m:ctrlPr>
                                       <a:rPr lang="ko-KR" altLang="ko-KR" i="1">
-                                        <a:latin typeface="Cambria Math"/>
+                                        <a:latin typeface="Cambria Math" panose="02040503050406030204" pitchFamily="18" charset="0"/>
                                       </a:rPr>
                                     </m:ctrlPr>
                                   </m:sSubPr>
@@ -18057,7 +17839,7 @@
                               <m:sSubPr>
                                 <m:ctrlPr>
                                   <a:rPr lang="en-US" altLang="ko-KR" i="1" kern="100">
-                                    <a:latin typeface="Cambria Math"/>
+                                    <a:latin typeface="Cambria Math" panose="02040503050406030204" pitchFamily="18" charset="0"/>
                                   </a:rPr>
                                 </m:ctrlPr>
                               </m:sSubPr>
@@ -18085,7 +17867,7 @@
                                 <m:chr m:val="∑"/>
                                 <m:ctrlPr>
                                   <a:rPr lang="ko-KR" altLang="ko-KR" i="1">
-                                    <a:latin typeface="Cambria Math"/>
+                                    <a:latin typeface="Cambria Math" panose="02040503050406030204" pitchFamily="18" charset="0"/>
                                   </a:rPr>
                                 </m:ctrlPr>
                               </m:naryPr>
@@ -18110,7 +17892,7 @@
                                     <m:endChr m:val="|"/>
                                     <m:ctrlPr>
                                       <a:rPr lang="ko-KR" altLang="ko-KR" i="1">
-                                        <a:latin typeface="Cambria Math"/>
+                                        <a:latin typeface="Cambria Math" panose="02040503050406030204" pitchFamily="18" charset="0"/>
                                       </a:rPr>
                                     </m:ctrlPr>
                                   </m:dPr>
@@ -18129,7 +17911,7 @@
                                   <m:sSubPr>
                                     <m:ctrlPr>
                                       <a:rPr lang="ko-KR" altLang="ko-KR" i="1">
-                                        <a:latin typeface="Cambria Math"/>
+                                        <a:latin typeface="Cambria Math" panose="02040503050406030204" pitchFamily="18" charset="0"/>
                                       </a:rPr>
                                     </m:ctrlPr>
                                   </m:sSubPr>
@@ -18177,7 +17959,7 @@
                               <m:sSubPr>
                                 <m:ctrlPr>
                                   <a:rPr lang="en-US" altLang="ko-KR" i="1" kern="100">
-                                    <a:latin typeface="Cambria Math"/>
+                                    <a:latin typeface="Cambria Math" panose="02040503050406030204" pitchFamily="18" charset="0"/>
                                   </a:rPr>
                                 </m:ctrlPr>
                               </m:sSubPr>
@@ -18224,7 +18006,7 @@
                                 <m:chr m:val="∑"/>
                                 <m:ctrlPr>
                                   <a:rPr lang="ko-KR" altLang="ko-KR" i="1">
-                                    <a:latin typeface="Cambria Math"/>
+                                    <a:latin typeface="Cambria Math" panose="02040503050406030204" pitchFamily="18" charset="0"/>
                                   </a:rPr>
                                 </m:ctrlPr>
                               </m:naryPr>
@@ -18249,7 +18031,7 @@
                                     <m:endChr m:val="|"/>
                                     <m:ctrlPr>
                                       <a:rPr lang="ko-KR" altLang="ko-KR" i="1">
-                                        <a:latin typeface="Cambria Math"/>
+                                        <a:latin typeface="Cambria Math" panose="02040503050406030204" pitchFamily="18" charset="0"/>
                                       </a:rPr>
                                     </m:ctrlPr>
                                   </m:dPr>
@@ -18268,7 +18050,7 @@
                                   <m:sSubPr>
                                     <m:ctrlPr>
                                       <a:rPr lang="ko-KR" altLang="ko-KR" i="1">
-                                        <a:latin typeface="Cambria Math"/>
+                                        <a:latin typeface="Cambria Math" panose="02040503050406030204" pitchFamily="18" charset="0"/>
                                       </a:rPr>
                                     </m:ctrlPr>
                                   </m:sSubPr>
@@ -18316,7 +18098,7 @@
                               <m:sSubPr>
                                 <m:ctrlPr>
                                   <a:rPr lang="en-US" altLang="ko-KR" i="1" kern="100">
-                                    <a:latin typeface="Cambria Math"/>
+                                    <a:latin typeface="Cambria Math" panose="02040503050406030204" pitchFamily="18" charset="0"/>
                                   </a:rPr>
                                 </m:ctrlPr>
                               </m:sSubPr>
@@ -18350,7 +18132,7 @@
               <a:p>
                 <a:pPr lvl="2"/>
                 <a:r>
-                  <a:rPr lang="en-US" altLang="ko-KR" dirty="0" smtClean="0"/>
+                  <a:rPr lang="en-US" altLang="ko-KR" dirty="0"/>
                   <a:t>Make </a:t>
                 </a:r>
                 <a14:m>
@@ -18360,7 +18142,7 @@
                         <m:chr m:val="∑"/>
                         <m:ctrlPr>
                           <a:rPr lang="ko-KR" altLang="ko-KR" i="1">
-                            <a:latin typeface="Cambria Math"/>
+                            <a:latin typeface="Cambria Math" panose="02040503050406030204" pitchFamily="18" charset="0"/>
                           </a:rPr>
                         </m:ctrlPr>
                       </m:naryPr>
@@ -18385,7 +18167,7 @@
                             <m:endChr m:val="|"/>
                             <m:ctrlPr>
                               <a:rPr lang="ko-KR" altLang="ko-KR" i="1">
-                                <a:latin typeface="Cambria Math"/>
+                                <a:latin typeface="Cambria Math" panose="02040503050406030204" pitchFamily="18" charset="0"/>
                               </a:rPr>
                             </m:ctrlPr>
                           </m:dPr>
@@ -18404,7 +18186,7 @@
                           <m:sSubPr>
                             <m:ctrlPr>
                               <a:rPr lang="ko-KR" altLang="ko-KR" i="1">
-                                <a:latin typeface="Cambria Math"/>
+                                <a:latin typeface="Cambria Math" panose="02040503050406030204" pitchFamily="18" charset="0"/>
                               </a:rPr>
                             </m:ctrlPr>
                           </m:sSubPr>
@@ -18454,7 +18236,7 @@
                         <m:chr m:val="∑"/>
                         <m:ctrlPr>
                           <a:rPr lang="ko-KR" altLang="ko-KR" i="1">
-                            <a:latin typeface="Cambria Math"/>
+                            <a:latin typeface="Cambria Math" panose="02040503050406030204" pitchFamily="18" charset="0"/>
                           </a:rPr>
                         </m:ctrlPr>
                       </m:naryPr>
@@ -18479,7 +18261,7 @@
                             <m:endChr m:val="|"/>
                             <m:ctrlPr>
                               <a:rPr lang="ko-KR" altLang="ko-KR" i="1">
-                                <a:latin typeface="Cambria Math"/>
+                                <a:latin typeface="Cambria Math" panose="02040503050406030204" pitchFamily="18" charset="0"/>
                               </a:rPr>
                             </m:ctrlPr>
                           </m:dPr>
@@ -18498,7 +18280,7 @@
                           <m:sSubPr>
                             <m:ctrlPr>
                               <a:rPr lang="ko-KR" altLang="ko-KR" i="1">
-                                <a:latin typeface="Cambria Math"/>
+                                <a:latin typeface="Cambria Math" panose="02040503050406030204" pitchFamily="18" charset="0"/>
                               </a:rPr>
                             </m:ctrlPr>
                           </m:sSubPr>
@@ -18539,13 +18321,13 @@
                   </m:oMath>
                 </a14:m>
                 <a:r>
-                  <a:rPr lang="en-US" altLang="ko-KR" dirty="0" smtClean="0"/>
+                  <a:rPr lang="en-US" altLang="ko-KR" dirty="0"/>
                   <a:t> using water filling method</a:t>
                 </a:r>
               </a:p>
               <a:p>
                 <a:pPr lvl="1"/>
-                <a:endParaRPr lang="en-US" altLang="ko-KR" dirty="0" smtClean="0"/>
+                <a:endParaRPr lang="en-US" altLang="ko-KR" dirty="0"/>
               </a:p>
             </p:txBody>
           </p:sp>
@@ -18556,7 +18338,7 @@
               <p:cNvPr id="3" name="내용 개체 틀 2">
                 <a:extLst>
                   <a:ext uri="{FF2B5EF4-FFF2-40B4-BE49-F238E27FC236}">
-                    <a16:creationId xmlns="" xmlns:a16="http://schemas.microsoft.com/office/drawing/2014/main" xmlns:a14="http://schemas.microsoft.com/office/drawing/2010/main" id="{C5903480-8DB3-466C-90D5-9D2E07EC1713}"/>
+                    <a16:creationId xmlns:a16="http://schemas.microsoft.com/office/drawing/2014/main" id="{C5903480-8DB3-466C-90D5-9D2E07EC1713}"/>
                   </a:ext>
                 </a:extLst>
               </p:cNvPr>
@@ -18568,7 +18350,7 @@
               </p:nvPr>
             </p:nvSpPr>
             <p:spPr>
-              <a:blipFill rotWithShape="1">
+              <a:blipFill>
                 <a:blip r:embed="rId2"/>
                 <a:stretch>
                   <a:fillRect l="-593" t="-941"/>
@@ -18595,7 +18377,7 @@
           <p:cNvPr id="4" name="슬라이드 번호 개체 틀 3">
             <a:extLst>
               <a:ext uri="{FF2B5EF4-FFF2-40B4-BE49-F238E27FC236}">
-                <a16:creationId xmlns="" xmlns:a16="http://schemas.microsoft.com/office/drawing/2014/main" id="{64A15846-EBC2-41AE-9B58-48115F1DFEBD}"/>
+                <a16:creationId xmlns:a16="http://schemas.microsoft.com/office/drawing/2014/main" id="{64A15846-EBC2-41AE-9B58-48115F1DFEBD}"/>
               </a:ext>
             </a:extLst>
           </p:cNvPr>
@@ -18660,7 +18442,7 @@
           <p:cNvPr id="2" name="제목 1">
             <a:extLst>
               <a:ext uri="{FF2B5EF4-FFF2-40B4-BE49-F238E27FC236}">
-                <a16:creationId xmlns="" xmlns:a16="http://schemas.microsoft.com/office/drawing/2014/main" id="{897314C7-92BD-4C45-AAF1-8BF19AA2FBB7}"/>
+                <a16:creationId xmlns:a16="http://schemas.microsoft.com/office/drawing/2014/main" id="{897314C7-92BD-4C45-AAF1-8BF19AA2FBB7}"/>
               </a:ext>
             </a:extLst>
           </p:cNvPr>
@@ -18684,14 +18466,14 @@
           </a:p>
         </p:txBody>
       </p:sp>
-      <mc:AlternateContent xmlns:mc="http://schemas.openxmlformats.org/markup-compatibility/2006">
-        <mc:Choice xmlns:a14="http://schemas.microsoft.com/office/drawing/2010/main" Requires="a14">
+      <mc:AlternateContent xmlns:mc="http://schemas.openxmlformats.org/markup-compatibility/2006" xmlns:a14="http://schemas.microsoft.com/office/drawing/2010/main">
+        <mc:Choice Requires="a14">
           <p:sp>
             <p:nvSpPr>
               <p:cNvPr id="3" name="내용 개체 틀 2">
                 <a:extLst>
                   <a:ext uri="{FF2B5EF4-FFF2-40B4-BE49-F238E27FC236}">
-                    <a16:creationId xmlns="" xmlns:a16="http://schemas.microsoft.com/office/drawing/2014/main" id="{DE8BFF22-D990-4F51-B947-CAF4A8D16C78}"/>
+                    <a16:creationId xmlns:a16="http://schemas.microsoft.com/office/drawing/2014/main" id="{DE8BFF22-D990-4F51-B947-CAF4A8D16C78}"/>
                   </a:ext>
                 </a:extLst>
               </p:cNvPr>
@@ -18731,7 +18513,7 @@
                       <m:sSupPr>
                         <m:ctrlPr>
                           <a:rPr lang="en-US" altLang="ko-KR" sz="1600" b="0" i="1" smtClean="0">
-                            <a:latin typeface="Cambria Math"/>
+                            <a:latin typeface="Cambria Math" panose="02040503050406030204" pitchFamily="18" charset="0"/>
                           </a:rPr>
                         </m:ctrlPr>
                       </m:sSupPr>
@@ -18793,42 +18575,28 @@
                 <a:pPr lvl="1"/>
                 <a:r>
                   <a:rPr lang="en-US" altLang="ko-KR" sz="1200" dirty="0"/>
-                  <a:t>Tears of steel:		</a:t>
-                </a:r>
-                <a:r>
-                  <a:rPr lang="en-US" altLang="ko-KR" sz="1200" dirty="0" smtClean="0"/>
-                  <a:t>UE3, UE5</a:t>
-                </a:r>
-                <a:endParaRPr lang="en-US" altLang="ko-KR" sz="1200" dirty="0"/>
+                  <a:t>Tears of steel:		UE3, UE5</a:t>
+                </a:r>
               </a:p>
               <a:p>
                 <a:pPr lvl="1"/>
                 <a:r>
                   <a:rPr lang="en-US" altLang="ko-KR" sz="1200" dirty="0"/>
-                  <a:t>Big buck bunny:		</a:t>
-                </a:r>
-                <a:r>
-                  <a:rPr lang="en-US" altLang="ko-KR" sz="1200" dirty="0" smtClean="0"/>
-                  <a:t>UE2, UE4</a:t>
-                </a:r>
-                <a:endParaRPr lang="en-US" altLang="ko-KR" sz="1200" dirty="0"/>
+                  <a:t>Big buck bunny:		UE2, UE4</a:t>
+                </a:r>
               </a:p>
               <a:p>
                 <a:pPr lvl="1"/>
                 <a:r>
                   <a:rPr lang="en-US" altLang="ko-KR" sz="1200" dirty="0"/>
-                  <a:t>Elephants dream:	</a:t>
-                </a:r>
-                <a:r>
-                  <a:rPr lang="en-US" altLang="ko-KR" sz="1200" dirty="0" smtClean="0"/>
-                  <a:t>UE1</a:t>
+                  <a:t>Elephants dream:	UE1</a:t>
                 </a:r>
                 <a:endParaRPr lang="ko-KR" altLang="en-US" sz="1200" dirty="0"/>
               </a:p>
             </p:txBody>
           </p:sp>
         </mc:Choice>
-        <mc:Fallback>
+        <mc:Fallback xmlns="">
           <p:sp>
             <p:nvSpPr>
               <p:cNvPr id="3" name="내용 개체 틀 2">
@@ -18873,7 +18641,7 @@
           <p:cNvPr id="4" name="슬라이드 번호 개체 틀 3">
             <a:extLst>
               <a:ext uri="{FF2B5EF4-FFF2-40B4-BE49-F238E27FC236}">
-                <a16:creationId xmlns="" xmlns:a16="http://schemas.microsoft.com/office/drawing/2014/main" id="{872CADD1-39CF-403F-8F0D-3931DFC4B02A}"/>
+                <a16:creationId xmlns:a16="http://schemas.microsoft.com/office/drawing/2014/main" id="{872CADD1-39CF-403F-8F0D-3931DFC4B02A}"/>
               </a:ext>
             </a:extLst>
           </p:cNvPr>
@@ -18908,7 +18676,7 @@
           <p:cNvPr id="5" name="그림 4">
             <a:extLst>
               <a:ext uri="{FF2B5EF4-FFF2-40B4-BE49-F238E27FC236}">
-                <a16:creationId xmlns="" xmlns:a16="http://schemas.microsoft.com/office/drawing/2014/main" id="{7A94A089-C17F-4C8D-B42D-C2F1C38A8DF6}"/>
+                <a16:creationId xmlns:a16="http://schemas.microsoft.com/office/drawing/2014/main" id="{7A94A089-C17F-4C8D-B42D-C2F1C38A8DF6}"/>
               </a:ext>
             </a:extLst>
           </p:cNvPr>
@@ -18938,7 +18706,7 @@
           <p:cNvPr id="6" name="TextBox 5">
             <a:extLst>
               <a:ext uri="{FF2B5EF4-FFF2-40B4-BE49-F238E27FC236}">
-                <a16:creationId xmlns="" xmlns:a16="http://schemas.microsoft.com/office/drawing/2014/main" id="{03975C27-C0BA-416E-906F-F3CA83CDBEFD}"/>
+                <a16:creationId xmlns:a16="http://schemas.microsoft.com/office/drawing/2014/main" id="{03975C27-C0BA-416E-906F-F3CA83CDBEFD}"/>
               </a:ext>
             </a:extLst>
           </p:cNvPr>
@@ -18970,15 +18738,7 @@
                   <a:srgbClr val="FF0000"/>
                 </a:solidFill>
               </a:rPr>
-              <a:t>-</a:t>
-            </a:r>
-            <a:r>
-              <a:rPr lang="en-US" altLang="ko-KR" sz="1400" dirty="0" smtClean="0">
-                <a:solidFill>
-                  <a:srgbClr val="FF0000"/>
-                </a:solidFill>
-              </a:rPr>
-              <a:t>71dB</a:t>
+              <a:t>-71dB</a:t>
             </a:r>
             <a:endParaRPr lang="ko-KR" altLang="en-US" sz="1400" dirty="0">
               <a:solidFill>
@@ -18993,7 +18753,7 @@
           <p:cNvPr id="7" name="TextBox 6">
             <a:extLst>
               <a:ext uri="{FF2B5EF4-FFF2-40B4-BE49-F238E27FC236}">
-                <a16:creationId xmlns="" xmlns:a16="http://schemas.microsoft.com/office/drawing/2014/main" id="{A4A8CEC5-7348-45DE-8BBB-814DFF399551}"/>
+                <a16:creationId xmlns:a16="http://schemas.microsoft.com/office/drawing/2014/main" id="{A4A8CEC5-7348-45DE-8BBB-814DFF399551}"/>
               </a:ext>
             </a:extLst>
           </p:cNvPr>
@@ -19025,15 +18785,7 @@
                   <a:srgbClr val="FF0000"/>
                 </a:solidFill>
               </a:rPr>
-              <a:t>-</a:t>
-            </a:r>
-            <a:r>
-              <a:rPr lang="en-US" altLang="ko-KR" sz="1400" dirty="0" smtClean="0">
-                <a:solidFill>
-                  <a:srgbClr val="FF0000"/>
-                </a:solidFill>
-              </a:rPr>
-              <a:t>69dB</a:t>
+              <a:t>-69dB</a:t>
             </a:r>
             <a:endParaRPr lang="ko-KR" altLang="en-US" sz="1400" dirty="0">
               <a:solidFill>
@@ -19048,7 +18800,7 @@
           <p:cNvPr id="8" name="TextBox 7">
             <a:extLst>
               <a:ext uri="{FF2B5EF4-FFF2-40B4-BE49-F238E27FC236}">
-                <a16:creationId xmlns="" xmlns:a16="http://schemas.microsoft.com/office/drawing/2014/main" id="{B68B1D62-A93B-4D17-A87B-55B62A0C4882}"/>
+                <a16:creationId xmlns:a16="http://schemas.microsoft.com/office/drawing/2014/main" id="{B68B1D62-A93B-4D17-A87B-55B62A0C4882}"/>
               </a:ext>
             </a:extLst>
           </p:cNvPr>
@@ -19075,7 +18827,7 @@
           <a:lstStyle/>
           <a:p>
             <a:r>
-              <a:rPr lang="en-US" altLang="ko-KR" sz="1400" dirty="0" smtClean="0">
+              <a:rPr lang="en-US" altLang="ko-KR" sz="1400" dirty="0">
                 <a:solidFill>
                   <a:srgbClr val="FF0000"/>
                 </a:solidFill>
@@ -19095,7 +18847,7 @@
           <p:cNvPr id="9" name="TextBox 8">
             <a:extLst>
               <a:ext uri="{FF2B5EF4-FFF2-40B4-BE49-F238E27FC236}">
-                <a16:creationId xmlns="" xmlns:a16="http://schemas.microsoft.com/office/drawing/2014/main" id="{9B5471B0-78DA-448C-A778-D8E042E0CC71}"/>
+                <a16:creationId xmlns:a16="http://schemas.microsoft.com/office/drawing/2014/main" id="{9B5471B0-78DA-448C-A778-D8E042E0CC71}"/>
               </a:ext>
             </a:extLst>
           </p:cNvPr>
@@ -19127,15 +18879,7 @@
                   <a:srgbClr val="FF0000"/>
                 </a:solidFill>
               </a:rPr>
-              <a:t>-</a:t>
-            </a:r>
-            <a:r>
-              <a:rPr lang="en-US" altLang="ko-KR" sz="1400" dirty="0" smtClean="0">
-                <a:solidFill>
-                  <a:srgbClr val="FF0000"/>
-                </a:solidFill>
-              </a:rPr>
-              <a:t>64dB</a:t>
+              <a:t>-64dB</a:t>
             </a:r>
             <a:endParaRPr lang="ko-KR" altLang="en-US" sz="1400" dirty="0">
               <a:solidFill>
@@ -19150,7 +18894,7 @@
           <p:cNvPr id="10" name="TextBox 9">
             <a:extLst>
               <a:ext uri="{FF2B5EF4-FFF2-40B4-BE49-F238E27FC236}">
-                <a16:creationId xmlns="" xmlns:a16="http://schemas.microsoft.com/office/drawing/2014/main" id="{A66A454C-569C-4667-9827-26E2108F56E2}"/>
+                <a16:creationId xmlns:a16="http://schemas.microsoft.com/office/drawing/2014/main" id="{A66A454C-569C-4667-9827-26E2108F56E2}"/>
               </a:ext>
             </a:extLst>
           </p:cNvPr>
@@ -19177,7 +18921,7 @@
           <a:lstStyle/>
           <a:p>
             <a:r>
-              <a:rPr lang="en-US" altLang="ko-KR" sz="1400" dirty="0" smtClean="0">
+              <a:rPr lang="en-US" altLang="ko-KR" sz="1400" dirty="0">
                 <a:solidFill>
                   <a:srgbClr val="FF0000"/>
                 </a:solidFill>
@@ -19197,7 +18941,7 @@
           <p:cNvPr id="11" name="TextBox 10">
             <a:extLst>
               <a:ext uri="{FF2B5EF4-FFF2-40B4-BE49-F238E27FC236}">
-                <a16:creationId xmlns="" xmlns:a16="http://schemas.microsoft.com/office/drawing/2014/main" id="{5A40C666-415E-477D-8431-A706724AA571}"/>
+                <a16:creationId xmlns:a16="http://schemas.microsoft.com/office/drawing/2014/main" id="{5A40C666-415E-477D-8431-A706724AA571}"/>
               </a:ext>
             </a:extLst>
           </p:cNvPr>
@@ -19224,7 +18968,7 @@
           <a:lstStyle/>
           <a:p>
             <a:r>
-              <a:rPr lang="en-US" altLang="ko-KR" sz="1400" dirty="0" smtClean="0">
+              <a:rPr lang="en-US" altLang="ko-KR" sz="1400" dirty="0">
                 <a:solidFill>
                   <a:srgbClr val="FF0000"/>
                 </a:solidFill>
@@ -19244,7 +18988,7 @@
           <p:cNvPr id="12" name="TextBox 11">
             <a:extLst>
               <a:ext uri="{FF2B5EF4-FFF2-40B4-BE49-F238E27FC236}">
-                <a16:creationId xmlns="" xmlns:a16="http://schemas.microsoft.com/office/drawing/2014/main" id="{A455C8F1-401D-46DF-92A6-F1C5436EB962}"/>
+                <a16:creationId xmlns:a16="http://schemas.microsoft.com/office/drawing/2014/main" id="{A455C8F1-401D-46DF-92A6-F1C5436EB962}"/>
               </a:ext>
             </a:extLst>
           </p:cNvPr>
@@ -19276,15 +19020,7 @@
                   <a:srgbClr val="FF0000"/>
                 </a:solidFill>
               </a:rPr>
-              <a:t>-</a:t>
-            </a:r>
-            <a:r>
-              <a:rPr lang="en-US" altLang="ko-KR" sz="1400" dirty="0" smtClean="0">
-                <a:solidFill>
-                  <a:srgbClr val="FF0000"/>
-                </a:solidFill>
-              </a:rPr>
-              <a:t>76dB</a:t>
+              <a:t>-76dB</a:t>
             </a:r>
             <a:endParaRPr lang="ko-KR" altLang="en-US" sz="1400" dirty="0">
               <a:solidFill>
@@ -19299,7 +19035,7 @@
           <p:cNvPr id="13" name="TextBox 12">
             <a:extLst>
               <a:ext uri="{FF2B5EF4-FFF2-40B4-BE49-F238E27FC236}">
-                <a16:creationId xmlns="" xmlns:a16="http://schemas.microsoft.com/office/drawing/2014/main" id="{09FA3E77-CE10-4BC1-8D86-8B9E033CB9A4}"/>
+                <a16:creationId xmlns:a16="http://schemas.microsoft.com/office/drawing/2014/main" id="{09FA3E77-CE10-4BC1-8D86-8B9E033CB9A4}"/>
               </a:ext>
             </a:extLst>
           </p:cNvPr>
@@ -19331,15 +19067,7 @@
                   <a:srgbClr val="FF0000"/>
                 </a:solidFill>
               </a:rPr>
-              <a:t>-</a:t>
-            </a:r>
-            <a:r>
-              <a:rPr lang="en-US" altLang="ko-KR" sz="1400" dirty="0" smtClean="0">
-                <a:solidFill>
-                  <a:srgbClr val="FF0000"/>
-                </a:solidFill>
-              </a:rPr>
-              <a:t>70dB</a:t>
+              <a:t>-70dB</a:t>
             </a:r>
             <a:endParaRPr lang="ko-KR" altLang="en-US" sz="1400" dirty="0">
               <a:solidFill>
@@ -19354,7 +19082,7 @@
           <p:cNvPr id="14" name="TextBox 13">
             <a:extLst>
               <a:ext uri="{FF2B5EF4-FFF2-40B4-BE49-F238E27FC236}">
-                <a16:creationId xmlns="" xmlns:a16="http://schemas.microsoft.com/office/drawing/2014/main" id="{B83DFD3A-7292-421B-8727-609E354AB8B4}"/>
+                <a16:creationId xmlns:a16="http://schemas.microsoft.com/office/drawing/2014/main" id="{B83DFD3A-7292-421B-8727-609E354AB8B4}"/>
               </a:ext>
             </a:extLst>
           </p:cNvPr>
@@ -19381,7 +19109,7 @@
           <a:lstStyle/>
           <a:p>
             <a:r>
-              <a:rPr lang="en-US" altLang="ko-KR" sz="1400" dirty="0" smtClean="0">
+              <a:rPr lang="en-US" altLang="ko-KR" sz="1400" dirty="0">
                 <a:solidFill>
                   <a:srgbClr val="FF0000"/>
                 </a:solidFill>
@@ -19401,7 +19129,7 @@
           <p:cNvPr id="15" name="TextBox 14">
             <a:extLst>
               <a:ext uri="{FF2B5EF4-FFF2-40B4-BE49-F238E27FC236}">
-                <a16:creationId xmlns="" xmlns:a16="http://schemas.microsoft.com/office/drawing/2014/main" id="{9E49930A-521C-4B8E-A165-62750D5234B2}"/>
+                <a16:creationId xmlns:a16="http://schemas.microsoft.com/office/drawing/2014/main" id="{9E49930A-521C-4B8E-A165-62750D5234B2}"/>
               </a:ext>
             </a:extLst>
           </p:cNvPr>
@@ -19433,15 +19161,7 @@
                   <a:srgbClr val="FF0000"/>
                 </a:solidFill>
               </a:rPr>
-              <a:t>-</a:t>
-            </a:r>
-            <a:r>
-              <a:rPr lang="en-US" altLang="ko-KR" sz="1400" dirty="0" smtClean="0">
-                <a:solidFill>
-                  <a:srgbClr val="FF0000"/>
-                </a:solidFill>
-              </a:rPr>
-              <a:t>67dB</a:t>
+              <a:t>-67dB</a:t>
             </a:r>
             <a:endParaRPr lang="ko-KR" altLang="en-US" sz="1400" dirty="0">
               <a:solidFill>
@@ -19486,7 +19206,7 @@
           <p:cNvPr id="3" name="내용 개체 틀 2">
             <a:extLst>
               <a:ext uri="{FF2B5EF4-FFF2-40B4-BE49-F238E27FC236}">
-                <a16:creationId xmlns="" xmlns:a16="http://schemas.microsoft.com/office/drawing/2014/main" id="{DE8BFF22-D990-4F51-B947-CAF4A8D16C78}"/>
+                <a16:creationId xmlns:a16="http://schemas.microsoft.com/office/drawing/2014/main" id="{DE8BFF22-D990-4F51-B947-CAF4A8D16C78}"/>
               </a:ext>
             </a:extLst>
           </p:cNvPr>
@@ -19541,78 +19261,28 @@
           <a:p>
             <a:r>
               <a:rPr lang="en-US" altLang="ko-KR" sz="2000" dirty="0"/>
-              <a:t>Single:	</a:t>
+              <a:t>Single:	39.49</a:t>
             </a:r>
-            <a:r>
-              <a:rPr lang="en-US" altLang="ko-KR" sz="2000" dirty="0" smtClean="0"/>
-              <a:t>39.49</a:t>
-            </a:r>
-            <a:endParaRPr lang="en-US" altLang="ko-KR" sz="2000" dirty="0"/>
           </a:p>
           <a:p>
             <a:pPr lvl="1"/>
             <a:r>
               <a:rPr lang="en-US" altLang="ko-KR" sz="1600" dirty="0"/>
-              <a:t>AP1:	</a:t>
-            </a:r>
-            <a:r>
-              <a:rPr lang="en-US" altLang="ko-KR" sz="1600" dirty="0" smtClean="0"/>
-              <a:t>UE2 </a:t>
-            </a:r>
-            <a:r>
-              <a:rPr lang="en-US" altLang="ko-KR" sz="1600" dirty="0"/>
-              <a:t>(900kbps), </a:t>
-            </a:r>
-            <a:r>
-              <a:rPr lang="en-US" altLang="ko-KR" sz="1600" dirty="0" smtClean="0"/>
-              <a:t>UE3 </a:t>
-            </a:r>
-            <a:r>
-              <a:rPr lang="en-US" altLang="ko-KR" sz="1600" dirty="0"/>
-              <a:t>(900kbps), </a:t>
-            </a:r>
-            <a:r>
-              <a:rPr lang="en-US" altLang="ko-KR" sz="1600" dirty="0" smtClean="0"/>
-              <a:t>UE4 </a:t>
-            </a:r>
-            <a:r>
-              <a:rPr lang="en-US" altLang="ko-KR" sz="1600" dirty="0"/>
-              <a:t>(900kbps), </a:t>
-            </a:r>
-            <a:r>
-              <a:rPr lang="en-US" altLang="ko-KR" sz="1600" dirty="0" smtClean="0"/>
-              <a:t>UE5 </a:t>
-            </a:r>
-            <a:r>
-              <a:rPr lang="en-US" altLang="ko-KR" sz="1600" dirty="0"/>
-              <a:t>(900kbps),</a:t>
+              <a:t>AP1:	UE2 (900kbps), UE3 (900kbps), UE4 (900kbps), UE5 (900kbps),</a:t>
             </a:r>
           </a:p>
           <a:p>
             <a:pPr lvl="1"/>
             <a:r>
               <a:rPr lang="en-US" altLang="ko-KR" sz="1600" dirty="0"/>
-              <a:t>AP2:	</a:t>
-            </a:r>
-            <a:r>
-              <a:rPr lang="en-US" altLang="ko-KR" sz="1600" dirty="0" smtClean="0"/>
-              <a:t>UE1 </a:t>
-            </a:r>
-            <a:r>
-              <a:rPr lang="en-US" altLang="ko-KR" sz="1600" dirty="0"/>
-              <a:t>(4000kbps)</a:t>
+              <a:t>AP2:	UE1 (4000kbps)</a:t>
             </a:r>
           </a:p>
           <a:p>
             <a:r>
               <a:rPr lang="en-US" altLang="ko-KR" sz="2000" dirty="0"/>
-              <a:t>Multi:		</a:t>
+              <a:t>Multi:		40.29</a:t>
             </a:r>
-            <a:r>
-              <a:rPr lang="en-US" altLang="ko-KR" sz="2000" dirty="0" smtClean="0"/>
-              <a:t>40.29</a:t>
-            </a:r>
-            <a:endParaRPr lang="en-US" altLang="ko-KR" sz="2000" dirty="0"/>
           </a:p>
           <a:p>
             <a:pPr lvl="1"/>
@@ -19657,7 +19327,7 @@
           <p:cNvPr id="5" name="그림 4">
             <a:extLst>
               <a:ext uri="{FF2B5EF4-FFF2-40B4-BE49-F238E27FC236}">
-                <a16:creationId xmlns="" xmlns:a16="http://schemas.microsoft.com/office/drawing/2014/main" id="{7A94A089-C17F-4C8D-B42D-C2F1C38A8DF6}"/>
+                <a16:creationId xmlns:a16="http://schemas.microsoft.com/office/drawing/2014/main" id="{7A94A089-C17F-4C8D-B42D-C2F1C38A8DF6}"/>
               </a:ext>
             </a:extLst>
           </p:cNvPr>
@@ -19687,7 +19357,7 @@
           <p:cNvPr id="2" name="제목 1">
             <a:extLst>
               <a:ext uri="{FF2B5EF4-FFF2-40B4-BE49-F238E27FC236}">
-                <a16:creationId xmlns="" xmlns:a16="http://schemas.microsoft.com/office/drawing/2014/main" id="{897314C7-92BD-4C45-AAF1-8BF19AA2FBB7}"/>
+                <a16:creationId xmlns:a16="http://schemas.microsoft.com/office/drawing/2014/main" id="{897314C7-92BD-4C45-AAF1-8BF19AA2FBB7}"/>
               </a:ext>
             </a:extLst>
           </p:cNvPr>
@@ -19716,7 +19386,7 @@
           <p:cNvPr id="16" name="슬라이드 번호 개체 틀 3">
             <a:extLst>
               <a:ext uri="{FF2B5EF4-FFF2-40B4-BE49-F238E27FC236}">
-                <a16:creationId xmlns="" xmlns:a16="http://schemas.microsoft.com/office/drawing/2014/main" id="{E02D7933-6B92-4213-9EE1-6FAA1EF2923A}"/>
+                <a16:creationId xmlns:a16="http://schemas.microsoft.com/office/drawing/2014/main" id="{E02D7933-6B92-4213-9EE1-6FAA1EF2923A}"/>
               </a:ext>
             </a:extLst>
           </p:cNvPr>
@@ -19756,7 +19426,7 @@
           <p:cNvPr id="17" name="TextBox 16">
             <a:extLst>
               <a:ext uri="{FF2B5EF4-FFF2-40B4-BE49-F238E27FC236}">
-                <a16:creationId xmlns="" xmlns:a16="http://schemas.microsoft.com/office/drawing/2014/main" id="{03975C27-C0BA-416E-906F-F3CA83CDBEFD}"/>
+                <a16:creationId xmlns:a16="http://schemas.microsoft.com/office/drawing/2014/main" id="{03975C27-C0BA-416E-906F-F3CA83CDBEFD}"/>
               </a:ext>
             </a:extLst>
           </p:cNvPr>
@@ -19788,15 +19458,7 @@
                   <a:srgbClr val="FF0000"/>
                 </a:solidFill>
               </a:rPr>
-              <a:t>-</a:t>
-            </a:r>
-            <a:r>
-              <a:rPr lang="en-US" altLang="ko-KR" sz="1400" dirty="0" smtClean="0">
-                <a:solidFill>
-                  <a:srgbClr val="FF0000"/>
-                </a:solidFill>
-              </a:rPr>
-              <a:t>71dB</a:t>
+              <a:t>-71dB</a:t>
             </a:r>
             <a:endParaRPr lang="ko-KR" altLang="en-US" sz="1400" dirty="0">
               <a:solidFill>
@@ -19811,7 +19473,7 @@
           <p:cNvPr id="18" name="TextBox 17">
             <a:extLst>
               <a:ext uri="{FF2B5EF4-FFF2-40B4-BE49-F238E27FC236}">
-                <a16:creationId xmlns="" xmlns:a16="http://schemas.microsoft.com/office/drawing/2014/main" id="{A4A8CEC5-7348-45DE-8BBB-814DFF399551}"/>
+                <a16:creationId xmlns:a16="http://schemas.microsoft.com/office/drawing/2014/main" id="{A4A8CEC5-7348-45DE-8BBB-814DFF399551}"/>
               </a:ext>
             </a:extLst>
           </p:cNvPr>
@@ -19843,15 +19505,7 @@
                   <a:srgbClr val="FF0000"/>
                 </a:solidFill>
               </a:rPr>
-              <a:t>-</a:t>
-            </a:r>
-            <a:r>
-              <a:rPr lang="en-US" altLang="ko-KR" sz="1400" dirty="0" smtClean="0">
-                <a:solidFill>
-                  <a:srgbClr val="FF0000"/>
-                </a:solidFill>
-              </a:rPr>
-              <a:t>69dB</a:t>
+              <a:t>-69dB</a:t>
             </a:r>
             <a:endParaRPr lang="ko-KR" altLang="en-US" sz="1400" dirty="0">
               <a:solidFill>
@@ -19866,7 +19520,7 @@
           <p:cNvPr id="19" name="TextBox 18">
             <a:extLst>
               <a:ext uri="{FF2B5EF4-FFF2-40B4-BE49-F238E27FC236}">
-                <a16:creationId xmlns="" xmlns:a16="http://schemas.microsoft.com/office/drawing/2014/main" id="{B68B1D62-A93B-4D17-A87B-55B62A0C4882}"/>
+                <a16:creationId xmlns:a16="http://schemas.microsoft.com/office/drawing/2014/main" id="{B68B1D62-A93B-4D17-A87B-55B62A0C4882}"/>
               </a:ext>
             </a:extLst>
           </p:cNvPr>
@@ -19893,7 +19547,7 @@
           <a:lstStyle/>
           <a:p>
             <a:r>
-              <a:rPr lang="en-US" altLang="ko-KR" sz="1400" dirty="0" smtClean="0">
+              <a:rPr lang="en-US" altLang="ko-KR" sz="1400" dirty="0">
                 <a:solidFill>
                   <a:srgbClr val="FF0000"/>
                 </a:solidFill>
@@ -19913,7 +19567,7 @@
           <p:cNvPr id="20" name="TextBox 19">
             <a:extLst>
               <a:ext uri="{FF2B5EF4-FFF2-40B4-BE49-F238E27FC236}">
-                <a16:creationId xmlns="" xmlns:a16="http://schemas.microsoft.com/office/drawing/2014/main" id="{9B5471B0-78DA-448C-A778-D8E042E0CC71}"/>
+                <a16:creationId xmlns:a16="http://schemas.microsoft.com/office/drawing/2014/main" id="{9B5471B0-78DA-448C-A778-D8E042E0CC71}"/>
               </a:ext>
             </a:extLst>
           </p:cNvPr>
@@ -19945,15 +19599,7 @@
                   <a:srgbClr val="FF0000"/>
                 </a:solidFill>
               </a:rPr>
-              <a:t>-</a:t>
-            </a:r>
-            <a:r>
-              <a:rPr lang="en-US" altLang="ko-KR" sz="1400" dirty="0" smtClean="0">
-                <a:solidFill>
-                  <a:srgbClr val="FF0000"/>
-                </a:solidFill>
-              </a:rPr>
-              <a:t>64dB</a:t>
+              <a:t>-64dB</a:t>
             </a:r>
             <a:endParaRPr lang="ko-KR" altLang="en-US" sz="1400" dirty="0">
               <a:solidFill>
@@ -19968,7 +19614,7 @@
           <p:cNvPr id="21" name="TextBox 20">
             <a:extLst>
               <a:ext uri="{FF2B5EF4-FFF2-40B4-BE49-F238E27FC236}">
-                <a16:creationId xmlns="" xmlns:a16="http://schemas.microsoft.com/office/drawing/2014/main" id="{A66A454C-569C-4667-9827-26E2108F56E2}"/>
+                <a16:creationId xmlns:a16="http://schemas.microsoft.com/office/drawing/2014/main" id="{A66A454C-569C-4667-9827-26E2108F56E2}"/>
               </a:ext>
             </a:extLst>
           </p:cNvPr>
@@ -19995,7 +19641,7 @@
           <a:lstStyle/>
           <a:p>
             <a:r>
-              <a:rPr lang="en-US" altLang="ko-KR" sz="1400" dirty="0" smtClean="0">
+              <a:rPr lang="en-US" altLang="ko-KR" sz="1400" dirty="0">
                 <a:solidFill>
                   <a:srgbClr val="FF0000"/>
                 </a:solidFill>
@@ -20015,7 +19661,7 @@
           <p:cNvPr id="22" name="TextBox 21">
             <a:extLst>
               <a:ext uri="{FF2B5EF4-FFF2-40B4-BE49-F238E27FC236}">
-                <a16:creationId xmlns="" xmlns:a16="http://schemas.microsoft.com/office/drawing/2014/main" id="{5A40C666-415E-477D-8431-A706724AA571}"/>
+                <a16:creationId xmlns:a16="http://schemas.microsoft.com/office/drawing/2014/main" id="{5A40C666-415E-477D-8431-A706724AA571}"/>
               </a:ext>
             </a:extLst>
           </p:cNvPr>
@@ -20042,7 +19688,7 @@
           <a:lstStyle/>
           <a:p>
             <a:r>
-              <a:rPr lang="en-US" altLang="ko-KR" sz="1400" dirty="0" smtClean="0">
+              <a:rPr lang="en-US" altLang="ko-KR" sz="1400" dirty="0">
                 <a:solidFill>
                   <a:srgbClr val="FF0000"/>
                 </a:solidFill>
@@ -20062,7 +19708,7 @@
           <p:cNvPr id="23" name="TextBox 22">
             <a:extLst>
               <a:ext uri="{FF2B5EF4-FFF2-40B4-BE49-F238E27FC236}">
-                <a16:creationId xmlns="" xmlns:a16="http://schemas.microsoft.com/office/drawing/2014/main" id="{A455C8F1-401D-46DF-92A6-F1C5436EB962}"/>
+                <a16:creationId xmlns:a16="http://schemas.microsoft.com/office/drawing/2014/main" id="{A455C8F1-401D-46DF-92A6-F1C5436EB962}"/>
               </a:ext>
             </a:extLst>
           </p:cNvPr>
@@ -20094,15 +19740,7 @@
                   <a:srgbClr val="FF0000"/>
                 </a:solidFill>
               </a:rPr>
-              <a:t>-</a:t>
-            </a:r>
-            <a:r>
-              <a:rPr lang="en-US" altLang="ko-KR" sz="1400" dirty="0" smtClean="0">
-                <a:solidFill>
-                  <a:srgbClr val="FF0000"/>
-                </a:solidFill>
-              </a:rPr>
-              <a:t>76dB</a:t>
+              <a:t>-76dB</a:t>
             </a:r>
             <a:endParaRPr lang="ko-KR" altLang="en-US" sz="1400" dirty="0">
               <a:solidFill>
@@ -20117,7 +19755,7 @@
           <p:cNvPr id="24" name="TextBox 23">
             <a:extLst>
               <a:ext uri="{FF2B5EF4-FFF2-40B4-BE49-F238E27FC236}">
-                <a16:creationId xmlns="" xmlns:a16="http://schemas.microsoft.com/office/drawing/2014/main" id="{09FA3E77-CE10-4BC1-8D86-8B9E033CB9A4}"/>
+                <a16:creationId xmlns:a16="http://schemas.microsoft.com/office/drawing/2014/main" id="{09FA3E77-CE10-4BC1-8D86-8B9E033CB9A4}"/>
               </a:ext>
             </a:extLst>
           </p:cNvPr>
@@ -20149,15 +19787,7 @@
                   <a:srgbClr val="FF0000"/>
                 </a:solidFill>
               </a:rPr>
-              <a:t>-</a:t>
-            </a:r>
-            <a:r>
-              <a:rPr lang="en-US" altLang="ko-KR" sz="1400" dirty="0" smtClean="0">
-                <a:solidFill>
-                  <a:srgbClr val="FF0000"/>
-                </a:solidFill>
-              </a:rPr>
-              <a:t>70dB</a:t>
+              <a:t>-70dB</a:t>
             </a:r>
             <a:endParaRPr lang="ko-KR" altLang="en-US" sz="1400" dirty="0">
               <a:solidFill>
@@ -20172,7 +19802,7 @@
           <p:cNvPr id="25" name="TextBox 24">
             <a:extLst>
               <a:ext uri="{FF2B5EF4-FFF2-40B4-BE49-F238E27FC236}">
-                <a16:creationId xmlns="" xmlns:a16="http://schemas.microsoft.com/office/drawing/2014/main" id="{B83DFD3A-7292-421B-8727-609E354AB8B4}"/>
+                <a16:creationId xmlns:a16="http://schemas.microsoft.com/office/drawing/2014/main" id="{B83DFD3A-7292-421B-8727-609E354AB8B4}"/>
               </a:ext>
             </a:extLst>
           </p:cNvPr>
@@ -20199,7 +19829,7 @@
           <a:lstStyle/>
           <a:p>
             <a:r>
-              <a:rPr lang="en-US" altLang="ko-KR" sz="1400" dirty="0" smtClean="0">
+              <a:rPr lang="en-US" altLang="ko-KR" sz="1400" dirty="0">
                 <a:solidFill>
                   <a:srgbClr val="FF0000"/>
                 </a:solidFill>
@@ -20219,7 +19849,7 @@
           <p:cNvPr id="26" name="TextBox 25">
             <a:extLst>
               <a:ext uri="{FF2B5EF4-FFF2-40B4-BE49-F238E27FC236}">
-                <a16:creationId xmlns="" xmlns:a16="http://schemas.microsoft.com/office/drawing/2014/main" id="{9E49930A-521C-4B8E-A165-62750D5234B2}"/>
+                <a16:creationId xmlns:a16="http://schemas.microsoft.com/office/drawing/2014/main" id="{9E49930A-521C-4B8E-A165-62750D5234B2}"/>
               </a:ext>
             </a:extLst>
           </p:cNvPr>
@@ -20251,15 +19881,7 @@
                   <a:srgbClr val="FF0000"/>
                 </a:solidFill>
               </a:rPr>
-              <a:t>-</a:t>
-            </a:r>
-            <a:r>
-              <a:rPr lang="en-US" altLang="ko-KR" sz="1400" dirty="0" smtClean="0">
-                <a:solidFill>
-                  <a:srgbClr val="FF0000"/>
-                </a:solidFill>
-              </a:rPr>
-              <a:t>67dB</a:t>
+              <a:t>-67dB</a:t>
             </a:r>
             <a:endParaRPr lang="ko-KR" altLang="en-US" sz="1400" dirty="0">
               <a:solidFill>
@@ -20279,13 +19901,6 @@
   <p:clrMapOvr>
     <a:masterClrMapping/>
   </p:clrMapOvr>
-  <p:timing>
-    <p:tnLst>
-      <p:par>
-        <p:cTn id="1" dur="indefinite" restart="never" nodeType="tmRoot"/>
-      </p:par>
-    </p:tnLst>
-  </p:timing>
 </p:sld>
 </file>
 
@@ -20311,7 +19926,7 @@
           <p:cNvPr id="3" name="내용 개체 틀 2">
             <a:extLst>
               <a:ext uri="{FF2B5EF4-FFF2-40B4-BE49-F238E27FC236}">
-                <a16:creationId xmlns="" xmlns:a16="http://schemas.microsoft.com/office/drawing/2014/main" id="{DE8BFF22-D990-4F51-B947-CAF4A8D16C78}"/>
+                <a16:creationId xmlns:a16="http://schemas.microsoft.com/office/drawing/2014/main" id="{DE8BFF22-D990-4F51-B947-CAF4A8D16C78}"/>
               </a:ext>
             </a:extLst>
           </p:cNvPr>
@@ -20366,78 +19981,28 @@
           <a:p>
             <a:r>
               <a:rPr lang="en-US" altLang="ko-KR" sz="2000" dirty="0"/>
-              <a:t>Single:	</a:t>
+              <a:t>Single:	39.49</a:t>
             </a:r>
-            <a:r>
-              <a:rPr lang="en-US" altLang="ko-KR" sz="2000" dirty="0" smtClean="0"/>
-              <a:t>39.49</a:t>
-            </a:r>
-            <a:endParaRPr lang="en-US" altLang="ko-KR" sz="2000" dirty="0"/>
           </a:p>
           <a:p>
             <a:pPr lvl="1"/>
             <a:r>
               <a:rPr lang="en-US" altLang="ko-KR" sz="1600" dirty="0"/>
-              <a:t>AP1:	</a:t>
-            </a:r>
-            <a:r>
-              <a:rPr lang="en-US" altLang="ko-KR" sz="1600" dirty="0" smtClean="0"/>
-              <a:t>UE2 </a:t>
-            </a:r>
-            <a:r>
-              <a:rPr lang="en-US" altLang="ko-KR" sz="1600" dirty="0"/>
-              <a:t>(900kbps), </a:t>
-            </a:r>
-            <a:r>
-              <a:rPr lang="en-US" altLang="ko-KR" sz="1600" dirty="0" smtClean="0"/>
-              <a:t>UE3 </a:t>
-            </a:r>
-            <a:r>
-              <a:rPr lang="en-US" altLang="ko-KR" sz="1600" dirty="0"/>
-              <a:t>(900kbps), </a:t>
-            </a:r>
-            <a:r>
-              <a:rPr lang="en-US" altLang="ko-KR" sz="1600" dirty="0" smtClean="0"/>
-              <a:t>UE4 </a:t>
-            </a:r>
-            <a:r>
-              <a:rPr lang="en-US" altLang="ko-KR" sz="1600" dirty="0"/>
-              <a:t>(900kbps), </a:t>
-            </a:r>
-            <a:r>
-              <a:rPr lang="en-US" altLang="ko-KR" sz="1600" dirty="0" smtClean="0"/>
-              <a:t>UE5 </a:t>
-            </a:r>
-            <a:r>
-              <a:rPr lang="en-US" altLang="ko-KR" sz="1600" dirty="0"/>
-              <a:t>(900kbps),</a:t>
+              <a:t>AP1:	UE2 (900kbps), UE3 (900kbps), UE4 (900kbps), UE5 (900kbps),</a:t>
             </a:r>
           </a:p>
           <a:p>
             <a:pPr lvl="1"/>
             <a:r>
               <a:rPr lang="en-US" altLang="ko-KR" sz="1600" dirty="0"/>
-              <a:t>AP2:	</a:t>
-            </a:r>
-            <a:r>
-              <a:rPr lang="en-US" altLang="ko-KR" sz="1600" dirty="0" smtClean="0"/>
-              <a:t>UE1 </a:t>
-            </a:r>
-            <a:r>
-              <a:rPr lang="en-US" altLang="ko-KR" sz="1600" dirty="0"/>
-              <a:t>(4000kbps)</a:t>
+              <a:t>AP2:	UE1 (4000kbps)</a:t>
             </a:r>
           </a:p>
           <a:p>
             <a:r>
               <a:rPr lang="en-US" altLang="ko-KR" sz="2000" dirty="0"/>
-              <a:t>Multi:		</a:t>
+              <a:t>Multi:		40.29</a:t>
             </a:r>
-            <a:r>
-              <a:rPr lang="en-US" altLang="ko-KR" sz="2000" dirty="0" smtClean="0"/>
-              <a:t>40.29</a:t>
-            </a:r>
-            <a:endParaRPr lang="en-US" altLang="ko-KR" sz="2000" dirty="0"/>
           </a:p>
           <a:p>
             <a:pPr lvl="1"/>
@@ -20482,7 +20047,7 @@
           <p:cNvPr id="5" name="그림 4">
             <a:extLst>
               <a:ext uri="{FF2B5EF4-FFF2-40B4-BE49-F238E27FC236}">
-                <a16:creationId xmlns="" xmlns:a16="http://schemas.microsoft.com/office/drawing/2014/main" id="{7A94A089-C17F-4C8D-B42D-C2F1C38A8DF6}"/>
+                <a16:creationId xmlns:a16="http://schemas.microsoft.com/office/drawing/2014/main" id="{7A94A089-C17F-4C8D-B42D-C2F1C38A8DF6}"/>
               </a:ext>
             </a:extLst>
           </p:cNvPr>
@@ -20512,7 +20077,7 @@
           <p:cNvPr id="2" name="제목 1">
             <a:extLst>
               <a:ext uri="{FF2B5EF4-FFF2-40B4-BE49-F238E27FC236}">
-                <a16:creationId xmlns="" xmlns:a16="http://schemas.microsoft.com/office/drawing/2014/main" id="{897314C7-92BD-4C45-AAF1-8BF19AA2FBB7}"/>
+                <a16:creationId xmlns:a16="http://schemas.microsoft.com/office/drawing/2014/main" id="{897314C7-92BD-4C45-AAF1-8BF19AA2FBB7}"/>
               </a:ext>
             </a:extLst>
           </p:cNvPr>
@@ -20541,7 +20106,7 @@
           <p:cNvPr id="16" name="슬라이드 번호 개체 틀 3">
             <a:extLst>
               <a:ext uri="{FF2B5EF4-FFF2-40B4-BE49-F238E27FC236}">
-                <a16:creationId xmlns="" xmlns:a16="http://schemas.microsoft.com/office/drawing/2014/main" id="{E02D7933-6B92-4213-9EE1-6FAA1EF2923A}"/>
+                <a16:creationId xmlns:a16="http://schemas.microsoft.com/office/drawing/2014/main" id="{E02D7933-6B92-4213-9EE1-6FAA1EF2923A}"/>
               </a:ext>
             </a:extLst>
           </p:cNvPr>
@@ -20581,7 +20146,7 @@
           <p:cNvPr id="17" name="TextBox 16">
             <a:extLst>
               <a:ext uri="{FF2B5EF4-FFF2-40B4-BE49-F238E27FC236}">
-                <a16:creationId xmlns="" xmlns:a16="http://schemas.microsoft.com/office/drawing/2014/main" id="{03975C27-C0BA-416E-906F-F3CA83CDBEFD}"/>
+                <a16:creationId xmlns:a16="http://schemas.microsoft.com/office/drawing/2014/main" id="{03975C27-C0BA-416E-906F-F3CA83CDBEFD}"/>
               </a:ext>
             </a:extLst>
           </p:cNvPr>
@@ -20613,15 +20178,7 @@
                   <a:srgbClr val="FF0000"/>
                 </a:solidFill>
               </a:rPr>
-              <a:t>-</a:t>
-            </a:r>
-            <a:r>
-              <a:rPr lang="en-US" altLang="ko-KR" sz="1400" dirty="0" smtClean="0">
-                <a:solidFill>
-                  <a:srgbClr val="FF0000"/>
-                </a:solidFill>
-              </a:rPr>
-              <a:t>71dB</a:t>
+              <a:t>-71dB</a:t>
             </a:r>
             <a:endParaRPr lang="ko-KR" altLang="en-US" sz="1400" dirty="0">
               <a:solidFill>
@@ -20636,7 +20193,7 @@
           <p:cNvPr id="18" name="TextBox 17">
             <a:extLst>
               <a:ext uri="{FF2B5EF4-FFF2-40B4-BE49-F238E27FC236}">
-                <a16:creationId xmlns="" xmlns:a16="http://schemas.microsoft.com/office/drawing/2014/main" id="{A4A8CEC5-7348-45DE-8BBB-814DFF399551}"/>
+                <a16:creationId xmlns:a16="http://schemas.microsoft.com/office/drawing/2014/main" id="{A4A8CEC5-7348-45DE-8BBB-814DFF399551}"/>
               </a:ext>
             </a:extLst>
           </p:cNvPr>
@@ -20668,15 +20225,7 @@
                   <a:srgbClr val="FF0000"/>
                 </a:solidFill>
               </a:rPr>
-              <a:t>-</a:t>
-            </a:r>
-            <a:r>
-              <a:rPr lang="en-US" altLang="ko-KR" sz="1400" dirty="0" smtClean="0">
-                <a:solidFill>
-                  <a:srgbClr val="FF0000"/>
-                </a:solidFill>
-              </a:rPr>
-              <a:t>69dB</a:t>
+              <a:t>-69dB</a:t>
             </a:r>
             <a:endParaRPr lang="ko-KR" altLang="en-US" sz="1400" dirty="0">
               <a:solidFill>
@@ -20691,7 +20240,7 @@
           <p:cNvPr id="19" name="TextBox 18">
             <a:extLst>
               <a:ext uri="{FF2B5EF4-FFF2-40B4-BE49-F238E27FC236}">
-                <a16:creationId xmlns="" xmlns:a16="http://schemas.microsoft.com/office/drawing/2014/main" id="{B68B1D62-A93B-4D17-A87B-55B62A0C4882}"/>
+                <a16:creationId xmlns:a16="http://schemas.microsoft.com/office/drawing/2014/main" id="{B68B1D62-A93B-4D17-A87B-55B62A0C4882}"/>
               </a:ext>
             </a:extLst>
           </p:cNvPr>
@@ -20718,7 +20267,7 @@
           <a:lstStyle/>
           <a:p>
             <a:r>
-              <a:rPr lang="en-US" altLang="ko-KR" sz="1400" dirty="0" smtClean="0">
+              <a:rPr lang="en-US" altLang="ko-KR" sz="1400" dirty="0">
                 <a:solidFill>
                   <a:srgbClr val="FF0000"/>
                 </a:solidFill>
@@ -20738,7 +20287,7 @@
           <p:cNvPr id="20" name="TextBox 19">
             <a:extLst>
               <a:ext uri="{FF2B5EF4-FFF2-40B4-BE49-F238E27FC236}">
-                <a16:creationId xmlns="" xmlns:a16="http://schemas.microsoft.com/office/drawing/2014/main" id="{9B5471B0-78DA-448C-A778-D8E042E0CC71}"/>
+                <a16:creationId xmlns:a16="http://schemas.microsoft.com/office/drawing/2014/main" id="{9B5471B0-78DA-448C-A778-D8E042E0CC71}"/>
               </a:ext>
             </a:extLst>
           </p:cNvPr>
@@ -20770,15 +20319,7 @@
                   <a:srgbClr val="FF0000"/>
                 </a:solidFill>
               </a:rPr>
-              <a:t>-</a:t>
-            </a:r>
-            <a:r>
-              <a:rPr lang="en-US" altLang="ko-KR" sz="1400" dirty="0" smtClean="0">
-                <a:solidFill>
-                  <a:srgbClr val="FF0000"/>
-                </a:solidFill>
-              </a:rPr>
-              <a:t>64dB</a:t>
+              <a:t>-64dB</a:t>
             </a:r>
             <a:endParaRPr lang="ko-KR" altLang="en-US" sz="1400" dirty="0">
               <a:solidFill>
@@ -20793,7 +20334,7 @@
           <p:cNvPr id="21" name="TextBox 20">
             <a:extLst>
               <a:ext uri="{FF2B5EF4-FFF2-40B4-BE49-F238E27FC236}">
-                <a16:creationId xmlns="" xmlns:a16="http://schemas.microsoft.com/office/drawing/2014/main" id="{A66A454C-569C-4667-9827-26E2108F56E2}"/>
+                <a16:creationId xmlns:a16="http://schemas.microsoft.com/office/drawing/2014/main" id="{A66A454C-569C-4667-9827-26E2108F56E2}"/>
               </a:ext>
             </a:extLst>
           </p:cNvPr>
@@ -20820,7 +20361,7 @@
           <a:lstStyle/>
           <a:p>
             <a:r>
-              <a:rPr lang="en-US" altLang="ko-KR" sz="1400" dirty="0" smtClean="0">
+              <a:rPr lang="en-US" altLang="ko-KR" sz="1400" dirty="0">
                 <a:solidFill>
                   <a:srgbClr val="FF0000"/>
                 </a:solidFill>
@@ -20840,7 +20381,7 @@
           <p:cNvPr id="22" name="TextBox 21">
             <a:extLst>
               <a:ext uri="{FF2B5EF4-FFF2-40B4-BE49-F238E27FC236}">
-                <a16:creationId xmlns="" xmlns:a16="http://schemas.microsoft.com/office/drawing/2014/main" id="{5A40C666-415E-477D-8431-A706724AA571}"/>
+                <a16:creationId xmlns:a16="http://schemas.microsoft.com/office/drawing/2014/main" id="{5A40C666-415E-477D-8431-A706724AA571}"/>
               </a:ext>
             </a:extLst>
           </p:cNvPr>
@@ -20867,7 +20408,7 @@
           <a:lstStyle/>
           <a:p>
             <a:r>
-              <a:rPr lang="en-US" altLang="ko-KR" sz="1400" dirty="0" smtClean="0">
+              <a:rPr lang="en-US" altLang="ko-KR" sz="1400" dirty="0">
                 <a:solidFill>
                   <a:srgbClr val="FF0000"/>
                 </a:solidFill>
@@ -20887,7 +20428,7 @@
           <p:cNvPr id="23" name="TextBox 22">
             <a:extLst>
               <a:ext uri="{FF2B5EF4-FFF2-40B4-BE49-F238E27FC236}">
-                <a16:creationId xmlns="" xmlns:a16="http://schemas.microsoft.com/office/drawing/2014/main" id="{A455C8F1-401D-46DF-92A6-F1C5436EB962}"/>
+                <a16:creationId xmlns:a16="http://schemas.microsoft.com/office/drawing/2014/main" id="{A455C8F1-401D-46DF-92A6-F1C5436EB962}"/>
               </a:ext>
             </a:extLst>
           </p:cNvPr>
@@ -20919,15 +20460,7 @@
                   <a:srgbClr val="FF0000"/>
                 </a:solidFill>
               </a:rPr>
-              <a:t>-</a:t>
-            </a:r>
-            <a:r>
-              <a:rPr lang="en-US" altLang="ko-KR" sz="1400" dirty="0" smtClean="0">
-                <a:solidFill>
-                  <a:srgbClr val="FF0000"/>
-                </a:solidFill>
-              </a:rPr>
-              <a:t>76dB</a:t>
+              <a:t>-76dB</a:t>
             </a:r>
             <a:endParaRPr lang="ko-KR" altLang="en-US" sz="1400" dirty="0">
               <a:solidFill>
@@ -20942,7 +20475,7 @@
           <p:cNvPr id="24" name="TextBox 23">
             <a:extLst>
               <a:ext uri="{FF2B5EF4-FFF2-40B4-BE49-F238E27FC236}">
-                <a16:creationId xmlns="" xmlns:a16="http://schemas.microsoft.com/office/drawing/2014/main" id="{09FA3E77-CE10-4BC1-8D86-8B9E033CB9A4}"/>
+                <a16:creationId xmlns:a16="http://schemas.microsoft.com/office/drawing/2014/main" id="{09FA3E77-CE10-4BC1-8D86-8B9E033CB9A4}"/>
               </a:ext>
             </a:extLst>
           </p:cNvPr>
@@ -20974,15 +20507,7 @@
                   <a:srgbClr val="FF0000"/>
                 </a:solidFill>
               </a:rPr>
-              <a:t>-</a:t>
-            </a:r>
-            <a:r>
-              <a:rPr lang="en-US" altLang="ko-KR" sz="1400" dirty="0" smtClean="0">
-                <a:solidFill>
-                  <a:srgbClr val="FF0000"/>
-                </a:solidFill>
-              </a:rPr>
-              <a:t>70dB</a:t>
+              <a:t>-70dB</a:t>
             </a:r>
             <a:endParaRPr lang="ko-KR" altLang="en-US" sz="1400" dirty="0">
               <a:solidFill>
@@ -20997,7 +20522,7 @@
           <p:cNvPr id="25" name="TextBox 24">
             <a:extLst>
               <a:ext uri="{FF2B5EF4-FFF2-40B4-BE49-F238E27FC236}">
-                <a16:creationId xmlns="" xmlns:a16="http://schemas.microsoft.com/office/drawing/2014/main" id="{B83DFD3A-7292-421B-8727-609E354AB8B4}"/>
+                <a16:creationId xmlns:a16="http://schemas.microsoft.com/office/drawing/2014/main" id="{B83DFD3A-7292-421B-8727-609E354AB8B4}"/>
               </a:ext>
             </a:extLst>
           </p:cNvPr>
@@ -21024,7 +20549,7 @@
           <a:lstStyle/>
           <a:p>
             <a:r>
-              <a:rPr lang="en-US" altLang="ko-KR" sz="1400" dirty="0" smtClean="0">
+              <a:rPr lang="en-US" altLang="ko-KR" sz="1400" dirty="0">
                 <a:solidFill>
                   <a:srgbClr val="FF0000"/>
                 </a:solidFill>
@@ -21044,7 +20569,7 @@
           <p:cNvPr id="26" name="TextBox 25">
             <a:extLst>
               <a:ext uri="{FF2B5EF4-FFF2-40B4-BE49-F238E27FC236}">
-                <a16:creationId xmlns="" xmlns:a16="http://schemas.microsoft.com/office/drawing/2014/main" id="{9E49930A-521C-4B8E-A165-62750D5234B2}"/>
+                <a16:creationId xmlns:a16="http://schemas.microsoft.com/office/drawing/2014/main" id="{9E49930A-521C-4B8E-A165-62750D5234B2}"/>
               </a:ext>
             </a:extLst>
           </p:cNvPr>
@@ -21076,15 +20601,7 @@
                   <a:srgbClr val="FF0000"/>
                 </a:solidFill>
               </a:rPr>
-              <a:t>-</a:t>
-            </a:r>
-            <a:r>
-              <a:rPr lang="en-US" altLang="ko-KR" sz="1400" dirty="0" smtClean="0">
-                <a:solidFill>
-                  <a:srgbClr val="FF0000"/>
-                </a:solidFill>
-              </a:rPr>
-              <a:t>67dB</a:t>
+              <a:t>-67dB</a:t>
             </a:r>
             <a:endParaRPr lang="ko-KR" altLang="en-US" sz="1400" dirty="0">
               <a:solidFill>
@@ -21121,7 +20638,7 @@
           <a:lstStyle/>
           <a:p>
             <a:pPr algn="ctr"/>
-            <a:endParaRPr lang="ko-KR" altLang="en-US" sz="1200" i="1" smtClean="0">
+            <a:endParaRPr lang="ko-KR" altLang="en-US" sz="1200" i="1">
               <a:solidFill>
                 <a:srgbClr val="FF0000"/>
               </a:solidFill>
@@ -21157,7 +20674,7 @@
           <a:lstStyle/>
           <a:p>
             <a:pPr algn="ctr"/>
-            <a:endParaRPr lang="ko-KR" altLang="en-US" sz="1200" i="1" smtClean="0">
+            <a:endParaRPr lang="ko-KR" altLang="en-US" sz="1200" i="1">
               <a:solidFill>
                 <a:srgbClr val="FF0000"/>
               </a:solidFill>
@@ -21184,7 +20701,6 @@
           <a:ln>
             <a:noFill/>
           </a:ln>
-          <a:extLst/>
         </p:spPr>
         <p:txBody>
           <a:bodyPr wrap="none" rtlCol="0">
@@ -21193,7 +20709,7 @@
           <a:lstStyle/>
           <a:p>
             <a:r>
-              <a:rPr lang="en-US" altLang="ko-KR" sz="1800" b="1" i="1" dirty="0" smtClean="0">
+              <a:rPr lang="en-US" altLang="ko-KR" sz="1800" b="1" i="1" dirty="0">
                 <a:solidFill>
                   <a:srgbClr val="FF0000"/>
                 </a:solidFill>
@@ -21201,7 +20717,7 @@
               <a:t>λ = </a:t>
             </a:r>
             <a:r>
-              <a:rPr lang="en-US" altLang="ko-KR" sz="1800" b="1" dirty="0" smtClean="0">
+              <a:rPr lang="en-US" altLang="ko-KR" sz="1800" b="1" dirty="0">
                 <a:solidFill>
                   <a:srgbClr val="FF0000"/>
                 </a:solidFill>
@@ -21234,7 +20750,6 @@
           <a:ln>
             <a:noFill/>
           </a:ln>
-          <a:extLst/>
         </p:spPr>
         <p:txBody>
           <a:bodyPr wrap="none" rtlCol="0">
@@ -21243,7 +20758,7 @@
           <a:lstStyle/>
           <a:p>
             <a:r>
-              <a:rPr lang="en-US" altLang="ko-KR" sz="1800" b="1" i="1" dirty="0" smtClean="0">
+              <a:rPr lang="en-US" altLang="ko-KR" sz="1800" b="1" i="1" dirty="0">
                 <a:solidFill>
                   <a:srgbClr val="FF0000"/>
                 </a:solidFill>
@@ -21251,20 +20766,12 @@
               <a:t>λ = </a:t>
             </a:r>
             <a:r>
-              <a:rPr lang="en-US" altLang="ko-KR" sz="1800" b="1" dirty="0" smtClean="0">
+              <a:rPr lang="en-US" altLang="ko-KR" sz="1800" b="1" dirty="0">
                 <a:solidFill>
                   <a:srgbClr val="FF0000"/>
                 </a:solidFill>
               </a:rPr>
-              <a:t>12</a:t>
-            </a:r>
-            <a:r>
-              <a:rPr lang="en-US" altLang="ko-KR" sz="1800" b="1" dirty="0" smtClean="0">
-                <a:solidFill>
-                  <a:srgbClr val="FF0000"/>
-                </a:solidFill>
-              </a:rPr>
-              <a:t>.16</a:t>
+              <a:t>12.16</a:t>
             </a:r>
             <a:endParaRPr lang="ko-KR" altLang="en-US" sz="1800" b="1" dirty="0">
               <a:solidFill>
@@ -21292,7 +20799,6 @@
           <a:ln>
             <a:noFill/>
           </a:ln>
-          <a:extLst/>
         </p:spPr>
         <p:txBody>
           <a:bodyPr wrap="none" rtlCol="0">
@@ -21301,7 +20807,7 @@
           <a:lstStyle/>
           <a:p>
             <a:r>
-              <a:rPr lang="en-US" altLang="ko-KR" sz="1800" b="1" i="1" dirty="0" smtClean="0">
+              <a:rPr lang="en-US" altLang="ko-KR" sz="1800" b="1" i="1" dirty="0">
                 <a:solidFill>
                   <a:srgbClr val="FF0000"/>
                 </a:solidFill>
@@ -21309,7 +20815,7 @@
               <a:t>λ = </a:t>
             </a:r>
             <a:r>
-              <a:rPr lang="en-US" altLang="ko-KR" sz="1800" b="1" dirty="0" smtClean="0">
+              <a:rPr lang="en-US" altLang="ko-KR" sz="1800" b="1" dirty="0">
                 <a:solidFill>
                   <a:srgbClr val="FF0000"/>
                 </a:solidFill>
@@ -21334,13 +20840,6 @@
   <p:clrMapOvr>
     <a:masterClrMapping/>
   </p:clrMapOvr>
-  <p:timing>
-    <p:tnLst>
-      <p:par>
-        <p:cTn id="1" dur="indefinite" restart="never" nodeType="tmRoot"/>
-      </p:par>
-    </p:tnLst>
-  </p:timing>
 </p:sld>
 </file>
 
@@ -22507,7 +22006,7 @@
   <a:extraClrSchemeLst/>
   <a:extLst>
     <a:ext uri="{05A4C25C-085E-4340-85A3-A5531E510DB2}">
-      <thm15:themeFamily xmlns="" xmlns:thm15="http://schemas.microsoft.com/office/thememl/2012/main" name="Office Theme" id="{62F939B6-93AF-4DB8-9C6B-D6C7DFDC589F}" vid="{4A3C46E8-61CC-4603-A589-7422A47A8E4A}"/>
+      <thm15:themeFamily xmlns:thm15="http://schemas.microsoft.com/office/thememl/2012/main" name="Office Theme" id="{62F939B6-93AF-4DB8-9C6B-D6C7DFDC589F}" vid="{4A3C46E8-61CC-4603-A589-7422A47A8E4A}"/>
     </a:ext>
   </a:extLst>
 </a:theme>
